--- a/Episode-1_Function-Class-and-Object/docs/Episode-1_Function-Class-and-Object.pptx
+++ b/Episode-1_Function-Class-and-Object/docs/Episode-1_Function-Class-and-Object.pptx
@@ -1,28 +1,28 @@
 
 <file path=ppt/presentation.xml><?xml version="1.0" encoding="utf-8"?>
-<p:presentation xmlns:a="http://schemas.openxmlformats.org/drawingml/2006/main" xmlns:r="http://schemas.openxmlformats.org/officeDocument/2006/relationships" xmlns:p="http://schemas.openxmlformats.org/presentationml/2006/main" saveSubsetFonts="1">
+<p:presentation xmlns:a="http://schemas.openxmlformats.org/drawingml/2006/main" xmlns:r="http://schemas.openxmlformats.org/officeDocument/2006/relationships" xmlns:p="http://schemas.openxmlformats.org/presentationml/2006/main">
   <p:sldMasterIdLst>
     <p:sldMasterId id="2147483648" r:id="rId1"/>
   </p:sldMasterIdLst>
   <p:notesMasterIdLst>
-    <p:notesMasterId r:id="rId17"/>
+    <p:notesMasterId r:id="rId4"/>
   </p:notesMasterIdLst>
   <p:sldIdLst>
-    <p:sldId id="330" r:id="rId2"/>
-    <p:sldId id="258" r:id="rId3"/>
-    <p:sldId id="259" r:id="rId4"/>
-    <p:sldId id="291" r:id="rId5"/>
-    <p:sldId id="331" r:id="rId6"/>
-    <p:sldId id="333" r:id="rId7"/>
-    <p:sldId id="334" r:id="rId8"/>
-    <p:sldId id="341" r:id="rId9"/>
-    <p:sldId id="332" r:id="rId10"/>
-    <p:sldId id="338" r:id="rId11"/>
-    <p:sldId id="335" r:id="rId12"/>
-    <p:sldId id="340" r:id="rId13"/>
-    <p:sldId id="339" r:id="rId14"/>
-    <p:sldId id="336" r:id="rId15"/>
-    <p:sldId id="337" r:id="rId16"/>
+    <p:sldId id="330" r:id="rId3"/>
+    <p:sldId id="258" r:id="rId5"/>
+    <p:sldId id="259" r:id="rId6"/>
+    <p:sldId id="291" r:id="rId7"/>
+    <p:sldId id="331" r:id="rId8"/>
+    <p:sldId id="333" r:id="rId9"/>
+    <p:sldId id="334" r:id="rId10"/>
+    <p:sldId id="341" r:id="rId11"/>
+    <p:sldId id="332" r:id="rId12"/>
+    <p:sldId id="338" r:id="rId13"/>
+    <p:sldId id="335" r:id="rId14"/>
+    <p:sldId id="340" r:id="rId15"/>
+    <p:sldId id="339" r:id="rId16"/>
+    <p:sldId id="336" r:id="rId17"/>
+    <p:sldId id="337" r:id="rId18"/>
   </p:sldIdLst>
   <p:sldSz cx="12192000" cy="6858000"/>
   <p:notesSz cx="6858000" cy="9144000"/>
@@ -121,11 +121,6 @@
       </a:defRPr>
     </a:lvl9pPr>
   </p:defaultTextStyle>
-  <p:extLst>
-    <p:ext uri="{EFAFB233-063F-42B5-8137-9DF3F51BA10A}">
-      <p15:sldGuideLst xmlns:p15="http://schemas.microsoft.com/office/powerpoint/2012/main"/>
-    </p:ext>
-  </p:extLst>
 </p:presentation>
 </file>
 
@@ -211,7 +206,6 @@
           <a:p>
             <a:fld id="{417D2BE9-64DF-4005-BC1A-AA9C5DFB527D}" type="datetimeFigureOut">
               <a:rPr lang="zh-CN" altLang="en-US" smtClean="0"/>
-              <a:t>2019/3/28</a:t>
             </a:fld>
             <a:endParaRPr lang="zh-CN" altLang="en-US"/>
           </a:p>
@@ -278,6 +272,7 @@
               <a:rPr lang="zh-CN" altLang="en-US" smtClean="0"/>
               <a:t>编辑母版文本样式</a:t>
             </a:r>
+            <a:endParaRPr lang="zh-CN" altLang="en-US" smtClean="0"/>
           </a:p>
           <a:p>
             <a:pPr lvl="1"/>
@@ -285,6 +280,7 @@
               <a:rPr lang="zh-CN" altLang="en-US" smtClean="0"/>
               <a:t>第二级</a:t>
             </a:r>
+            <a:endParaRPr lang="zh-CN" altLang="en-US" smtClean="0"/>
           </a:p>
           <a:p>
             <a:pPr lvl="2"/>
@@ -292,6 +288,7 @@
               <a:rPr lang="zh-CN" altLang="en-US" smtClean="0"/>
               <a:t>第三级</a:t>
             </a:r>
+            <a:endParaRPr lang="zh-CN" altLang="en-US" smtClean="0"/>
           </a:p>
           <a:p>
             <a:pPr lvl="3"/>
@@ -299,6 +296,7 @@
               <a:rPr lang="zh-CN" altLang="en-US" smtClean="0"/>
               <a:t>第四级</a:t>
             </a:r>
+            <a:endParaRPr lang="zh-CN" altLang="en-US" smtClean="0"/>
           </a:p>
           <a:p>
             <a:pPr lvl="4"/>
@@ -370,18 +368,12 @@
           <a:p>
             <a:fld id="{A248F495-C70A-4697-91CE-8FE2C021030B}" type="slidenum">
               <a:rPr lang="zh-CN" altLang="en-US" smtClean="0"/>
-              <a:t>‹#›</a:t>
             </a:fld>
             <a:endParaRPr lang="zh-CN" altLang="en-US"/>
           </a:p>
         </p:txBody>
       </p:sp>
     </p:spTree>
-    <p:extLst>
-      <p:ext uri="{BB962C8B-B14F-4D97-AF65-F5344CB8AC3E}">
-        <p14:creationId xmlns:p14="http://schemas.microsoft.com/office/powerpoint/2010/main" val="2191410673"/>
-      </p:ext>
-    </p:extLst>
   </p:cSld>
   <p:clrMap bg1="lt1" tx1="dk1" bg2="lt2" tx2="dk2" accent1="accent1" accent2="accent2" accent3="accent3" accent4="accent4" accent5="accent5" accent6="accent6" hlink="hlink" folHlink="folHlink"/>
   <p:notesStyle>
@@ -544,7 +536,6 @@
           <a:p>
             <a:fld id="{074AA6E7-0BBB-49E4-8968-F33B5572A754}" type="slidenum">
               <a:rPr lang="zh-CN" altLang="en-US" smtClean="0"/>
-              <a:t>1</a:t>
             </a:fld>
             <a:endParaRPr lang="zh-CN" altLang="en-US"/>
           </a:p>
@@ -567,18 +558,12 @@
           <a:p>
             <a:fld id="{1FF0D0E6-6598-4E1F-B8C1-CFF1B9E427D3}" type="datetime1">
               <a:rPr lang="zh-CN" altLang="en-US" smtClean="0"/>
-              <a:t>2019/3/28</a:t>
             </a:fld>
             <a:endParaRPr lang="zh-CN" altLang="en-US"/>
           </a:p>
         </p:txBody>
       </p:sp>
     </p:spTree>
-    <p:extLst>
-      <p:ext uri="{BB962C8B-B14F-4D97-AF65-F5344CB8AC3E}">
-        <p14:creationId xmlns:p14="http://schemas.microsoft.com/office/powerpoint/2010/main" val="2517987116"/>
-      </p:ext>
-    </p:extLst>
   </p:cSld>
   <p:clrMapOvr>
     <a:masterClrMapping/>
@@ -651,7 +636,6 @@
           <a:p>
             <a:fld id="{074AA6E7-0BBB-49E4-8968-F33B5572A754}" type="slidenum">
               <a:rPr lang="zh-CN" altLang="en-US" smtClean="0"/>
-              <a:t>10</a:t>
             </a:fld>
             <a:endParaRPr lang="zh-CN" altLang="en-US"/>
           </a:p>
@@ -674,18 +658,12 @@
           <a:p>
             <a:fld id="{8AB650E4-82C7-4625-A3D7-8CA143F8321C}" type="datetime1">
               <a:rPr lang="zh-CN" altLang="en-US" smtClean="0"/>
-              <a:t>2019/3/28</a:t>
             </a:fld>
             <a:endParaRPr lang="zh-CN" altLang="en-US"/>
           </a:p>
         </p:txBody>
       </p:sp>
     </p:spTree>
-    <p:extLst>
-      <p:ext uri="{BB962C8B-B14F-4D97-AF65-F5344CB8AC3E}">
-        <p14:creationId xmlns:p14="http://schemas.microsoft.com/office/powerpoint/2010/main" val="1414831769"/>
-      </p:ext>
-    </p:extLst>
   </p:cSld>
   <p:clrMapOvr>
     <a:masterClrMapping/>
@@ -758,18 +736,12 @@
           <a:p>
             <a:fld id="{A248F495-C70A-4697-91CE-8FE2C021030B}" type="slidenum">
               <a:rPr lang="zh-CN" altLang="en-US" smtClean="0"/>
-              <a:t>11</a:t>
             </a:fld>
             <a:endParaRPr lang="zh-CN" altLang="en-US"/>
           </a:p>
         </p:txBody>
       </p:sp>
     </p:spTree>
-    <p:extLst>
-      <p:ext uri="{BB962C8B-B14F-4D97-AF65-F5344CB8AC3E}">
-        <p14:creationId xmlns:p14="http://schemas.microsoft.com/office/powerpoint/2010/main" val="1243269183"/>
-      </p:ext>
-    </p:extLst>
   </p:cSld>
   <p:clrMapOvr>
     <a:masterClrMapping/>
@@ -842,18 +814,12 @@
           <a:p>
             <a:fld id="{A248F495-C70A-4697-91CE-8FE2C021030B}" type="slidenum">
               <a:rPr lang="zh-CN" altLang="en-US" smtClean="0"/>
-              <a:t>12</a:t>
             </a:fld>
             <a:endParaRPr lang="zh-CN" altLang="en-US"/>
           </a:p>
         </p:txBody>
       </p:sp>
     </p:spTree>
-    <p:extLst>
-      <p:ext uri="{BB962C8B-B14F-4D97-AF65-F5344CB8AC3E}">
-        <p14:creationId xmlns:p14="http://schemas.microsoft.com/office/powerpoint/2010/main" val="37903136"/>
-      </p:ext>
-    </p:extLst>
   </p:cSld>
   <p:clrMapOvr>
     <a:masterClrMapping/>
@@ -926,7 +892,6 @@
           <a:p>
             <a:fld id="{074AA6E7-0BBB-49E4-8968-F33B5572A754}" type="slidenum">
               <a:rPr lang="zh-CN" altLang="en-US" smtClean="0"/>
-              <a:t>13</a:t>
             </a:fld>
             <a:endParaRPr lang="zh-CN" altLang="en-US"/>
           </a:p>
@@ -949,18 +914,12 @@
           <a:p>
             <a:fld id="{8AB650E4-82C7-4625-A3D7-8CA143F8321C}" type="datetime1">
               <a:rPr lang="zh-CN" altLang="en-US" smtClean="0"/>
-              <a:t>2019/3/28</a:t>
             </a:fld>
             <a:endParaRPr lang="zh-CN" altLang="en-US"/>
           </a:p>
         </p:txBody>
       </p:sp>
     </p:spTree>
-    <p:extLst>
-      <p:ext uri="{BB962C8B-B14F-4D97-AF65-F5344CB8AC3E}">
-        <p14:creationId xmlns:p14="http://schemas.microsoft.com/office/powerpoint/2010/main" val="119431681"/>
-      </p:ext>
-    </p:extLst>
   </p:cSld>
   <p:clrMapOvr>
     <a:masterClrMapping/>
@@ -1033,18 +992,12 @@
           <a:p>
             <a:fld id="{A248F495-C70A-4697-91CE-8FE2C021030B}" type="slidenum">
               <a:rPr lang="zh-CN" altLang="en-US" smtClean="0"/>
-              <a:t>14</a:t>
             </a:fld>
             <a:endParaRPr lang="zh-CN" altLang="en-US"/>
           </a:p>
         </p:txBody>
       </p:sp>
     </p:spTree>
-    <p:extLst>
-      <p:ext uri="{BB962C8B-B14F-4D97-AF65-F5344CB8AC3E}">
-        <p14:creationId xmlns:p14="http://schemas.microsoft.com/office/powerpoint/2010/main" val="2384892878"/>
-      </p:ext>
-    </p:extLst>
   </p:cSld>
   <p:clrMapOvr>
     <a:masterClrMapping/>
@@ -1117,18 +1070,12 @@
           <a:p>
             <a:fld id="{A248F495-C70A-4697-91CE-8FE2C021030B}" type="slidenum">
               <a:rPr lang="zh-CN" altLang="en-US" smtClean="0"/>
-              <a:t>15</a:t>
             </a:fld>
             <a:endParaRPr lang="zh-CN" altLang="en-US"/>
           </a:p>
         </p:txBody>
       </p:sp>
     </p:spTree>
-    <p:extLst>
-      <p:ext uri="{BB962C8B-B14F-4D97-AF65-F5344CB8AC3E}">
-        <p14:creationId xmlns:p14="http://schemas.microsoft.com/office/powerpoint/2010/main" val="3945479684"/>
-      </p:ext>
-    </p:extLst>
   </p:cSld>
   <p:clrMapOvr>
     <a:masterClrMapping/>
@@ -1201,7 +1148,6 @@
           <a:p>
             <a:fld id="{074AA6E7-0BBB-49E4-8968-F33B5572A754}" type="slidenum">
               <a:rPr lang="zh-CN" altLang="en-US" smtClean="0"/>
-              <a:t>2</a:t>
             </a:fld>
             <a:endParaRPr lang="zh-CN" altLang="en-US"/>
           </a:p>
@@ -1224,18 +1170,12 @@
           <a:p>
             <a:fld id="{1FF0D0E6-6598-4E1F-B8C1-CFF1B9E427D3}" type="datetime1">
               <a:rPr lang="zh-CN" altLang="en-US" smtClean="0"/>
-              <a:t>2019/3/28</a:t>
             </a:fld>
             <a:endParaRPr lang="zh-CN" altLang="en-US"/>
           </a:p>
         </p:txBody>
       </p:sp>
     </p:spTree>
-    <p:extLst>
-      <p:ext uri="{BB962C8B-B14F-4D97-AF65-F5344CB8AC3E}">
-        <p14:creationId xmlns:p14="http://schemas.microsoft.com/office/powerpoint/2010/main" val="1318747395"/>
-      </p:ext>
-    </p:extLst>
   </p:cSld>
   <p:clrMapOvr>
     <a:masterClrMapping/>
@@ -1308,7 +1248,6 @@
           <a:p>
             <a:fld id="{074AA6E7-0BBB-49E4-8968-F33B5572A754}" type="slidenum">
               <a:rPr lang="zh-CN" altLang="en-US" smtClean="0"/>
-              <a:t>3</a:t>
             </a:fld>
             <a:endParaRPr lang="zh-CN" altLang="en-US"/>
           </a:p>
@@ -1331,18 +1270,12 @@
           <a:p>
             <a:fld id="{8AB650E4-82C7-4625-A3D7-8CA143F8321C}" type="datetime1">
               <a:rPr lang="zh-CN" altLang="en-US" smtClean="0"/>
-              <a:t>2019/3/28</a:t>
             </a:fld>
             <a:endParaRPr lang="zh-CN" altLang="en-US"/>
           </a:p>
         </p:txBody>
       </p:sp>
     </p:spTree>
-    <p:extLst>
-      <p:ext uri="{BB962C8B-B14F-4D97-AF65-F5344CB8AC3E}">
-        <p14:creationId xmlns:p14="http://schemas.microsoft.com/office/powerpoint/2010/main" val="3836190977"/>
-      </p:ext>
-    </p:extLst>
   </p:cSld>
   <p:clrMapOvr>
     <a:masterClrMapping/>
@@ -1415,18 +1348,12 @@
           <a:p>
             <a:fld id="{A248F495-C70A-4697-91CE-8FE2C021030B}" type="slidenum">
               <a:rPr lang="zh-CN" altLang="en-US" smtClean="0"/>
-              <a:t>4</a:t>
             </a:fld>
             <a:endParaRPr lang="zh-CN" altLang="en-US"/>
           </a:p>
         </p:txBody>
       </p:sp>
     </p:spTree>
-    <p:extLst>
-      <p:ext uri="{BB962C8B-B14F-4D97-AF65-F5344CB8AC3E}">
-        <p14:creationId xmlns:p14="http://schemas.microsoft.com/office/powerpoint/2010/main" val="1318928124"/>
-      </p:ext>
-    </p:extLst>
   </p:cSld>
   <p:clrMapOvr>
     <a:masterClrMapping/>
@@ -1499,7 +1426,6 @@
           <a:p>
             <a:fld id="{074AA6E7-0BBB-49E4-8968-F33B5572A754}" type="slidenum">
               <a:rPr lang="zh-CN" altLang="en-US" smtClean="0"/>
-              <a:t>5</a:t>
             </a:fld>
             <a:endParaRPr lang="zh-CN" altLang="en-US"/>
           </a:p>
@@ -1522,18 +1448,12 @@
           <a:p>
             <a:fld id="{8AB650E4-82C7-4625-A3D7-8CA143F8321C}" type="datetime1">
               <a:rPr lang="zh-CN" altLang="en-US" smtClean="0"/>
-              <a:t>2019/3/28</a:t>
             </a:fld>
             <a:endParaRPr lang="zh-CN" altLang="en-US"/>
           </a:p>
         </p:txBody>
       </p:sp>
     </p:spTree>
-    <p:extLst>
-      <p:ext uri="{BB962C8B-B14F-4D97-AF65-F5344CB8AC3E}">
-        <p14:creationId xmlns:p14="http://schemas.microsoft.com/office/powerpoint/2010/main" val="299426479"/>
-      </p:ext>
-    </p:extLst>
   </p:cSld>
   <p:clrMapOvr>
     <a:masterClrMapping/>
@@ -1606,18 +1526,12 @@
           <a:p>
             <a:fld id="{A248F495-C70A-4697-91CE-8FE2C021030B}" type="slidenum">
               <a:rPr lang="zh-CN" altLang="en-US" smtClean="0"/>
-              <a:t>6</a:t>
             </a:fld>
             <a:endParaRPr lang="zh-CN" altLang="en-US"/>
           </a:p>
         </p:txBody>
       </p:sp>
     </p:spTree>
-    <p:extLst>
-      <p:ext uri="{BB962C8B-B14F-4D97-AF65-F5344CB8AC3E}">
-        <p14:creationId xmlns:p14="http://schemas.microsoft.com/office/powerpoint/2010/main" val="1490762165"/>
-      </p:ext>
-    </p:extLst>
   </p:cSld>
   <p:clrMapOvr>
     <a:masterClrMapping/>
@@ -1690,18 +1604,12 @@
           <a:p>
             <a:fld id="{A248F495-C70A-4697-91CE-8FE2C021030B}" type="slidenum">
               <a:rPr lang="zh-CN" altLang="en-US" smtClean="0"/>
-              <a:t>7</a:t>
             </a:fld>
             <a:endParaRPr lang="zh-CN" altLang="en-US"/>
           </a:p>
         </p:txBody>
       </p:sp>
     </p:spTree>
-    <p:extLst>
-      <p:ext uri="{BB962C8B-B14F-4D97-AF65-F5344CB8AC3E}">
-        <p14:creationId xmlns:p14="http://schemas.microsoft.com/office/powerpoint/2010/main" val="1536630576"/>
-      </p:ext>
-    </p:extLst>
   </p:cSld>
   <p:clrMapOvr>
     <a:masterClrMapping/>
@@ -1774,18 +1682,12 @@
           <a:p>
             <a:fld id="{A248F495-C70A-4697-91CE-8FE2C021030B}" type="slidenum">
               <a:rPr lang="zh-CN" altLang="en-US" smtClean="0"/>
-              <a:t>8</a:t>
             </a:fld>
             <a:endParaRPr lang="zh-CN" altLang="en-US"/>
           </a:p>
         </p:txBody>
       </p:sp>
     </p:spTree>
-    <p:extLst>
-      <p:ext uri="{BB962C8B-B14F-4D97-AF65-F5344CB8AC3E}">
-        <p14:creationId xmlns:p14="http://schemas.microsoft.com/office/powerpoint/2010/main" val="686416068"/>
-      </p:ext>
-    </p:extLst>
   </p:cSld>
   <p:clrMapOvr>
     <a:masterClrMapping/>
@@ -1858,7 +1760,6 @@
           <a:p>
             <a:fld id="{074AA6E7-0BBB-49E4-8968-F33B5572A754}" type="slidenum">
               <a:rPr lang="zh-CN" altLang="en-US" smtClean="0"/>
-              <a:t>9</a:t>
             </a:fld>
             <a:endParaRPr lang="zh-CN" altLang="en-US"/>
           </a:p>
@@ -1881,18 +1782,12 @@
           <a:p>
             <a:fld id="{8AB650E4-82C7-4625-A3D7-8CA143F8321C}" type="datetime1">
               <a:rPr lang="zh-CN" altLang="en-US" smtClean="0"/>
-              <a:t>2019/3/28</a:t>
             </a:fld>
             <a:endParaRPr lang="zh-CN" altLang="en-US"/>
           </a:p>
         </p:txBody>
       </p:sp>
     </p:spTree>
-    <p:extLst>
-      <p:ext uri="{BB962C8B-B14F-4D97-AF65-F5344CB8AC3E}">
-        <p14:creationId xmlns:p14="http://schemas.microsoft.com/office/powerpoint/2010/main" val="47896542"/>
-      </p:ext>
-    </p:extLst>
   </p:cSld>
   <p:clrMapOvr>
     <a:masterClrMapping/>
@@ -1956,7 +1851,7 @@
             <a:spLocks noGrp="1"/>
           </p:cNvSpPr>
           <p:nvPr>
-            <p:ph type="subTitle" idx="1"/>
+            <p:ph type="subTitle" idx="1" hasCustomPrompt="1"/>
           </p:nvPr>
         </p:nvSpPr>
         <p:spPr>
@@ -2031,7 +1926,6 @@
           <a:p>
             <a:fld id="{64E25EE6-AE97-45A9-BCA2-AA41E1FBD27A}" type="datetimeFigureOut">
               <a:rPr lang="zh-CN" altLang="en-US" smtClean="0"/>
-              <a:t>2019/3/28</a:t>
             </a:fld>
             <a:endParaRPr lang="zh-CN" altLang="en-US"/>
           </a:p>
@@ -2073,18 +1967,12 @@
           <a:p>
             <a:fld id="{AC4FE177-AD45-4976-8D6F-03DD6443418D}" type="slidenum">
               <a:rPr lang="zh-CN" altLang="en-US" smtClean="0"/>
-              <a:t>‹#›</a:t>
             </a:fld>
             <a:endParaRPr lang="zh-CN" altLang="en-US"/>
           </a:p>
         </p:txBody>
       </p:sp>
     </p:spTree>
-    <p:extLst>
-      <p:ext uri="{BB962C8B-B14F-4D97-AF65-F5344CB8AC3E}">
-        <p14:creationId xmlns:p14="http://schemas.microsoft.com/office/powerpoint/2010/main" val="3254378114"/>
-      </p:ext>
-    </p:extLst>
   </p:cSld>
   <p:clrMapOvr>
     <a:masterClrMapping/>
@@ -2139,7 +2027,7 @@
             <a:spLocks noGrp="1"/>
           </p:cNvSpPr>
           <p:nvPr>
-            <p:ph type="body" orient="vert" idx="1"/>
+            <p:ph type="body" orient="vert" idx="1" hasCustomPrompt="1"/>
           </p:nvPr>
         </p:nvSpPr>
         <p:spPr/>
@@ -2152,6 +2040,7 @@
               <a:rPr lang="zh-CN" altLang="en-US" smtClean="0"/>
               <a:t>编辑母版文本样式</a:t>
             </a:r>
+            <a:endParaRPr lang="zh-CN" altLang="en-US" smtClean="0"/>
           </a:p>
           <a:p>
             <a:pPr lvl="1"/>
@@ -2159,6 +2048,7 @@
               <a:rPr lang="zh-CN" altLang="en-US" smtClean="0"/>
               <a:t>第二级</a:t>
             </a:r>
+            <a:endParaRPr lang="zh-CN" altLang="en-US" smtClean="0"/>
           </a:p>
           <a:p>
             <a:pPr lvl="2"/>
@@ -2166,6 +2056,7 @@
               <a:rPr lang="zh-CN" altLang="en-US" smtClean="0"/>
               <a:t>第三级</a:t>
             </a:r>
+            <a:endParaRPr lang="zh-CN" altLang="en-US" smtClean="0"/>
           </a:p>
           <a:p>
             <a:pPr lvl="3"/>
@@ -2173,6 +2064,7 @@
               <a:rPr lang="zh-CN" altLang="en-US" smtClean="0"/>
               <a:t>第四级</a:t>
             </a:r>
+            <a:endParaRPr lang="zh-CN" altLang="en-US" smtClean="0"/>
           </a:p>
           <a:p>
             <a:pPr lvl="4"/>
@@ -2201,7 +2093,6 @@
           <a:p>
             <a:fld id="{64E25EE6-AE97-45A9-BCA2-AA41E1FBD27A}" type="datetimeFigureOut">
               <a:rPr lang="zh-CN" altLang="en-US" smtClean="0"/>
-              <a:t>2019/3/28</a:t>
             </a:fld>
             <a:endParaRPr lang="zh-CN" altLang="en-US"/>
           </a:p>
@@ -2243,18 +2134,12 @@
           <a:p>
             <a:fld id="{AC4FE177-AD45-4976-8D6F-03DD6443418D}" type="slidenum">
               <a:rPr lang="zh-CN" altLang="en-US" smtClean="0"/>
-              <a:t>‹#›</a:t>
             </a:fld>
             <a:endParaRPr lang="zh-CN" altLang="en-US"/>
           </a:p>
         </p:txBody>
       </p:sp>
     </p:spTree>
-    <p:extLst>
-      <p:ext uri="{BB962C8B-B14F-4D97-AF65-F5344CB8AC3E}">
-        <p14:creationId xmlns:p14="http://schemas.microsoft.com/office/powerpoint/2010/main" val="1434250852"/>
-      </p:ext>
-    </p:extLst>
   </p:cSld>
   <p:clrMapOvr>
     <a:masterClrMapping/>
@@ -2314,7 +2199,7 @@
             <a:spLocks noGrp="1"/>
           </p:cNvSpPr>
           <p:nvPr>
-            <p:ph type="body" orient="vert" idx="1"/>
+            <p:ph type="body" orient="vert" idx="1" hasCustomPrompt="1"/>
           </p:nvPr>
         </p:nvSpPr>
         <p:spPr>
@@ -2332,6 +2217,7 @@
               <a:rPr lang="zh-CN" altLang="en-US" smtClean="0"/>
               <a:t>编辑母版文本样式</a:t>
             </a:r>
+            <a:endParaRPr lang="zh-CN" altLang="en-US" smtClean="0"/>
           </a:p>
           <a:p>
             <a:pPr lvl="1"/>
@@ -2339,6 +2225,7 @@
               <a:rPr lang="zh-CN" altLang="en-US" smtClean="0"/>
               <a:t>第二级</a:t>
             </a:r>
+            <a:endParaRPr lang="zh-CN" altLang="en-US" smtClean="0"/>
           </a:p>
           <a:p>
             <a:pPr lvl="2"/>
@@ -2346,6 +2233,7 @@
               <a:rPr lang="zh-CN" altLang="en-US" smtClean="0"/>
               <a:t>第三级</a:t>
             </a:r>
+            <a:endParaRPr lang="zh-CN" altLang="en-US" smtClean="0"/>
           </a:p>
           <a:p>
             <a:pPr lvl="3"/>
@@ -2353,6 +2241,7 @@
               <a:rPr lang="zh-CN" altLang="en-US" smtClean="0"/>
               <a:t>第四级</a:t>
             </a:r>
+            <a:endParaRPr lang="zh-CN" altLang="en-US" smtClean="0"/>
           </a:p>
           <a:p>
             <a:pPr lvl="4"/>
@@ -2381,7 +2270,6 @@
           <a:p>
             <a:fld id="{64E25EE6-AE97-45A9-BCA2-AA41E1FBD27A}" type="datetimeFigureOut">
               <a:rPr lang="zh-CN" altLang="en-US" smtClean="0"/>
-              <a:t>2019/3/28</a:t>
             </a:fld>
             <a:endParaRPr lang="zh-CN" altLang="en-US"/>
           </a:p>
@@ -2423,18 +2311,12 @@
           <a:p>
             <a:fld id="{AC4FE177-AD45-4976-8D6F-03DD6443418D}" type="slidenum">
               <a:rPr lang="zh-CN" altLang="en-US" smtClean="0"/>
-              <a:t>‹#›</a:t>
             </a:fld>
             <a:endParaRPr lang="zh-CN" altLang="en-US"/>
           </a:p>
         </p:txBody>
       </p:sp>
     </p:spTree>
-    <p:extLst>
-      <p:ext uri="{BB962C8B-B14F-4D97-AF65-F5344CB8AC3E}">
-        <p14:creationId xmlns:p14="http://schemas.microsoft.com/office/powerpoint/2010/main" val="3310801409"/>
-      </p:ext>
-    </p:extLst>
   </p:cSld>
   <p:clrMapOvr>
     <a:masterClrMapping/>
@@ -2508,22 +2390,17 @@
         </p:txBody>
       </p:sp>
     </p:spTree>
-    <p:extLst>
-      <p:ext uri="{BB962C8B-B14F-4D97-AF65-F5344CB8AC3E}">
-        <p14:creationId xmlns:p14="http://schemas.microsoft.com/office/powerpoint/2010/main" val="3858695040"/>
-      </p:ext>
-    </p:extLst>
   </p:cSld>
   <p:clrMapOvr>
     <a:masterClrMapping/>
   </p:clrMapOvr>
-  <mc:AlternateContent xmlns:mc="http://schemas.openxmlformats.org/markup-compatibility/2006" xmlns:p14="http://schemas.microsoft.com/office/powerpoint/2010/main">
-    <mc:Choice Requires="p14">
+  <mc:AlternateContent xmlns:mc="http://schemas.openxmlformats.org/markup-compatibility/2006">
+    <mc:Choice xmlns:p14="http://schemas.microsoft.com/office/powerpoint/2010/main" Requires="p14">
       <p:transition spd="med" p14:dur="700">
         <p:fade/>
       </p:transition>
     </mc:Choice>
-    <mc:Fallback xmlns="">
+    <mc:Fallback>
       <p:transition spd="med">
         <p:fade/>
       </p:transition>
@@ -2829,7 +2706,6 @@
                 <a:latin typeface="微软雅黑" panose="020B0503020204020204" pitchFamily="34" charset="-122"/>
                 <a:ea typeface="微软雅黑" panose="020B0503020204020204" pitchFamily="34" charset="-122"/>
               </a:rPr>
-              <a:t>‹#›</a:t>
             </a:fld>
             <a:r>
               <a:rPr lang="zh-CN" altLang="en-US" sz="1200" dirty="0">
@@ -2849,6 +2725,13 @@
               </a:rPr>
               <a:t>页</a:t>
             </a:r>
+            <a:endParaRPr lang="zh-CN" altLang="en-US" sz="1200" dirty="0">
+              <a:solidFill>
+                <a:schemeClr val="accent1"/>
+              </a:solidFill>
+              <a:latin typeface="微软雅黑" panose="020B0503020204020204" pitchFamily="34" charset="-122"/>
+              <a:ea typeface="微软雅黑" panose="020B0503020204020204" pitchFamily="34" charset="-122"/>
+            </a:endParaRPr>
           </a:p>
         </p:txBody>
       </p:sp>
@@ -3592,22 +3475,17 @@
         </p:sp>
       </p:grpSp>
     </p:spTree>
-    <p:extLst>
-      <p:ext uri="{BB962C8B-B14F-4D97-AF65-F5344CB8AC3E}">
-        <p14:creationId xmlns:p14="http://schemas.microsoft.com/office/powerpoint/2010/main" val="1281126403"/>
-      </p:ext>
-    </p:extLst>
   </p:cSld>
   <p:clrMapOvr>
     <a:masterClrMapping/>
   </p:clrMapOvr>
-  <mc:AlternateContent xmlns:mc="http://schemas.openxmlformats.org/markup-compatibility/2006" xmlns:p14="http://schemas.microsoft.com/office/powerpoint/2010/main">
-    <mc:Choice Requires="p14">
+  <mc:AlternateContent xmlns:mc="http://schemas.openxmlformats.org/markup-compatibility/2006">
+    <mc:Choice xmlns:p14="http://schemas.microsoft.com/office/powerpoint/2010/main" Requires="p14">
       <p:transition spd="med" p14:dur="700">
         <p:fade/>
       </p:transition>
     </mc:Choice>
-    <mc:Fallback xmlns="">
+    <mc:Fallback>
       <p:transition spd="med">
         <p:fade/>
       </p:transition>
@@ -3670,7 +3548,7 @@
             <a:spLocks noGrp="1"/>
           </p:cNvSpPr>
           <p:nvPr>
-            <p:ph idx="1"/>
+            <p:ph idx="1" hasCustomPrompt="1"/>
           </p:nvPr>
         </p:nvSpPr>
         <p:spPr/>
@@ -3683,6 +3561,7 @@
               <a:rPr lang="zh-CN" altLang="en-US" smtClean="0"/>
               <a:t>编辑母版文本样式</a:t>
             </a:r>
+            <a:endParaRPr lang="zh-CN" altLang="en-US" smtClean="0"/>
           </a:p>
           <a:p>
             <a:pPr lvl="1"/>
@@ -3690,6 +3569,7 @@
               <a:rPr lang="zh-CN" altLang="en-US" smtClean="0"/>
               <a:t>第二级</a:t>
             </a:r>
+            <a:endParaRPr lang="zh-CN" altLang="en-US" smtClean="0"/>
           </a:p>
           <a:p>
             <a:pPr lvl="2"/>
@@ -3697,6 +3577,7 @@
               <a:rPr lang="zh-CN" altLang="en-US" smtClean="0"/>
               <a:t>第三级</a:t>
             </a:r>
+            <a:endParaRPr lang="zh-CN" altLang="en-US" smtClean="0"/>
           </a:p>
           <a:p>
             <a:pPr lvl="3"/>
@@ -3704,6 +3585,7 @@
               <a:rPr lang="zh-CN" altLang="en-US" smtClean="0"/>
               <a:t>第四级</a:t>
             </a:r>
+            <a:endParaRPr lang="zh-CN" altLang="en-US" smtClean="0"/>
           </a:p>
           <a:p>
             <a:pPr lvl="4"/>
@@ -3732,7 +3614,6 @@
           <a:p>
             <a:fld id="{64E25EE6-AE97-45A9-BCA2-AA41E1FBD27A}" type="datetimeFigureOut">
               <a:rPr lang="zh-CN" altLang="en-US" smtClean="0"/>
-              <a:t>2019/3/28</a:t>
             </a:fld>
             <a:endParaRPr lang="zh-CN" altLang="en-US"/>
           </a:p>
@@ -3774,18 +3655,12 @@
           <a:p>
             <a:fld id="{AC4FE177-AD45-4976-8D6F-03DD6443418D}" type="slidenum">
               <a:rPr lang="zh-CN" altLang="en-US" smtClean="0"/>
-              <a:t>‹#›</a:t>
             </a:fld>
             <a:endParaRPr lang="zh-CN" altLang="en-US"/>
           </a:p>
         </p:txBody>
       </p:sp>
     </p:spTree>
-    <p:extLst>
-      <p:ext uri="{BB962C8B-B14F-4D97-AF65-F5344CB8AC3E}">
-        <p14:creationId xmlns:p14="http://schemas.microsoft.com/office/powerpoint/2010/main" val="1119190608"/>
-      </p:ext>
-    </p:extLst>
   </p:cSld>
   <p:clrMapOvr>
     <a:masterClrMapping/>
@@ -3849,7 +3724,7 @@
             <a:spLocks noGrp="1"/>
           </p:cNvSpPr>
           <p:nvPr>
-            <p:ph type="body" idx="1"/>
+            <p:ph type="body" idx="1" hasCustomPrompt="1"/>
           </p:nvPr>
         </p:nvSpPr>
         <p:spPr>
@@ -3958,6 +3833,7 @@
               <a:rPr lang="zh-CN" altLang="en-US" smtClean="0"/>
               <a:t>编辑母版文本样式</a:t>
             </a:r>
+            <a:endParaRPr lang="zh-CN" altLang="en-US" smtClean="0"/>
           </a:p>
         </p:txBody>
       </p:sp>
@@ -3978,7 +3854,6 @@
           <a:p>
             <a:fld id="{64E25EE6-AE97-45A9-BCA2-AA41E1FBD27A}" type="datetimeFigureOut">
               <a:rPr lang="zh-CN" altLang="en-US" smtClean="0"/>
-              <a:t>2019/3/28</a:t>
             </a:fld>
             <a:endParaRPr lang="zh-CN" altLang="en-US"/>
           </a:p>
@@ -4020,18 +3895,12 @@
           <a:p>
             <a:fld id="{AC4FE177-AD45-4976-8D6F-03DD6443418D}" type="slidenum">
               <a:rPr lang="zh-CN" altLang="en-US" smtClean="0"/>
-              <a:t>‹#›</a:t>
             </a:fld>
             <a:endParaRPr lang="zh-CN" altLang="en-US"/>
           </a:p>
         </p:txBody>
       </p:sp>
     </p:spTree>
-    <p:extLst>
-      <p:ext uri="{BB962C8B-B14F-4D97-AF65-F5344CB8AC3E}">
-        <p14:creationId xmlns:p14="http://schemas.microsoft.com/office/powerpoint/2010/main" val="3069394797"/>
-      </p:ext>
-    </p:extLst>
   </p:cSld>
   <p:clrMapOvr>
     <a:masterClrMapping/>
@@ -4086,7 +3955,7 @@
             <a:spLocks noGrp="1"/>
           </p:cNvSpPr>
           <p:nvPr>
-            <p:ph sz="half" idx="1"/>
+            <p:ph sz="half" idx="1" hasCustomPrompt="1"/>
           </p:nvPr>
         </p:nvSpPr>
         <p:spPr>
@@ -4104,6 +3973,7 @@
               <a:rPr lang="zh-CN" altLang="en-US" smtClean="0"/>
               <a:t>编辑母版文本样式</a:t>
             </a:r>
+            <a:endParaRPr lang="zh-CN" altLang="en-US" smtClean="0"/>
           </a:p>
           <a:p>
             <a:pPr lvl="1"/>
@@ -4111,6 +3981,7 @@
               <a:rPr lang="zh-CN" altLang="en-US" smtClean="0"/>
               <a:t>第二级</a:t>
             </a:r>
+            <a:endParaRPr lang="zh-CN" altLang="en-US" smtClean="0"/>
           </a:p>
           <a:p>
             <a:pPr lvl="2"/>
@@ -4118,6 +3989,7 @@
               <a:rPr lang="zh-CN" altLang="en-US" smtClean="0"/>
               <a:t>第三级</a:t>
             </a:r>
+            <a:endParaRPr lang="zh-CN" altLang="en-US" smtClean="0"/>
           </a:p>
           <a:p>
             <a:pPr lvl="3"/>
@@ -4125,6 +3997,7 @@
               <a:rPr lang="zh-CN" altLang="en-US" smtClean="0"/>
               <a:t>第四级</a:t>
             </a:r>
+            <a:endParaRPr lang="zh-CN" altLang="en-US" smtClean="0"/>
           </a:p>
           <a:p>
             <a:pPr lvl="4"/>
@@ -4143,7 +4016,7 @@
             <a:spLocks noGrp="1"/>
           </p:cNvSpPr>
           <p:nvPr>
-            <p:ph sz="half" idx="2"/>
+            <p:ph sz="half" idx="2" hasCustomPrompt="1"/>
           </p:nvPr>
         </p:nvSpPr>
         <p:spPr>
@@ -4161,6 +4034,7 @@
               <a:rPr lang="zh-CN" altLang="en-US" smtClean="0"/>
               <a:t>编辑母版文本样式</a:t>
             </a:r>
+            <a:endParaRPr lang="zh-CN" altLang="en-US" smtClean="0"/>
           </a:p>
           <a:p>
             <a:pPr lvl="1"/>
@@ -4168,6 +4042,7 @@
               <a:rPr lang="zh-CN" altLang="en-US" smtClean="0"/>
               <a:t>第二级</a:t>
             </a:r>
+            <a:endParaRPr lang="zh-CN" altLang="en-US" smtClean="0"/>
           </a:p>
           <a:p>
             <a:pPr lvl="2"/>
@@ -4175,6 +4050,7 @@
               <a:rPr lang="zh-CN" altLang="en-US" smtClean="0"/>
               <a:t>第三级</a:t>
             </a:r>
+            <a:endParaRPr lang="zh-CN" altLang="en-US" smtClean="0"/>
           </a:p>
           <a:p>
             <a:pPr lvl="3"/>
@@ -4182,6 +4058,7 @@
               <a:rPr lang="zh-CN" altLang="en-US" smtClean="0"/>
               <a:t>第四级</a:t>
             </a:r>
+            <a:endParaRPr lang="zh-CN" altLang="en-US" smtClean="0"/>
           </a:p>
           <a:p>
             <a:pPr lvl="4"/>
@@ -4210,7 +4087,6 @@
           <a:p>
             <a:fld id="{64E25EE6-AE97-45A9-BCA2-AA41E1FBD27A}" type="datetimeFigureOut">
               <a:rPr lang="zh-CN" altLang="en-US" smtClean="0"/>
-              <a:t>2019/3/28</a:t>
             </a:fld>
             <a:endParaRPr lang="zh-CN" altLang="en-US"/>
           </a:p>
@@ -4252,18 +4128,12 @@
           <a:p>
             <a:fld id="{AC4FE177-AD45-4976-8D6F-03DD6443418D}" type="slidenum">
               <a:rPr lang="zh-CN" altLang="en-US" smtClean="0"/>
-              <a:t>‹#›</a:t>
             </a:fld>
             <a:endParaRPr lang="zh-CN" altLang="en-US"/>
           </a:p>
         </p:txBody>
       </p:sp>
     </p:spTree>
-    <p:extLst>
-      <p:ext uri="{BB962C8B-B14F-4D97-AF65-F5344CB8AC3E}">
-        <p14:creationId xmlns:p14="http://schemas.microsoft.com/office/powerpoint/2010/main" val="1360370845"/>
-      </p:ext>
-    </p:extLst>
   </p:cSld>
   <p:clrMapOvr>
     <a:masterClrMapping/>
@@ -4323,7 +4193,7 @@
             <a:spLocks noGrp="1"/>
           </p:cNvSpPr>
           <p:nvPr>
-            <p:ph type="body" idx="1"/>
+            <p:ph type="body" idx="1" hasCustomPrompt="1"/>
           </p:nvPr>
         </p:nvSpPr>
         <p:spPr>
@@ -4378,6 +4248,7 @@
               <a:rPr lang="zh-CN" altLang="en-US" smtClean="0"/>
               <a:t>编辑母版文本样式</a:t>
             </a:r>
+            <a:endParaRPr lang="zh-CN" altLang="en-US" smtClean="0"/>
           </a:p>
         </p:txBody>
       </p:sp>
@@ -4388,7 +4259,7 @@
             <a:spLocks noGrp="1"/>
           </p:cNvSpPr>
           <p:nvPr>
-            <p:ph sz="half" idx="2"/>
+            <p:ph sz="half" idx="2" hasCustomPrompt="1"/>
           </p:nvPr>
         </p:nvSpPr>
         <p:spPr>
@@ -4406,6 +4277,7 @@
               <a:rPr lang="zh-CN" altLang="en-US" smtClean="0"/>
               <a:t>编辑母版文本样式</a:t>
             </a:r>
+            <a:endParaRPr lang="zh-CN" altLang="en-US" smtClean="0"/>
           </a:p>
           <a:p>
             <a:pPr lvl="1"/>
@@ -4413,6 +4285,7 @@
               <a:rPr lang="zh-CN" altLang="en-US" smtClean="0"/>
               <a:t>第二级</a:t>
             </a:r>
+            <a:endParaRPr lang="zh-CN" altLang="en-US" smtClean="0"/>
           </a:p>
           <a:p>
             <a:pPr lvl="2"/>
@@ -4420,6 +4293,7 @@
               <a:rPr lang="zh-CN" altLang="en-US" smtClean="0"/>
               <a:t>第三级</a:t>
             </a:r>
+            <a:endParaRPr lang="zh-CN" altLang="en-US" smtClean="0"/>
           </a:p>
           <a:p>
             <a:pPr lvl="3"/>
@@ -4427,6 +4301,7 @@
               <a:rPr lang="zh-CN" altLang="en-US" smtClean="0"/>
               <a:t>第四级</a:t>
             </a:r>
+            <a:endParaRPr lang="zh-CN" altLang="en-US" smtClean="0"/>
           </a:p>
           <a:p>
             <a:pPr lvl="4"/>
@@ -4445,7 +4320,7 @@
             <a:spLocks noGrp="1"/>
           </p:cNvSpPr>
           <p:nvPr>
-            <p:ph type="body" sz="quarter" idx="3"/>
+            <p:ph type="body" sz="quarter" idx="3" hasCustomPrompt="1"/>
           </p:nvPr>
         </p:nvSpPr>
         <p:spPr>
@@ -4500,6 +4375,7 @@
               <a:rPr lang="zh-CN" altLang="en-US" smtClean="0"/>
               <a:t>编辑母版文本样式</a:t>
             </a:r>
+            <a:endParaRPr lang="zh-CN" altLang="en-US" smtClean="0"/>
           </a:p>
         </p:txBody>
       </p:sp>
@@ -4510,7 +4386,7 @@
             <a:spLocks noGrp="1"/>
           </p:cNvSpPr>
           <p:nvPr>
-            <p:ph sz="quarter" idx="4"/>
+            <p:ph sz="quarter" idx="4" hasCustomPrompt="1"/>
           </p:nvPr>
         </p:nvSpPr>
         <p:spPr>
@@ -4528,6 +4404,7 @@
               <a:rPr lang="zh-CN" altLang="en-US" smtClean="0"/>
               <a:t>编辑母版文本样式</a:t>
             </a:r>
+            <a:endParaRPr lang="zh-CN" altLang="en-US" smtClean="0"/>
           </a:p>
           <a:p>
             <a:pPr lvl="1"/>
@@ -4535,6 +4412,7 @@
               <a:rPr lang="zh-CN" altLang="en-US" smtClean="0"/>
               <a:t>第二级</a:t>
             </a:r>
+            <a:endParaRPr lang="zh-CN" altLang="en-US" smtClean="0"/>
           </a:p>
           <a:p>
             <a:pPr lvl="2"/>
@@ -4542,6 +4420,7 @@
               <a:rPr lang="zh-CN" altLang="en-US" smtClean="0"/>
               <a:t>第三级</a:t>
             </a:r>
+            <a:endParaRPr lang="zh-CN" altLang="en-US" smtClean="0"/>
           </a:p>
           <a:p>
             <a:pPr lvl="3"/>
@@ -4549,6 +4428,7 @@
               <a:rPr lang="zh-CN" altLang="en-US" smtClean="0"/>
               <a:t>第四级</a:t>
             </a:r>
+            <a:endParaRPr lang="zh-CN" altLang="en-US" smtClean="0"/>
           </a:p>
           <a:p>
             <a:pPr lvl="4"/>
@@ -4577,7 +4457,6 @@
           <a:p>
             <a:fld id="{64E25EE6-AE97-45A9-BCA2-AA41E1FBD27A}" type="datetimeFigureOut">
               <a:rPr lang="zh-CN" altLang="en-US" smtClean="0"/>
-              <a:t>2019/3/28</a:t>
             </a:fld>
             <a:endParaRPr lang="zh-CN" altLang="en-US"/>
           </a:p>
@@ -4619,18 +4498,12 @@
           <a:p>
             <a:fld id="{AC4FE177-AD45-4976-8D6F-03DD6443418D}" type="slidenum">
               <a:rPr lang="zh-CN" altLang="en-US" smtClean="0"/>
-              <a:t>‹#›</a:t>
             </a:fld>
             <a:endParaRPr lang="zh-CN" altLang="en-US"/>
           </a:p>
         </p:txBody>
       </p:sp>
     </p:spTree>
-    <p:extLst>
-      <p:ext uri="{BB962C8B-B14F-4D97-AF65-F5344CB8AC3E}">
-        <p14:creationId xmlns:p14="http://schemas.microsoft.com/office/powerpoint/2010/main" val="1264932591"/>
-      </p:ext>
-    </p:extLst>
   </p:cSld>
   <p:clrMapOvr>
     <a:masterClrMapping/>
@@ -4695,7 +4568,6 @@
           <a:p>
             <a:fld id="{64E25EE6-AE97-45A9-BCA2-AA41E1FBD27A}" type="datetimeFigureOut">
               <a:rPr lang="zh-CN" altLang="en-US" smtClean="0"/>
-              <a:t>2019/3/28</a:t>
             </a:fld>
             <a:endParaRPr lang="zh-CN" altLang="en-US"/>
           </a:p>
@@ -4737,18 +4609,12 @@
           <a:p>
             <a:fld id="{AC4FE177-AD45-4976-8D6F-03DD6443418D}" type="slidenum">
               <a:rPr lang="zh-CN" altLang="en-US" smtClean="0"/>
-              <a:t>‹#›</a:t>
             </a:fld>
             <a:endParaRPr lang="zh-CN" altLang="en-US"/>
           </a:p>
         </p:txBody>
       </p:sp>
     </p:spTree>
-    <p:extLst>
-      <p:ext uri="{BB962C8B-B14F-4D97-AF65-F5344CB8AC3E}">
-        <p14:creationId xmlns:p14="http://schemas.microsoft.com/office/powerpoint/2010/main" val="3807557158"/>
-      </p:ext>
-    </p:extLst>
   </p:cSld>
   <p:clrMapOvr>
     <a:masterClrMapping/>
@@ -4790,7 +4656,6 @@
           <a:p>
             <a:fld id="{64E25EE6-AE97-45A9-BCA2-AA41E1FBD27A}" type="datetimeFigureOut">
               <a:rPr lang="zh-CN" altLang="en-US" smtClean="0"/>
-              <a:t>2019/3/28</a:t>
             </a:fld>
             <a:endParaRPr lang="zh-CN" altLang="en-US"/>
           </a:p>
@@ -4832,18 +4697,12 @@
           <a:p>
             <a:fld id="{AC4FE177-AD45-4976-8D6F-03DD6443418D}" type="slidenum">
               <a:rPr lang="zh-CN" altLang="en-US" smtClean="0"/>
-              <a:t>‹#›</a:t>
             </a:fld>
             <a:endParaRPr lang="zh-CN" altLang="en-US"/>
           </a:p>
         </p:txBody>
       </p:sp>
     </p:spTree>
-    <p:extLst>
-      <p:ext uri="{BB962C8B-B14F-4D97-AF65-F5344CB8AC3E}">
-        <p14:creationId xmlns:p14="http://schemas.microsoft.com/office/powerpoint/2010/main" val="2293259802"/>
-      </p:ext>
-    </p:extLst>
   </p:cSld>
   <p:clrMapOvr>
     <a:masterClrMapping/>
@@ -4907,7 +4766,7 @@
             <a:spLocks noGrp="1"/>
           </p:cNvSpPr>
           <p:nvPr>
-            <p:ph idx="1"/>
+            <p:ph idx="1" hasCustomPrompt="1"/>
           </p:nvPr>
         </p:nvSpPr>
         <p:spPr>
@@ -4953,6 +4812,7 @@
               <a:rPr lang="zh-CN" altLang="en-US" smtClean="0"/>
               <a:t>编辑母版文本样式</a:t>
             </a:r>
+            <a:endParaRPr lang="zh-CN" altLang="en-US" smtClean="0"/>
           </a:p>
           <a:p>
             <a:pPr lvl="1"/>
@@ -4960,6 +4820,7 @@
               <a:rPr lang="zh-CN" altLang="en-US" smtClean="0"/>
               <a:t>第二级</a:t>
             </a:r>
+            <a:endParaRPr lang="zh-CN" altLang="en-US" smtClean="0"/>
           </a:p>
           <a:p>
             <a:pPr lvl="2"/>
@@ -4967,6 +4828,7 @@
               <a:rPr lang="zh-CN" altLang="en-US" smtClean="0"/>
               <a:t>第三级</a:t>
             </a:r>
+            <a:endParaRPr lang="zh-CN" altLang="en-US" smtClean="0"/>
           </a:p>
           <a:p>
             <a:pPr lvl="3"/>
@@ -4974,6 +4836,7 @@
               <a:rPr lang="zh-CN" altLang="en-US" smtClean="0"/>
               <a:t>第四级</a:t>
             </a:r>
+            <a:endParaRPr lang="zh-CN" altLang="en-US" smtClean="0"/>
           </a:p>
           <a:p>
             <a:pPr lvl="4"/>
@@ -4992,7 +4855,7 @@
             <a:spLocks noGrp="1"/>
           </p:cNvSpPr>
           <p:nvPr>
-            <p:ph type="body" sz="half" idx="2"/>
+            <p:ph type="body" sz="half" idx="2" hasCustomPrompt="1"/>
           </p:nvPr>
         </p:nvSpPr>
         <p:spPr>
@@ -5047,6 +4910,7 @@
               <a:rPr lang="zh-CN" altLang="en-US" smtClean="0"/>
               <a:t>编辑母版文本样式</a:t>
             </a:r>
+            <a:endParaRPr lang="zh-CN" altLang="en-US" smtClean="0"/>
           </a:p>
         </p:txBody>
       </p:sp>
@@ -5067,7 +4931,6 @@
           <a:p>
             <a:fld id="{64E25EE6-AE97-45A9-BCA2-AA41E1FBD27A}" type="datetimeFigureOut">
               <a:rPr lang="zh-CN" altLang="en-US" smtClean="0"/>
-              <a:t>2019/3/28</a:t>
             </a:fld>
             <a:endParaRPr lang="zh-CN" altLang="en-US"/>
           </a:p>
@@ -5109,18 +4972,12 @@
           <a:p>
             <a:fld id="{AC4FE177-AD45-4976-8D6F-03DD6443418D}" type="slidenum">
               <a:rPr lang="zh-CN" altLang="en-US" smtClean="0"/>
-              <a:t>‹#›</a:t>
             </a:fld>
             <a:endParaRPr lang="zh-CN" altLang="en-US"/>
           </a:p>
         </p:txBody>
       </p:sp>
     </p:spTree>
-    <p:extLst>
-      <p:ext uri="{BB962C8B-B14F-4D97-AF65-F5344CB8AC3E}">
-        <p14:creationId xmlns:p14="http://schemas.microsoft.com/office/powerpoint/2010/main" val="2653111718"/>
-      </p:ext>
-    </p:extLst>
   </p:cSld>
   <p:clrMapOvr>
     <a:masterClrMapping/>
@@ -5245,7 +5102,7 @@
             <a:spLocks noGrp="1"/>
           </p:cNvSpPr>
           <p:nvPr>
-            <p:ph type="body" sz="half" idx="2"/>
+            <p:ph type="body" sz="half" idx="2" hasCustomPrompt="1"/>
           </p:nvPr>
         </p:nvSpPr>
         <p:spPr>
@@ -5300,6 +5157,7 @@
               <a:rPr lang="zh-CN" altLang="en-US" smtClean="0"/>
               <a:t>编辑母版文本样式</a:t>
             </a:r>
+            <a:endParaRPr lang="zh-CN" altLang="en-US" smtClean="0"/>
           </a:p>
         </p:txBody>
       </p:sp>
@@ -5320,7 +5178,6 @@
           <a:p>
             <a:fld id="{64E25EE6-AE97-45A9-BCA2-AA41E1FBD27A}" type="datetimeFigureOut">
               <a:rPr lang="zh-CN" altLang="en-US" smtClean="0"/>
-              <a:t>2019/3/28</a:t>
             </a:fld>
             <a:endParaRPr lang="zh-CN" altLang="en-US"/>
           </a:p>
@@ -5362,18 +5219,12 @@
           <a:p>
             <a:fld id="{AC4FE177-AD45-4976-8D6F-03DD6443418D}" type="slidenum">
               <a:rPr lang="zh-CN" altLang="en-US" smtClean="0"/>
-              <a:t>‹#›</a:t>
             </a:fld>
             <a:endParaRPr lang="zh-CN" altLang="en-US"/>
           </a:p>
         </p:txBody>
       </p:sp>
     </p:spTree>
-    <p:extLst>
-      <p:ext uri="{BB962C8B-B14F-4D97-AF65-F5344CB8AC3E}">
-        <p14:creationId xmlns:p14="http://schemas.microsoft.com/office/powerpoint/2010/main" val="1153041209"/>
-      </p:ext>
-    </p:extLst>
   </p:cSld>
   <p:clrMapOvr>
     <a:masterClrMapping/>
@@ -5466,6 +5317,7 @@
               <a:rPr lang="zh-CN" altLang="en-US" smtClean="0"/>
               <a:t>编辑母版文本样式</a:t>
             </a:r>
+            <a:endParaRPr lang="zh-CN" altLang="en-US" smtClean="0"/>
           </a:p>
           <a:p>
             <a:pPr lvl="1"/>
@@ -5473,6 +5325,7 @@
               <a:rPr lang="zh-CN" altLang="en-US" smtClean="0"/>
               <a:t>第二级</a:t>
             </a:r>
+            <a:endParaRPr lang="zh-CN" altLang="en-US" smtClean="0"/>
           </a:p>
           <a:p>
             <a:pPr lvl="2"/>
@@ -5480,6 +5333,7 @@
               <a:rPr lang="zh-CN" altLang="en-US" smtClean="0"/>
               <a:t>第三级</a:t>
             </a:r>
+            <a:endParaRPr lang="zh-CN" altLang="en-US" smtClean="0"/>
           </a:p>
           <a:p>
             <a:pPr lvl="3"/>
@@ -5487,6 +5341,7 @@
               <a:rPr lang="zh-CN" altLang="en-US" smtClean="0"/>
               <a:t>第四级</a:t>
             </a:r>
+            <a:endParaRPr lang="zh-CN" altLang="en-US" smtClean="0"/>
           </a:p>
           <a:p>
             <a:pPr lvl="4"/>
@@ -5533,7 +5388,6 @@
           <a:p>
             <a:fld id="{64E25EE6-AE97-45A9-BCA2-AA41E1FBD27A}" type="datetimeFigureOut">
               <a:rPr lang="zh-CN" altLang="en-US" smtClean="0"/>
-              <a:t>2019/3/28</a:t>
             </a:fld>
             <a:endParaRPr lang="zh-CN" altLang="en-US"/>
           </a:p>
@@ -5611,18 +5465,12 @@
           <a:p>
             <a:fld id="{AC4FE177-AD45-4976-8D6F-03DD6443418D}" type="slidenum">
               <a:rPr lang="zh-CN" altLang="en-US" smtClean="0"/>
-              <a:t>‹#›</a:t>
             </a:fld>
             <a:endParaRPr lang="zh-CN" altLang="en-US"/>
           </a:p>
         </p:txBody>
       </p:sp>
     </p:spTree>
-    <p:extLst>
-      <p:ext uri="{BB962C8B-B14F-4D97-AF65-F5344CB8AC3E}">
-        <p14:creationId xmlns:p14="http://schemas.microsoft.com/office/powerpoint/2010/main" val="2760085849"/>
-      </p:ext>
-    </p:extLst>
   </p:cSld>
   <p:clrMap bg1="lt1" tx1="dk1" bg2="lt2" tx2="dk2" accent1="accent1" accent2="accent2" accent3="accent3" accent4="accent4" accent5="accent5" accent6="accent6" hlink="hlink" folHlink="folHlink"/>
   <p:sldLayoutIdLst>
@@ -5668,7 +5516,7 @@
         <a:spcBef>
           <a:spcPts val="1000"/>
         </a:spcBef>
-        <a:buFont typeface="Arial" panose="020B0604020202020204" pitchFamily="34" charset="0"/>
+        <a:buFont typeface="Arial" panose="02080604020202020204" pitchFamily="34" charset="0"/>
         <a:buChar char="•"/>
         <a:defRPr sz="2800" kern="1200">
           <a:solidFill>
@@ -5686,7 +5534,7 @@
         <a:spcBef>
           <a:spcPts val="500"/>
         </a:spcBef>
-        <a:buFont typeface="Arial" panose="020B0604020202020204" pitchFamily="34" charset="0"/>
+        <a:buFont typeface="Arial" panose="02080604020202020204" pitchFamily="34" charset="0"/>
         <a:buChar char="•"/>
         <a:defRPr sz="2400" kern="1200">
           <a:solidFill>
@@ -5704,7 +5552,7 @@
         <a:spcBef>
           <a:spcPts val="500"/>
         </a:spcBef>
-        <a:buFont typeface="Arial" panose="020B0604020202020204" pitchFamily="34" charset="0"/>
+        <a:buFont typeface="Arial" panose="02080604020202020204" pitchFamily="34" charset="0"/>
         <a:buChar char="•"/>
         <a:defRPr sz="2000" kern="1200">
           <a:solidFill>
@@ -5722,7 +5570,7 @@
         <a:spcBef>
           <a:spcPts val="500"/>
         </a:spcBef>
-        <a:buFont typeface="Arial" panose="020B0604020202020204" pitchFamily="34" charset="0"/>
+        <a:buFont typeface="Arial" panose="02080604020202020204" pitchFamily="34" charset="0"/>
         <a:buChar char="•"/>
         <a:defRPr sz="1800" kern="1200">
           <a:solidFill>
@@ -5740,7 +5588,7 @@
         <a:spcBef>
           <a:spcPts val="500"/>
         </a:spcBef>
-        <a:buFont typeface="Arial" panose="020B0604020202020204" pitchFamily="34" charset="0"/>
+        <a:buFont typeface="Arial" panose="02080604020202020204" pitchFamily="34" charset="0"/>
         <a:buChar char="•"/>
         <a:defRPr sz="1800" kern="1200">
           <a:solidFill>
@@ -5758,7 +5606,7 @@
         <a:spcBef>
           <a:spcPts val="500"/>
         </a:spcBef>
-        <a:buFont typeface="Arial" panose="020B0604020202020204" pitchFamily="34" charset="0"/>
+        <a:buFont typeface="Arial" panose="02080604020202020204" pitchFamily="34" charset="0"/>
         <a:buChar char="•"/>
         <a:defRPr sz="1800" kern="1200">
           <a:solidFill>
@@ -5776,7 +5624,7 @@
         <a:spcBef>
           <a:spcPts val="500"/>
         </a:spcBef>
-        <a:buFont typeface="Arial" panose="020B0604020202020204" pitchFamily="34" charset="0"/>
+        <a:buFont typeface="Arial" panose="02080604020202020204" pitchFamily="34" charset="0"/>
         <a:buChar char="•"/>
         <a:defRPr sz="1800" kern="1200">
           <a:solidFill>
@@ -5794,7 +5642,7 @@
         <a:spcBef>
           <a:spcPts val="500"/>
         </a:spcBef>
-        <a:buFont typeface="Arial" panose="020B0604020202020204" pitchFamily="34" charset="0"/>
+        <a:buFont typeface="Arial" panose="02080604020202020204" pitchFamily="34" charset="0"/>
         <a:buChar char="•"/>
         <a:defRPr sz="1800" kern="1200">
           <a:solidFill>
@@ -5812,7 +5660,7 @@
         <a:spcBef>
           <a:spcPts val="500"/>
         </a:spcBef>
-        <a:buFont typeface="Arial" panose="020B0604020202020204" pitchFamily="34" charset="0"/>
+        <a:buFont typeface="Arial" panose="02080604020202020204" pitchFamily="34" charset="0"/>
         <a:buChar char="•"/>
         <a:defRPr sz="1800" kern="1200">
           <a:solidFill>
@@ -6039,7 +5887,7 @@
           <p:nvPr/>
         </p:nvPicPr>
         <p:blipFill>
-          <a:blip r:embed="rId4">
+          <a:blip r:embed="rId1">
             <a:extLst>
               <a:ext uri="{28A0092B-C50C-407E-A947-70E740481C1C}">
                 <a14:useLocalDpi xmlns:a14="http://schemas.microsoft.com/office/drawing/2010/main" val="0"/>
@@ -6062,24 +5910,19 @@
       </p:pic>
     </p:spTree>
     <p:custDataLst>
-      <p:tags r:id="rId1"/>
+      <p:tags r:id="rId2"/>
     </p:custDataLst>
-    <p:extLst>
-      <p:ext uri="{BB962C8B-B14F-4D97-AF65-F5344CB8AC3E}">
-        <p14:creationId xmlns:p14="http://schemas.microsoft.com/office/powerpoint/2010/main" val="2016436677"/>
-      </p:ext>
-    </p:extLst>
   </p:cSld>
   <p:clrMapOvr>
     <a:masterClrMapping/>
   </p:clrMapOvr>
-  <mc:AlternateContent xmlns:mc="http://schemas.openxmlformats.org/markup-compatibility/2006" xmlns:p14="http://schemas.microsoft.com/office/powerpoint/2010/main">
-    <mc:Choice Requires="p14">
+  <mc:AlternateContent xmlns:mc="http://schemas.openxmlformats.org/markup-compatibility/2006">
+    <mc:Choice xmlns:p14="http://schemas.microsoft.com/office/powerpoint/2010/main" Requires="p14">
       <p:transition spd="med" p14:dur="700">
         <p:fade/>
       </p:transition>
     </mc:Choice>
-    <mc:Fallback xmlns="">
+    <mc:Fallback>
       <p:transition spd="med">
         <p:fade/>
       </p:transition>
@@ -6206,22 +6049,17 @@
         </p:style>
       </p:cxnSp>
     </p:spTree>
-    <p:extLst>
-      <p:ext uri="{BB962C8B-B14F-4D97-AF65-F5344CB8AC3E}">
-        <p14:creationId xmlns:p14="http://schemas.microsoft.com/office/powerpoint/2010/main" val="4089135854"/>
-      </p:ext>
-    </p:extLst>
   </p:cSld>
   <p:clrMapOvr>
     <a:masterClrMapping/>
   </p:clrMapOvr>
-  <mc:AlternateContent xmlns:mc="http://schemas.openxmlformats.org/markup-compatibility/2006" xmlns:p14="http://schemas.microsoft.com/office/powerpoint/2010/main">
-    <mc:Choice Requires="p14">
+  <mc:AlternateContent xmlns:mc="http://schemas.openxmlformats.org/markup-compatibility/2006">
+    <mc:Choice xmlns:p14="http://schemas.microsoft.com/office/powerpoint/2010/main" Requires="p14">
       <p:transition spd="med" p14:dur="700">
         <p:fade/>
       </p:transition>
     </mc:Choice>
-    <mc:Fallback xmlns="">
+    <mc:Fallback>
       <p:transition spd="med">
         <p:fade/>
       </p:transition>
@@ -6298,6 +6136,14 @@
               </a:rPr>
               <a:t>定积分数值计算</a:t>
             </a:r>
+            <a:endParaRPr lang="zh-CN" altLang="en-US" sz="2800" dirty="0" smtClean="0">
+              <a:solidFill>
+                <a:schemeClr val="accent1"/>
+              </a:solidFill>
+              <a:latin typeface="Times New Roman" panose="02020603050405020304" pitchFamily="18" charset="0"/>
+              <a:cs typeface="Times New Roman" panose="02020603050405020304" pitchFamily="18" charset="0"/>
+              <a:sym typeface="微软雅黑" panose="020B0503020204020204" pitchFamily="34" charset="-122"/>
+            </a:endParaRPr>
           </a:p>
         </p:txBody>
       </p:sp>
@@ -6307,13 +6153,7 @@
           <p:cNvGraphicFramePr>
             <a:graphicFrameLocks noChangeAspect="1"/>
           </p:cNvGraphicFramePr>
-          <p:nvPr>
-            <p:extLst>
-              <p:ext uri="{D42A27DB-BD31-4B8C-83A1-F6EECF244321}">
-                <p14:modId xmlns:p14="http://schemas.microsoft.com/office/powerpoint/2010/main" val="3175140582"/>
-              </p:ext>
-            </p:extLst>
-          </p:nvPr>
+          <p:nvPr/>
         </p:nvGraphicFramePr>
         <p:xfrm>
           <a:off x="3654196" y="1358448"/>
@@ -6323,12 +6163,12 @@
           <a:graphicData uri="http://schemas.openxmlformats.org/presentationml/2006/ole">
             <mc:AlternateContent xmlns:mc="http://schemas.openxmlformats.org/markup-compatibility/2006">
               <mc:Choice xmlns:v="urn:schemas-microsoft-com:vml" Requires="v">
-                <p:oleObj spid="_x0000_s1091" name="Equation" r:id="rId4" imgW="952087" imgH="431613" progId="Equation.DSMT4">
+                <p:oleObj spid="_x0000_s1091" name="Equation" r:id="rId1" imgW="951865" imgH="431800" progId="Equation.DSMT4">
                   <p:embed/>
                 </p:oleObj>
               </mc:Choice>
               <mc:Fallback>
-                <p:oleObj name="Equation" r:id="rId4" imgW="952087" imgH="431613" progId="Equation.DSMT4">
+                <p:oleObj name="Equation" r:id="rId1" imgW="951865" imgH="431800" progId="Equation.DSMT4">
                   <p:embed/>
                   <p:pic>
                     <p:nvPicPr>
@@ -6339,7 +6179,7 @@
                       <p:nvPr/>
                     </p:nvPicPr>
                     <p:blipFill>
-                      <a:blip r:embed="rId5">
+                      <a:blip r:embed="rId2">
                         <a:extLst>
                           <a:ext uri="{28A0092B-C50C-407E-A947-70E740481C1C}">
                             <a14:useLocalDpi xmlns:a14="http://schemas.microsoft.com/office/drawing/2010/main" val="0"/>
@@ -6429,9 +6269,6 @@
         </p:spPr>
         <p:txBody>
           <a:bodyPr vert="horz" wrap="none" lIns="91440" tIns="45720" rIns="91440" bIns="45720" numCol="1" anchor="ctr" anchorCtr="0" compatLnSpc="1">
-            <a:prstTxWarp prst="textNoShape">
-              <a:avLst/>
-            </a:prstTxWarp>
             <a:spAutoFit/>
           </a:bodyPr>
           <a:lstStyle/>
@@ -6450,7 +6287,6 @@
               <a:buSzTx/>
               <a:buFontTx/>
               <a:buNone/>
-              <a:tabLst/>
             </a:pPr>
             <a:r>
               <a:rPr kumimoji="0" lang="zh-CN" altLang="zh-CN" b="1" i="0" u="none" strike="noStrike" cap="none" normalizeH="0" baseline="0" dirty="0" smtClean="0">
@@ -6462,7 +6298,7 @@
                 </a:solidFill>
                 <a:effectLst/>
                 <a:latin typeface="Calibri" panose="020F0502020204030204" pitchFamily="34" charset="0"/>
-                <a:ea typeface="宋体" panose="02010600030101010101" pitchFamily="2" charset="-122"/>
+                <a:ea typeface="SimSun" panose="02010600030101010101" pitchFamily="2" charset="-122"/>
                 <a:cs typeface="Times New Roman" panose="02020603050405020304" pitchFamily="18" charset="0"/>
               </a:rPr>
               <a:t>题目</a:t>
@@ -6477,7 +6313,7 @@
                 </a:solidFill>
                 <a:effectLst/>
                 <a:latin typeface="Calibri" panose="020F0502020204030204" pitchFamily="34" charset="0"/>
-                <a:ea typeface="宋体" panose="02010600030101010101" pitchFamily="2" charset="-122"/>
+                <a:ea typeface="SimSun" panose="02010600030101010101" pitchFamily="2" charset="-122"/>
                 <a:cs typeface="Times New Roman" panose="02020603050405020304" pitchFamily="18" charset="0"/>
               </a:rPr>
               <a:t>：编写一个程序计算函数</a:t>
@@ -6490,7 +6326,7 @@
                 <a:schemeClr val="tx1"/>
               </a:solidFill>
               <a:effectLst/>
-              <a:latin typeface="Arial" panose="020B0604020202020204" pitchFamily="34" charset="0"/>
+              <a:latin typeface="Arial" panose="02080604020202020204" pitchFamily="34" charset="0"/>
             </a:endParaRPr>
           </a:p>
         </p:txBody>
@@ -6547,9 +6383,6 @@
         </p:spPr>
         <p:txBody>
           <a:bodyPr vert="horz" wrap="none" lIns="91440" tIns="45720" rIns="91440" bIns="45720" numCol="1" anchor="ctr" anchorCtr="0" compatLnSpc="1">
-            <a:prstTxWarp prst="textNoShape">
-              <a:avLst/>
-            </a:prstTxWarp>
             <a:spAutoFit/>
           </a:bodyPr>
           <a:lstStyle/>
@@ -6568,12 +6401,11 @@
               <a:buSzTx/>
               <a:buFontTx/>
               <a:buNone/>
-              <a:tabLst/>
             </a:pPr>
             <a:r>
               <a:rPr lang="zh-CN" altLang="en-US" dirty="0" smtClean="0">
                 <a:latin typeface="Calibri" panose="020F0502020204030204" pitchFamily="34" charset="0"/>
-                <a:ea typeface="宋体" panose="02010600030101010101" pitchFamily="2" charset="-122"/>
+                <a:ea typeface="SimSun" panose="02010600030101010101" pitchFamily="2" charset="-122"/>
                 <a:cs typeface="Times New Roman" panose="02020603050405020304" pitchFamily="18" charset="0"/>
               </a:rPr>
               <a:t>在定义域</a:t>
@@ -6581,7 +6413,7 @@
             <a:r>
               <a:rPr lang="en-US" altLang="zh-CN" dirty="0" smtClean="0">
                 <a:latin typeface="Calibri" panose="020F0502020204030204" pitchFamily="34" charset="0"/>
-                <a:ea typeface="宋体" panose="02010600030101010101" pitchFamily="2" charset="-122"/>
+                <a:ea typeface="SimSun" panose="02010600030101010101" pitchFamily="2" charset="-122"/>
                 <a:cs typeface="Times New Roman" panose="02020603050405020304" pitchFamily="18" charset="0"/>
               </a:rPr>
               <a:t>[0, 1)</a:t>
@@ -6589,7 +6421,7 @@
             <a:r>
               <a:rPr lang="zh-CN" altLang="en-US" dirty="0" smtClean="0">
                 <a:latin typeface="Calibri" panose="020F0502020204030204" pitchFamily="34" charset="0"/>
-                <a:ea typeface="宋体" panose="02010600030101010101" pitchFamily="2" charset="-122"/>
+                <a:ea typeface="SimSun" panose="02010600030101010101" pitchFamily="2" charset="-122"/>
                 <a:cs typeface="Times New Roman" panose="02020603050405020304" pitchFamily="18" charset="0"/>
               </a:rPr>
               <a:t>内任意指定区间的定积分近似值。</a:t>
@@ -6602,7 +6434,7 @@
                 <a:schemeClr val="tx1"/>
               </a:solidFill>
               <a:effectLst/>
-              <a:latin typeface="Arial" panose="020B0604020202020204" pitchFamily="34" charset="0"/>
+              <a:latin typeface="Arial" panose="02080604020202020204" pitchFamily="34" charset="0"/>
             </a:endParaRPr>
           </a:p>
         </p:txBody>
@@ -6639,7 +6471,7 @@
             <a:r>
               <a:rPr lang="zh-CN" altLang="zh-CN" b="1" kern="100" dirty="0">
                 <a:latin typeface="Calibri" panose="020F0502020204030204" pitchFamily="34" charset="0"/>
-                <a:ea typeface="宋体" panose="02010600030101010101" pitchFamily="2" charset="-122"/>
+                <a:ea typeface="SimSun" panose="02010600030101010101" pitchFamily="2" charset="-122"/>
                 <a:cs typeface="Times New Roman" panose="02020603050405020304" pitchFamily="18" charset="0"/>
               </a:rPr>
               <a:t>要求</a:t>
@@ -6647,7 +6479,7 @@
             <a:r>
               <a:rPr lang="zh-CN" altLang="zh-CN" kern="100" dirty="0">
                 <a:latin typeface="Calibri" panose="020F0502020204030204" pitchFamily="34" charset="0"/>
-                <a:ea typeface="宋体" panose="02010600030101010101" pitchFamily="2" charset="-122"/>
+                <a:ea typeface="SimSun" panose="02010600030101010101" pitchFamily="2" charset="-122"/>
                 <a:cs typeface="Times New Roman" panose="02020603050405020304" pitchFamily="18" charset="0"/>
               </a:rPr>
               <a:t>：</a:t>
@@ -6655,7 +6487,7 @@
             <a:r>
               <a:rPr lang="en-US" altLang="zh-CN" kern="100" dirty="0">
                 <a:latin typeface="Calibri" panose="020F0502020204030204" pitchFamily="34" charset="0"/>
-                <a:ea typeface="宋体" panose="02010600030101010101" pitchFamily="2" charset="-122"/>
+                <a:ea typeface="SimSun" panose="02010600030101010101" pitchFamily="2" charset="-122"/>
                 <a:cs typeface="Times New Roman" panose="02020603050405020304" pitchFamily="18" charset="0"/>
               </a:rPr>
               <a:t>1.</a:t>
@@ -6663,14 +6495,14 @@
             <a:r>
               <a:rPr lang="zh-CN" altLang="zh-CN" kern="100" dirty="0">
                 <a:latin typeface="Calibri" panose="020F0502020204030204" pitchFamily="34" charset="0"/>
-                <a:ea typeface="宋体" panose="02010600030101010101" pitchFamily="2" charset="-122"/>
+                <a:ea typeface="SimSun" panose="02010600030101010101" pitchFamily="2" charset="-122"/>
                 <a:cs typeface="Times New Roman" panose="02020603050405020304" pitchFamily="18" charset="0"/>
               </a:rPr>
               <a:t>计算区间和区间等分数目从命令行分别读取；</a:t>
             </a:r>
             <a:endParaRPr lang="zh-CN" altLang="zh-CN" sz="1200" kern="100" dirty="0">
               <a:latin typeface="Calibri" panose="020F0502020204030204" pitchFamily="34" charset="0"/>
-              <a:ea typeface="宋体" panose="02010600030101010101" pitchFamily="2" charset="-122"/>
+              <a:ea typeface="SimSun" panose="02010600030101010101" pitchFamily="2" charset="-122"/>
               <a:cs typeface="Times New Roman" panose="02020603050405020304" pitchFamily="18" charset="0"/>
             </a:endParaRPr>
           </a:p>
@@ -6685,8 +6517,8 @@
             </a:pPr>
             <a:r>
               <a:rPr lang="en-US" altLang="zh-CN" kern="100" dirty="0">
-                <a:latin typeface="宋体" panose="02010600030101010101" pitchFamily="2" charset="-122"/>
-                <a:ea typeface="宋体" panose="02010600030101010101" pitchFamily="2" charset="-122"/>
+                <a:latin typeface="SimSun" panose="02010600030101010101" pitchFamily="2" charset="-122"/>
+                <a:ea typeface="SimSun" panose="02010600030101010101" pitchFamily="2" charset="-122"/>
                 <a:cs typeface="Times New Roman" panose="02020603050405020304" pitchFamily="18" charset="0"/>
               </a:rPr>
               <a:t>      2.</a:t>
@@ -6694,7 +6526,7 @@
             <a:r>
               <a:rPr lang="zh-CN" altLang="zh-CN" kern="100" dirty="0">
                 <a:latin typeface="Calibri" panose="020F0502020204030204" pitchFamily="34" charset="0"/>
-                <a:ea typeface="宋体" panose="02010600030101010101" pitchFamily="2" charset="-122"/>
+                <a:ea typeface="SimSun" panose="02010600030101010101" pitchFamily="2" charset="-122"/>
                 <a:cs typeface="Times New Roman" panose="02020603050405020304" pitchFamily="18" charset="0"/>
               </a:rPr>
               <a:t>程序具有健壮性，对计算区间超出定义域</a:t>
@@ -6702,7 +6534,7 @@
             <a:r>
               <a:rPr lang="zh-CN" altLang="zh-CN" b="1" kern="100" dirty="0">
                 <a:latin typeface="Calibri" panose="020F0502020204030204" pitchFamily="34" charset="0"/>
-                <a:ea typeface="宋体" panose="02010600030101010101" pitchFamily="2" charset="-122"/>
+                <a:ea typeface="SimSun" panose="02010600030101010101" pitchFamily="2" charset="-122"/>
                 <a:cs typeface="Times New Roman" panose="02020603050405020304" pitchFamily="18" charset="0"/>
               </a:rPr>
               <a:t>等</a:t>
@@ -6710,14 +6542,14 @@
             <a:r>
               <a:rPr lang="zh-CN" altLang="zh-CN" kern="100" dirty="0">
                 <a:latin typeface="Calibri" panose="020F0502020204030204" pitchFamily="34" charset="0"/>
-                <a:ea typeface="宋体" panose="02010600030101010101" pitchFamily="2" charset="-122"/>
+                <a:ea typeface="SimSun" panose="02010600030101010101" pitchFamily="2" charset="-122"/>
                 <a:cs typeface="Times New Roman" panose="02020603050405020304" pitchFamily="18" charset="0"/>
               </a:rPr>
               <a:t>异常情况给出错误提示并提醒用户重新输入；</a:t>
             </a:r>
             <a:endParaRPr lang="zh-CN" altLang="zh-CN" sz="1200" kern="100" dirty="0">
               <a:latin typeface="Calibri" panose="020F0502020204030204" pitchFamily="34" charset="0"/>
-              <a:ea typeface="宋体" panose="02010600030101010101" pitchFamily="2" charset="-122"/>
+              <a:ea typeface="SimSun" panose="02010600030101010101" pitchFamily="2" charset="-122"/>
               <a:cs typeface="Times New Roman" panose="02020603050405020304" pitchFamily="18" charset="0"/>
             </a:endParaRPr>
           </a:p>
@@ -6732,8 +6564,8 @@
             </a:pPr>
             <a:r>
               <a:rPr lang="en-US" altLang="zh-CN" kern="100" dirty="0">
-                <a:latin typeface="宋体" panose="02010600030101010101" pitchFamily="2" charset="-122"/>
-                <a:ea typeface="宋体" panose="02010600030101010101" pitchFamily="2" charset="-122"/>
+                <a:latin typeface="SimSun" panose="02010600030101010101" pitchFamily="2" charset="-122"/>
+                <a:ea typeface="SimSun" panose="02010600030101010101" pitchFamily="2" charset="-122"/>
                 <a:cs typeface="Times New Roman" panose="02020603050405020304" pitchFamily="18" charset="0"/>
               </a:rPr>
               <a:t>      3.</a:t>
@@ -6741,14 +6573,14 @@
             <a:r>
               <a:rPr lang="zh-CN" altLang="zh-CN" kern="100" dirty="0">
                 <a:latin typeface="Calibri" panose="020F0502020204030204" pitchFamily="34" charset="0"/>
-                <a:ea typeface="宋体" panose="02010600030101010101" pitchFamily="2" charset="-122"/>
+                <a:ea typeface="SimSun" panose="02010600030101010101" pitchFamily="2" charset="-122"/>
                 <a:cs typeface="Times New Roman" panose="02020603050405020304" pitchFamily="18" charset="0"/>
               </a:rPr>
               <a:t>测试尽可能多种异常情况；</a:t>
             </a:r>
             <a:endParaRPr lang="zh-CN" altLang="zh-CN" sz="1200" kern="100" dirty="0">
               <a:latin typeface="Calibri" panose="020F0502020204030204" pitchFamily="34" charset="0"/>
-              <a:ea typeface="宋体" panose="02010600030101010101" pitchFamily="2" charset="-122"/>
+              <a:ea typeface="SimSun" panose="02010600030101010101" pitchFamily="2" charset="-122"/>
               <a:cs typeface="Times New Roman" panose="02020603050405020304" pitchFamily="18" charset="0"/>
             </a:endParaRPr>
           </a:p>
@@ -6763,8 +6595,8 @@
             </a:pPr>
             <a:r>
               <a:rPr lang="en-US" altLang="zh-CN" kern="100" dirty="0">
-                <a:latin typeface="宋体" panose="02010600030101010101" pitchFamily="2" charset="-122"/>
-                <a:ea typeface="宋体" panose="02010600030101010101" pitchFamily="2" charset="-122"/>
+                <a:latin typeface="SimSun" panose="02010600030101010101" pitchFamily="2" charset="-122"/>
+                <a:ea typeface="SimSun" panose="02010600030101010101" pitchFamily="2" charset="-122"/>
                 <a:cs typeface="Times New Roman" panose="02020603050405020304" pitchFamily="18" charset="0"/>
               </a:rPr>
               <a:t>      4.</a:t>
@@ -6772,7 +6604,7 @@
             <a:r>
               <a:rPr lang="zh-CN" altLang="zh-CN" kern="100" dirty="0">
                 <a:latin typeface="Calibri" panose="020F0502020204030204" pitchFamily="34" charset="0"/>
-                <a:ea typeface="宋体" panose="02010600030101010101" pitchFamily="2" charset="-122"/>
+                <a:ea typeface="SimSun" panose="02010600030101010101" pitchFamily="2" charset="-122"/>
                 <a:cs typeface="Times New Roman" panose="02020603050405020304" pitchFamily="18" charset="0"/>
               </a:rPr>
               <a:t>测试</a:t>
@@ -6780,7 +6612,7 @@
             <a:r>
               <a:rPr lang="en-US" altLang="zh-CN" kern="100" dirty="0">
                 <a:latin typeface="Calibri" panose="020F0502020204030204" pitchFamily="34" charset="0"/>
-                <a:ea typeface="宋体" panose="02010600030101010101" pitchFamily="2" charset="-122"/>
+                <a:ea typeface="SimSun" panose="02010600030101010101" pitchFamily="2" charset="-122"/>
                 <a:cs typeface="Times New Roman" panose="02020603050405020304" pitchFamily="18" charset="0"/>
               </a:rPr>
               <a:t>3</a:t>
@@ -6788,7 +6620,7 @@
             <a:r>
               <a:rPr lang="zh-CN" altLang="zh-CN" kern="100" dirty="0">
                 <a:latin typeface="Calibri" panose="020F0502020204030204" pitchFamily="34" charset="0"/>
-                <a:ea typeface="宋体" panose="02010600030101010101" pitchFamily="2" charset="-122"/>
+                <a:ea typeface="SimSun" panose="02010600030101010101" pitchFamily="2" charset="-122"/>
                 <a:cs typeface="Times New Roman" panose="02020603050405020304" pitchFamily="18" charset="0"/>
               </a:rPr>
               <a:t>组区间数据，每组区间下给出</a:t>
@@ -6796,7 +6628,7 @@
             <a:r>
               <a:rPr lang="en-US" altLang="zh-CN" kern="100" dirty="0">
                 <a:latin typeface="Calibri" panose="020F0502020204030204" pitchFamily="34" charset="0"/>
-                <a:ea typeface="宋体" panose="02010600030101010101" pitchFamily="2" charset="-122"/>
+                <a:ea typeface="SimSun" panose="02010600030101010101" pitchFamily="2" charset="-122"/>
                 <a:cs typeface="Times New Roman" panose="02020603050405020304" pitchFamily="18" charset="0"/>
               </a:rPr>
               <a:t>5</a:t>
@@ -6804,7 +6636,7 @@
             <a:r>
               <a:rPr lang="zh-CN" altLang="zh-CN" kern="100" dirty="0">
                 <a:latin typeface="Calibri" panose="020F0502020204030204" pitchFamily="34" charset="0"/>
-                <a:ea typeface="宋体" panose="02010600030101010101" pitchFamily="2" charset="-122"/>
+                <a:ea typeface="SimSun" panose="02010600030101010101" pitchFamily="2" charset="-122"/>
                 <a:cs typeface="Times New Roman" panose="02020603050405020304" pitchFamily="18" charset="0"/>
               </a:rPr>
               <a:t>种不同等分数目</a:t>
@@ -6812,7 +6644,7 @@
             <a:r>
               <a:rPr lang="zh-CN" altLang="zh-CN" kern="100" dirty="0" smtClean="0">
                 <a:latin typeface="Calibri" panose="020F0502020204030204" pitchFamily="34" charset="0"/>
-                <a:ea typeface="宋体" panose="02010600030101010101" pitchFamily="2" charset="-122"/>
+                <a:ea typeface="SimSun" panose="02010600030101010101" pitchFamily="2" charset="-122"/>
                 <a:cs typeface="Times New Roman" panose="02020603050405020304" pitchFamily="18" charset="0"/>
               </a:rPr>
               <a:t>。</a:t>
@@ -6820,7 +6652,7 @@
             <a:endParaRPr lang="en-US" altLang="zh-CN" sz="1200" kern="100" dirty="0">
               <a:effectLst/>
               <a:latin typeface="Calibri" panose="020F0502020204030204" pitchFamily="34" charset="0"/>
-              <a:ea typeface="宋体" panose="02010600030101010101" pitchFamily="2" charset="-122"/>
+              <a:ea typeface="SimSun" panose="02010600030101010101" pitchFamily="2" charset="-122"/>
               <a:cs typeface="Times New Roman" panose="02020603050405020304" pitchFamily="18" charset="0"/>
             </a:endParaRPr>
           </a:p>
@@ -6832,295 +6664,295 @@
             </a:pPr>
             <a:r>
               <a:rPr lang="zh-CN" altLang="en-US" b="1" kern="100" dirty="0">
-                <a:latin typeface="宋体" panose="02010600030101010101" pitchFamily="2" charset="-122"/>
-                <a:ea typeface="宋体" panose="02010600030101010101" pitchFamily="2" charset="-122"/>
+                <a:latin typeface="SimSun" panose="02010600030101010101" pitchFamily="2" charset="-122"/>
+                <a:ea typeface="SimSun" panose="02010600030101010101" pitchFamily="2" charset="-122"/>
                 <a:cs typeface="Times New Roman" panose="02020603050405020304" pitchFamily="18" charset="0"/>
               </a:rPr>
               <a:t>原理</a:t>
             </a:r>
             <a:r>
               <a:rPr lang="zh-CN" altLang="en-US" kern="100" dirty="0">
-                <a:latin typeface="宋体" panose="02010600030101010101" pitchFamily="2" charset="-122"/>
-                <a:ea typeface="宋体" panose="02010600030101010101" pitchFamily="2" charset="-122"/>
+                <a:latin typeface="SimSun" panose="02010600030101010101" pitchFamily="2" charset="-122"/>
+                <a:ea typeface="SimSun" panose="02010600030101010101" pitchFamily="2" charset="-122"/>
                 <a:cs typeface="Times New Roman" panose="02020603050405020304" pitchFamily="18" charset="0"/>
               </a:rPr>
               <a:t>：</a:t>
             </a:r>
             <a:r>
               <a:rPr lang="zh-CN" altLang="en-US" kern="100" dirty="0" smtClean="0">
-                <a:latin typeface="宋体" panose="02010600030101010101" pitchFamily="2" charset="-122"/>
-                <a:ea typeface="宋体" panose="02010600030101010101" pitchFamily="2" charset="-122"/>
+                <a:latin typeface="SimSun" panose="02010600030101010101" pitchFamily="2" charset="-122"/>
+                <a:ea typeface="SimSun" panose="02010600030101010101" pitchFamily="2" charset="-122"/>
                 <a:cs typeface="Times New Roman" panose="02020603050405020304" pitchFamily="18" charset="0"/>
               </a:rPr>
               <a:t>函数</a:t>
             </a:r>
             <a:r>
               <a:rPr lang="en-US" altLang="zh-CN" kern="100" dirty="0" smtClean="0">
-                <a:latin typeface="宋体" panose="02010600030101010101" pitchFamily="2" charset="-122"/>
-                <a:ea typeface="宋体" panose="02010600030101010101" pitchFamily="2" charset="-122"/>
+                <a:latin typeface="SimSun" panose="02010600030101010101" pitchFamily="2" charset="-122"/>
+                <a:ea typeface="SimSun" panose="02010600030101010101" pitchFamily="2" charset="-122"/>
                 <a:cs typeface="Times New Roman" panose="02020603050405020304" pitchFamily="18" charset="0"/>
               </a:rPr>
               <a:t>f(x)</a:t>
             </a:r>
             <a:r>
               <a:rPr lang="zh-CN" altLang="en-US" kern="100" dirty="0" smtClean="0">
-                <a:latin typeface="宋体" panose="02010600030101010101" pitchFamily="2" charset="-122"/>
-                <a:ea typeface="宋体" panose="02010600030101010101" pitchFamily="2" charset="-122"/>
+                <a:latin typeface="SimSun" panose="02010600030101010101" pitchFamily="2" charset="-122"/>
+                <a:ea typeface="SimSun" panose="02010600030101010101" pitchFamily="2" charset="-122"/>
                 <a:cs typeface="Times New Roman" panose="02020603050405020304" pitchFamily="18" charset="0"/>
               </a:rPr>
               <a:t>在区间</a:t>
             </a:r>
             <a:r>
               <a:rPr lang="en-US" altLang="zh-CN" kern="100" dirty="0" smtClean="0">
-                <a:latin typeface="宋体" panose="02010600030101010101" pitchFamily="2" charset="-122"/>
-                <a:ea typeface="宋体" panose="02010600030101010101" pitchFamily="2" charset="-122"/>
+                <a:latin typeface="SimSun" panose="02010600030101010101" pitchFamily="2" charset="-122"/>
+                <a:ea typeface="SimSun" panose="02010600030101010101" pitchFamily="2" charset="-122"/>
                 <a:cs typeface="Times New Roman" panose="02020603050405020304" pitchFamily="18" charset="0"/>
               </a:rPr>
               <a:t>[a, b]</a:t>
             </a:r>
             <a:r>
               <a:rPr lang="zh-CN" altLang="en-US" kern="100" dirty="0" smtClean="0">
-                <a:latin typeface="宋体" panose="02010600030101010101" pitchFamily="2" charset="-122"/>
-                <a:ea typeface="宋体" panose="02010600030101010101" pitchFamily="2" charset="-122"/>
+                <a:latin typeface="SimSun" panose="02010600030101010101" pitchFamily="2" charset="-122"/>
+                <a:ea typeface="SimSun" panose="02010600030101010101" pitchFamily="2" charset="-122"/>
                 <a:cs typeface="Times New Roman" panose="02020603050405020304" pitchFamily="18" charset="0"/>
               </a:rPr>
               <a:t>的</a:t>
             </a:r>
             <a:r>
               <a:rPr lang="zh-CN" altLang="en-US" kern="100" dirty="0">
-                <a:latin typeface="宋体" panose="02010600030101010101" pitchFamily="2" charset="-122"/>
-                <a:ea typeface="宋体" panose="02010600030101010101" pitchFamily="2" charset="-122"/>
+                <a:latin typeface="SimSun" panose="02010600030101010101" pitchFamily="2" charset="-122"/>
+                <a:ea typeface="SimSun" panose="02010600030101010101" pitchFamily="2" charset="-122"/>
                 <a:cs typeface="Times New Roman" panose="02020603050405020304" pitchFamily="18" charset="0"/>
               </a:rPr>
               <a:t>定积分为</a:t>
             </a:r>
             <a:r>
               <a:rPr lang="zh-CN" altLang="en-US" kern="100" dirty="0" smtClean="0">
-                <a:latin typeface="宋体" panose="02010600030101010101" pitchFamily="2" charset="-122"/>
-                <a:ea typeface="宋体" panose="02010600030101010101" pitchFamily="2" charset="-122"/>
+                <a:latin typeface="SimSun" panose="02010600030101010101" pitchFamily="2" charset="-122"/>
+                <a:ea typeface="SimSun" panose="02010600030101010101" pitchFamily="2" charset="-122"/>
                 <a:cs typeface="Times New Roman" panose="02020603050405020304" pitchFamily="18" charset="0"/>
               </a:rPr>
               <a:t>曲线</a:t>
             </a:r>
             <a:r>
               <a:rPr lang="en-US" altLang="zh-CN" kern="100" dirty="0" smtClean="0">
-                <a:latin typeface="宋体" panose="02010600030101010101" pitchFamily="2" charset="-122"/>
-                <a:ea typeface="宋体" panose="02010600030101010101" pitchFamily="2" charset="-122"/>
+                <a:latin typeface="SimSun" panose="02010600030101010101" pitchFamily="2" charset="-122"/>
+                <a:ea typeface="SimSun" panose="02010600030101010101" pitchFamily="2" charset="-122"/>
                 <a:cs typeface="Times New Roman" panose="02020603050405020304" pitchFamily="18" charset="0"/>
               </a:rPr>
               <a:t>f(x)</a:t>
             </a:r>
             <a:r>
               <a:rPr lang="zh-CN" altLang="en-US" kern="100" dirty="0" smtClean="0">
-                <a:latin typeface="宋体" panose="02010600030101010101" pitchFamily="2" charset="-122"/>
-                <a:ea typeface="宋体" panose="02010600030101010101" pitchFamily="2" charset="-122"/>
+                <a:latin typeface="SimSun" panose="02010600030101010101" pitchFamily="2" charset="-122"/>
+                <a:ea typeface="SimSun" panose="02010600030101010101" pitchFamily="2" charset="-122"/>
                 <a:cs typeface="Times New Roman" panose="02020603050405020304" pitchFamily="18" charset="0"/>
               </a:rPr>
               <a:t>、</a:t>
             </a:r>
             <a:r>
               <a:rPr lang="en-US" altLang="zh-CN" kern="100" dirty="0" smtClean="0">
-                <a:latin typeface="宋体" panose="02010600030101010101" pitchFamily="2" charset="-122"/>
-                <a:ea typeface="宋体" panose="02010600030101010101" pitchFamily="2" charset="-122"/>
+                <a:latin typeface="SimSun" panose="02010600030101010101" pitchFamily="2" charset="-122"/>
+                <a:ea typeface="SimSun" panose="02010600030101010101" pitchFamily="2" charset="-122"/>
                 <a:cs typeface="Times New Roman" panose="02020603050405020304" pitchFamily="18" charset="0"/>
               </a:rPr>
               <a:t>x</a:t>
             </a:r>
             <a:r>
               <a:rPr lang="zh-CN" altLang="en-US" kern="100" dirty="0" smtClean="0">
-                <a:latin typeface="宋体" panose="02010600030101010101" pitchFamily="2" charset="-122"/>
-                <a:ea typeface="宋体" panose="02010600030101010101" pitchFamily="2" charset="-122"/>
+                <a:latin typeface="SimSun" panose="02010600030101010101" pitchFamily="2" charset="-122"/>
+                <a:ea typeface="SimSun" panose="02010600030101010101" pitchFamily="2" charset="-122"/>
                 <a:cs typeface="Times New Roman" panose="02020603050405020304" pitchFamily="18" charset="0"/>
               </a:rPr>
               <a:t>轴</a:t>
             </a:r>
             <a:r>
               <a:rPr lang="zh-CN" altLang="en-US" kern="100" dirty="0">
-                <a:latin typeface="宋体" panose="02010600030101010101" pitchFamily="2" charset="-122"/>
-                <a:ea typeface="宋体" panose="02010600030101010101" pitchFamily="2" charset="-122"/>
+                <a:latin typeface="SimSun" panose="02010600030101010101" pitchFamily="2" charset="-122"/>
+                <a:ea typeface="SimSun" panose="02010600030101010101" pitchFamily="2" charset="-122"/>
                 <a:cs typeface="Times New Roman" panose="02020603050405020304" pitchFamily="18" charset="0"/>
               </a:rPr>
               <a:t>、</a:t>
             </a:r>
             <a:r>
               <a:rPr lang="zh-CN" altLang="en-US" kern="100" dirty="0" smtClean="0">
-                <a:latin typeface="宋体" panose="02010600030101010101" pitchFamily="2" charset="-122"/>
-                <a:ea typeface="宋体" panose="02010600030101010101" pitchFamily="2" charset="-122"/>
+                <a:latin typeface="SimSun" panose="02010600030101010101" pitchFamily="2" charset="-122"/>
+                <a:ea typeface="SimSun" panose="02010600030101010101" pitchFamily="2" charset="-122"/>
                 <a:cs typeface="Times New Roman" panose="02020603050405020304" pitchFamily="18" charset="0"/>
               </a:rPr>
               <a:t>直线</a:t>
             </a:r>
             <a:r>
               <a:rPr lang="en-US" altLang="zh-CN" kern="100" dirty="0" smtClean="0">
-                <a:latin typeface="宋体" panose="02010600030101010101" pitchFamily="2" charset="-122"/>
-                <a:ea typeface="宋体" panose="02010600030101010101" pitchFamily="2" charset="-122"/>
+                <a:latin typeface="SimSun" panose="02010600030101010101" pitchFamily="2" charset="-122"/>
+                <a:ea typeface="SimSun" panose="02010600030101010101" pitchFamily="2" charset="-122"/>
                 <a:cs typeface="Times New Roman" panose="02020603050405020304" pitchFamily="18" charset="0"/>
               </a:rPr>
               <a:t>x=a</a:t>
             </a:r>
             <a:r>
               <a:rPr lang="zh-CN" altLang="en-US" kern="100" dirty="0" smtClean="0">
-                <a:latin typeface="宋体" panose="02010600030101010101" pitchFamily="2" charset="-122"/>
-                <a:ea typeface="宋体" panose="02010600030101010101" pitchFamily="2" charset="-122"/>
+                <a:latin typeface="SimSun" panose="02010600030101010101" pitchFamily="2" charset="-122"/>
+                <a:ea typeface="SimSun" panose="02010600030101010101" pitchFamily="2" charset="-122"/>
                 <a:cs typeface="Times New Roman" panose="02020603050405020304" pitchFamily="18" charset="0"/>
               </a:rPr>
               <a:t>和直线</a:t>
             </a:r>
             <a:r>
               <a:rPr lang="en-US" altLang="zh-CN" kern="100" dirty="0" smtClean="0">
-                <a:latin typeface="宋体" panose="02010600030101010101" pitchFamily="2" charset="-122"/>
-                <a:ea typeface="宋体" panose="02010600030101010101" pitchFamily="2" charset="-122"/>
+                <a:latin typeface="SimSun" panose="02010600030101010101" pitchFamily="2" charset="-122"/>
+                <a:ea typeface="SimSun" panose="02010600030101010101" pitchFamily="2" charset="-122"/>
                 <a:cs typeface="Times New Roman" panose="02020603050405020304" pitchFamily="18" charset="0"/>
               </a:rPr>
               <a:t>x=b</a:t>
             </a:r>
             <a:r>
               <a:rPr lang="zh-CN" altLang="en-US" kern="100" dirty="0" smtClean="0">
-                <a:latin typeface="宋体" panose="02010600030101010101" pitchFamily="2" charset="-122"/>
-                <a:ea typeface="宋体" panose="02010600030101010101" pitchFamily="2" charset="-122"/>
+                <a:latin typeface="SimSun" panose="02010600030101010101" pitchFamily="2" charset="-122"/>
+                <a:ea typeface="SimSun" panose="02010600030101010101" pitchFamily="2" charset="-122"/>
                 <a:cs typeface="Times New Roman" panose="02020603050405020304" pitchFamily="18" charset="0"/>
               </a:rPr>
               <a:t>围</a:t>
             </a:r>
             <a:r>
               <a:rPr lang="zh-CN" altLang="en-US" kern="100" dirty="0">
-                <a:latin typeface="宋体" panose="02010600030101010101" pitchFamily="2" charset="-122"/>
-                <a:ea typeface="宋体" panose="02010600030101010101" pitchFamily="2" charset="-122"/>
+                <a:latin typeface="SimSun" panose="02010600030101010101" pitchFamily="2" charset="-122"/>
+                <a:ea typeface="SimSun" panose="02010600030101010101" pitchFamily="2" charset="-122"/>
                 <a:cs typeface="Times New Roman" panose="02020603050405020304" pitchFamily="18" charset="0"/>
               </a:rPr>
               <a:t>成的面积，可以近似的将这块面积</a:t>
             </a:r>
             <a:r>
               <a:rPr lang="zh-CN" altLang="en-US" kern="100" dirty="0" smtClean="0">
-                <a:latin typeface="宋体" panose="02010600030101010101" pitchFamily="2" charset="-122"/>
-                <a:ea typeface="宋体" panose="02010600030101010101" pitchFamily="2" charset="-122"/>
+                <a:latin typeface="SimSun" panose="02010600030101010101" pitchFamily="2" charset="-122"/>
+                <a:ea typeface="SimSun" panose="02010600030101010101" pitchFamily="2" charset="-122"/>
                 <a:cs typeface="Times New Roman" panose="02020603050405020304" pitchFamily="18" charset="0"/>
               </a:rPr>
               <a:t>沿</a:t>
             </a:r>
             <a:r>
               <a:rPr lang="en-US" altLang="zh-CN" kern="100" dirty="0" smtClean="0">
-                <a:latin typeface="宋体" panose="02010600030101010101" pitchFamily="2" charset="-122"/>
-                <a:ea typeface="宋体" panose="02010600030101010101" pitchFamily="2" charset="-122"/>
+                <a:latin typeface="SimSun" panose="02010600030101010101" pitchFamily="2" charset="-122"/>
+                <a:ea typeface="SimSun" panose="02010600030101010101" pitchFamily="2" charset="-122"/>
                 <a:cs typeface="Times New Roman" panose="02020603050405020304" pitchFamily="18" charset="0"/>
               </a:rPr>
               <a:t>x</a:t>
             </a:r>
             <a:r>
               <a:rPr lang="zh-CN" altLang="en-US" kern="100" dirty="0" smtClean="0">
-                <a:latin typeface="宋体" panose="02010600030101010101" pitchFamily="2" charset="-122"/>
-                <a:ea typeface="宋体" panose="02010600030101010101" pitchFamily="2" charset="-122"/>
+                <a:latin typeface="SimSun" panose="02010600030101010101" pitchFamily="2" charset="-122"/>
+                <a:ea typeface="SimSun" panose="02010600030101010101" pitchFamily="2" charset="-122"/>
                 <a:cs typeface="Times New Roman" panose="02020603050405020304" pitchFamily="18" charset="0"/>
               </a:rPr>
               <a:t>轴</a:t>
             </a:r>
             <a:r>
               <a:rPr lang="zh-CN" altLang="en-US" kern="100" dirty="0">
-                <a:latin typeface="宋体" panose="02010600030101010101" pitchFamily="2" charset="-122"/>
-                <a:ea typeface="宋体" panose="02010600030101010101" pitchFamily="2" charset="-122"/>
+                <a:latin typeface="SimSun" panose="02010600030101010101" pitchFamily="2" charset="-122"/>
+                <a:ea typeface="SimSun" panose="02010600030101010101" pitchFamily="2" charset="-122"/>
                 <a:cs typeface="Times New Roman" panose="02020603050405020304" pitchFamily="18" charset="0"/>
               </a:rPr>
               <a:t>等分</a:t>
             </a:r>
             <a:r>
               <a:rPr lang="zh-CN" altLang="en-US" kern="100" dirty="0" smtClean="0">
-                <a:latin typeface="宋体" panose="02010600030101010101" pitchFamily="2" charset="-122"/>
-                <a:ea typeface="宋体" panose="02010600030101010101" pitchFamily="2" charset="-122"/>
+                <a:latin typeface="SimSun" panose="02010600030101010101" pitchFamily="2" charset="-122"/>
+                <a:ea typeface="SimSun" panose="02010600030101010101" pitchFamily="2" charset="-122"/>
                 <a:cs typeface="Times New Roman" panose="02020603050405020304" pitchFamily="18" charset="0"/>
               </a:rPr>
               <a:t>为</a:t>
             </a:r>
             <a:r>
               <a:rPr lang="en-US" altLang="zh-CN" kern="100" dirty="0" smtClean="0">
-                <a:latin typeface="宋体" panose="02010600030101010101" pitchFamily="2" charset="-122"/>
-                <a:ea typeface="宋体" panose="02010600030101010101" pitchFamily="2" charset="-122"/>
+                <a:latin typeface="SimSun" panose="02010600030101010101" pitchFamily="2" charset="-122"/>
+                <a:ea typeface="SimSun" panose="02010600030101010101" pitchFamily="2" charset="-122"/>
                 <a:cs typeface="Times New Roman" panose="02020603050405020304" pitchFamily="18" charset="0"/>
               </a:rPr>
               <a:t>N</a:t>
             </a:r>
             <a:r>
               <a:rPr lang="zh-CN" altLang="en-US" kern="100" dirty="0" smtClean="0">
-                <a:latin typeface="宋体" panose="02010600030101010101" pitchFamily="2" charset="-122"/>
-                <a:ea typeface="宋体" panose="02010600030101010101" pitchFamily="2" charset="-122"/>
+                <a:latin typeface="SimSun" panose="02010600030101010101" pitchFamily="2" charset="-122"/>
+                <a:ea typeface="SimSun" panose="02010600030101010101" pitchFamily="2" charset="-122"/>
                 <a:cs typeface="Times New Roman" panose="02020603050405020304" pitchFamily="18" charset="0"/>
               </a:rPr>
               <a:t>个</a:t>
             </a:r>
             <a:r>
               <a:rPr lang="zh-CN" altLang="en-US" kern="100" dirty="0">
-                <a:latin typeface="宋体" panose="02010600030101010101" pitchFamily="2" charset="-122"/>
-                <a:ea typeface="宋体" panose="02010600030101010101" pitchFamily="2" charset="-122"/>
+                <a:latin typeface="SimSun" panose="02010600030101010101" pitchFamily="2" charset="-122"/>
+                <a:ea typeface="SimSun" panose="02010600030101010101" pitchFamily="2" charset="-122"/>
                 <a:cs typeface="Times New Roman" panose="02020603050405020304" pitchFamily="18" charset="0"/>
               </a:rPr>
               <a:t>小矩形，并计算他们的面积之和而得到。矩形宽度</a:t>
             </a:r>
             <a:r>
               <a:rPr lang="zh-CN" altLang="en-US" kern="100" dirty="0" smtClean="0">
-                <a:latin typeface="宋体" panose="02010600030101010101" pitchFamily="2" charset="-122"/>
-                <a:ea typeface="宋体" panose="02010600030101010101" pitchFamily="2" charset="-122"/>
+                <a:latin typeface="SimSun" panose="02010600030101010101" pitchFamily="2" charset="-122"/>
+                <a:ea typeface="SimSun" panose="02010600030101010101" pitchFamily="2" charset="-122"/>
                 <a:cs typeface="Times New Roman" panose="02020603050405020304" pitchFamily="18" charset="0"/>
               </a:rPr>
               <a:t>为</a:t>
             </a:r>
             <a:r>
               <a:rPr lang="en-US" altLang="zh-CN" kern="100" dirty="0" smtClean="0">
-                <a:latin typeface="宋体" panose="02010600030101010101" pitchFamily="2" charset="-122"/>
-                <a:ea typeface="宋体" panose="02010600030101010101" pitchFamily="2" charset="-122"/>
+                <a:latin typeface="SimSun" panose="02010600030101010101" pitchFamily="2" charset="-122"/>
+                <a:ea typeface="SimSun" panose="02010600030101010101" pitchFamily="2" charset="-122"/>
                 <a:cs typeface="Times New Roman" panose="02020603050405020304" pitchFamily="18" charset="0"/>
               </a:rPr>
               <a:t>(b-a)/N,</a:t>
             </a:r>
             <a:r>
               <a:rPr lang="zh-CN" altLang="en-US" kern="100" dirty="0">
-                <a:latin typeface="宋体" panose="02010600030101010101" pitchFamily="2" charset="-122"/>
-                <a:ea typeface="宋体" panose="02010600030101010101" pitchFamily="2" charset="-122"/>
+                <a:latin typeface="SimSun" panose="02010600030101010101" pitchFamily="2" charset="-122"/>
+                <a:ea typeface="SimSun" panose="02010600030101010101" pitchFamily="2" charset="-122"/>
                 <a:cs typeface="Times New Roman" panose="02020603050405020304" pitchFamily="18" charset="0"/>
               </a:rPr>
               <a:t>矩形高度</a:t>
             </a:r>
             <a:r>
               <a:rPr lang="zh-CN" altLang="en-US" kern="100" dirty="0" smtClean="0">
-                <a:latin typeface="宋体" panose="02010600030101010101" pitchFamily="2" charset="-122"/>
-                <a:ea typeface="宋体" panose="02010600030101010101" pitchFamily="2" charset="-122"/>
+                <a:latin typeface="SimSun" panose="02010600030101010101" pitchFamily="2" charset="-122"/>
+                <a:ea typeface="SimSun" panose="02010600030101010101" pitchFamily="2" charset="-122"/>
                 <a:cs typeface="Times New Roman" panose="02020603050405020304" pitchFamily="18" charset="0"/>
               </a:rPr>
               <a:t>为          </a:t>
             </a:r>
             <a:r>
               <a:rPr lang="zh-CN" altLang="en-US" kern="100" dirty="0">
-                <a:latin typeface="宋体" panose="02010600030101010101" pitchFamily="2" charset="-122"/>
-                <a:ea typeface="宋体" panose="02010600030101010101" pitchFamily="2" charset="-122"/>
+                <a:latin typeface="SimSun" panose="02010600030101010101" pitchFamily="2" charset="-122"/>
+                <a:ea typeface="SimSun" panose="02010600030101010101" pitchFamily="2" charset="-122"/>
                 <a:cs typeface="Times New Roman" panose="02020603050405020304" pitchFamily="18" charset="0"/>
               </a:rPr>
               <a:t>。使用解析解 </a:t>
             </a:r>
             <a:r>
               <a:rPr lang="zh-CN" altLang="en-US" kern="100" dirty="0" smtClean="0">
-                <a:latin typeface="宋体" panose="02010600030101010101" pitchFamily="2" charset="-122"/>
-                <a:ea typeface="宋体" panose="02010600030101010101" pitchFamily="2" charset="-122"/>
+                <a:latin typeface="SimSun" panose="02010600030101010101" pitchFamily="2" charset="-122"/>
+                <a:ea typeface="SimSun" panose="02010600030101010101" pitchFamily="2" charset="-122"/>
                 <a:cs typeface="Times New Roman" panose="02020603050405020304" pitchFamily="18" charset="0"/>
               </a:rPr>
               <a:t>                     对</a:t>
             </a:r>
             <a:r>
               <a:rPr lang="zh-CN" altLang="en-US" kern="100" dirty="0">
-                <a:latin typeface="宋体" panose="02010600030101010101" pitchFamily="2" charset="-122"/>
-                <a:ea typeface="宋体" panose="02010600030101010101" pitchFamily="2" charset="-122"/>
+                <a:latin typeface="SimSun" panose="02010600030101010101" pitchFamily="2" charset="-122"/>
+                <a:ea typeface="SimSun" panose="02010600030101010101" pitchFamily="2" charset="-122"/>
                 <a:cs typeface="Times New Roman" panose="02020603050405020304" pitchFamily="18" charset="0"/>
               </a:rPr>
               <a:t>数值计算结果进行验证</a:t>
             </a:r>
             <a:r>
               <a:rPr lang="zh-CN" altLang="en-US" kern="100" dirty="0" smtClean="0">
-                <a:latin typeface="宋体" panose="02010600030101010101" pitchFamily="2" charset="-122"/>
-                <a:ea typeface="宋体" panose="02010600030101010101" pitchFamily="2" charset="-122"/>
+                <a:latin typeface="SimSun" panose="02010600030101010101" pitchFamily="2" charset="-122"/>
+                <a:ea typeface="SimSun" panose="02010600030101010101" pitchFamily="2" charset="-122"/>
                 <a:cs typeface="Times New Roman" panose="02020603050405020304" pitchFamily="18" charset="0"/>
               </a:rPr>
               <a:t>。</a:t>
             </a:r>
             <a:endParaRPr lang="en-US" altLang="zh-CN" kern="100" dirty="0">
-              <a:latin typeface="宋体" panose="02010600030101010101" pitchFamily="2" charset="-122"/>
-              <a:ea typeface="宋体" panose="02010600030101010101" pitchFamily="2" charset="-122"/>
+              <a:latin typeface="SimSun" panose="02010600030101010101" pitchFamily="2" charset="-122"/>
+              <a:ea typeface="SimSun" panose="02010600030101010101" pitchFamily="2" charset="-122"/>
               <a:cs typeface="Times New Roman" panose="02020603050405020304" pitchFamily="18" charset="0"/>
             </a:endParaRPr>
           </a:p>
@@ -7178,9 +7010,6 @@
         </p:spPr>
         <p:txBody>
           <a:bodyPr vert="horz" wrap="none" lIns="91440" tIns="45720" rIns="91440" bIns="45720" numCol="1" anchor="ctr" anchorCtr="0" compatLnSpc="1">
-            <a:prstTxWarp prst="textNoShape">
-              <a:avLst/>
-            </a:prstTxWarp>
             <a:spAutoFit/>
           </a:bodyPr>
           <a:lstStyle/>
@@ -7195,13 +7024,7 @@
           <p:cNvGraphicFramePr>
             <a:graphicFrameLocks noChangeAspect="1"/>
           </p:cNvGraphicFramePr>
-          <p:nvPr>
-            <p:extLst>
-              <p:ext uri="{D42A27DB-BD31-4B8C-83A1-F6EECF244321}">
-                <p14:modId xmlns:p14="http://schemas.microsoft.com/office/powerpoint/2010/main" val="3091183931"/>
-              </p:ext>
-            </p:extLst>
-          </p:nvPr>
+          <p:nvPr/>
         </p:nvGraphicFramePr>
         <p:xfrm>
           <a:off x="852407" y="4277399"/>
@@ -7211,12 +7034,12 @@
           <a:graphicData uri="http://schemas.openxmlformats.org/presentationml/2006/ole">
             <mc:AlternateContent xmlns:mc="http://schemas.openxmlformats.org/markup-compatibility/2006">
               <mc:Choice xmlns:v="urn:schemas-microsoft-com:vml" Requires="v">
-                <p:oleObj spid="_x0000_s1092" name="Equation" r:id="rId6" imgW="736280" imgH="393529" progId="Equation.DSMT4">
+                <p:oleObj spid="_x0000_s1092" name="Equation" r:id="rId3" imgW="735965" imgH="393700" progId="Equation.DSMT4">
                   <p:embed/>
                 </p:oleObj>
               </mc:Choice>
               <mc:Fallback>
-                <p:oleObj name="Equation" r:id="rId6" imgW="736280" imgH="393529" progId="Equation.DSMT4">
+                <p:oleObj name="Equation" r:id="rId3" imgW="735965" imgH="393700" progId="Equation.DSMT4">
                   <p:embed/>
                   <p:pic>
                     <p:nvPicPr>
@@ -7227,7 +7050,7 @@
                       <p:nvPr/>
                     </p:nvPicPr>
                     <p:blipFill>
-                      <a:blip r:embed="rId7">
+                      <a:blip r:embed="rId4">
                         <a:extLst>
                           <a:ext uri="{28A0092B-C50C-407E-A947-70E740481C1C}">
                             <a14:useLocalDpi xmlns:a14="http://schemas.microsoft.com/office/drawing/2010/main" val="0"/>
@@ -7308,9 +7131,6 @@
         </p:spPr>
         <p:txBody>
           <a:bodyPr vert="horz" wrap="none" lIns="91440" tIns="45720" rIns="91440" bIns="45720" numCol="1" anchor="ctr" anchorCtr="0" compatLnSpc="1">
-            <a:prstTxWarp prst="textNoShape">
-              <a:avLst/>
-            </a:prstTxWarp>
             <a:spAutoFit/>
           </a:bodyPr>
           <a:lstStyle/>
@@ -7325,13 +7145,7 @@
           <p:cNvGraphicFramePr>
             <a:graphicFrameLocks noChangeAspect="1"/>
           </p:cNvGraphicFramePr>
-          <p:nvPr>
-            <p:extLst>
-              <p:ext uri="{D42A27DB-BD31-4B8C-83A1-F6EECF244321}">
-                <p14:modId xmlns:p14="http://schemas.microsoft.com/office/powerpoint/2010/main" val="2883247831"/>
-              </p:ext>
-            </p:extLst>
-          </p:nvPr>
+          <p:nvPr/>
         </p:nvGraphicFramePr>
         <p:xfrm>
           <a:off x="3483070" y="4315787"/>
@@ -7341,12 +7155,12 @@
           <a:graphicData uri="http://schemas.openxmlformats.org/presentationml/2006/ole">
             <mc:AlternateContent xmlns:mc="http://schemas.openxmlformats.org/markup-compatibility/2006">
               <mc:Choice xmlns:v="urn:schemas-microsoft-com:vml" Requires="v">
-                <p:oleObj spid="_x0000_s1093" name="Equation" r:id="rId8" imgW="1384300" imgH="431800" progId="Equation.DSMT4">
+                <p:oleObj spid="_x0000_s1093" name="Equation" r:id="rId5" imgW="1384300" imgH="431800" progId="Equation.DSMT4">
                   <p:embed/>
                 </p:oleObj>
               </mc:Choice>
               <mc:Fallback>
-                <p:oleObj name="Equation" r:id="rId8" imgW="1384300" imgH="431800" progId="Equation.DSMT4">
+                <p:oleObj name="Equation" r:id="rId5" imgW="1384300" imgH="431800" progId="Equation.DSMT4">
                   <p:embed/>
                   <p:pic>
                     <p:nvPicPr>
@@ -7357,7 +7171,7 @@
                       <p:nvPr/>
                     </p:nvPicPr>
                     <p:blipFill>
-                      <a:blip r:embed="rId9">
+                      <a:blip r:embed="rId6">
                         <a:extLst>
                           <a:ext uri="{28A0092B-C50C-407E-A947-70E740481C1C}">
                             <a14:useLocalDpi xmlns:a14="http://schemas.microsoft.com/office/drawing/2010/main" val="0"/>
@@ -7387,22 +7201,17 @@
         </a:graphic>
       </p:graphicFrame>
     </p:spTree>
-    <p:extLst>
-      <p:ext uri="{BB962C8B-B14F-4D97-AF65-F5344CB8AC3E}">
-        <p14:creationId xmlns:p14="http://schemas.microsoft.com/office/powerpoint/2010/main" val="2982733815"/>
-      </p:ext>
-    </p:extLst>
   </p:cSld>
   <p:clrMapOvr>
     <a:masterClrMapping/>
   </p:clrMapOvr>
-  <mc:AlternateContent xmlns:mc="http://schemas.openxmlformats.org/markup-compatibility/2006" xmlns:p14="http://schemas.microsoft.com/office/powerpoint/2010/main">
-    <mc:Choice Requires="p14">
+  <mc:AlternateContent xmlns:mc="http://schemas.openxmlformats.org/markup-compatibility/2006">
+    <mc:Choice xmlns:p14="http://schemas.microsoft.com/office/powerpoint/2010/main" Requires="p14">
       <p:transition spd="med" p14:dur="700">
         <p:fade/>
       </p:transition>
     </mc:Choice>
-    <mc:Fallback xmlns="">
+    <mc:Fallback>
       <p:transition spd="med">
         <p:fade/>
       </p:transition>
@@ -7479,6 +7288,14 @@
               </a:rPr>
               <a:t>定积分数值计算</a:t>
             </a:r>
+            <a:endParaRPr lang="zh-CN" altLang="en-US" sz="2800" dirty="0" smtClean="0">
+              <a:solidFill>
+                <a:schemeClr val="accent1"/>
+              </a:solidFill>
+              <a:latin typeface="Times New Roman" panose="02020603050405020304" pitchFamily="18" charset="0"/>
+              <a:cs typeface="Times New Roman" panose="02020603050405020304" pitchFamily="18" charset="0"/>
+              <a:sym typeface="微软雅黑" panose="020B0503020204020204" pitchFamily="34" charset="-122"/>
+            </a:endParaRPr>
           </a:p>
         </p:txBody>
       </p:sp>
@@ -7534,9 +7351,6 @@
         </p:spPr>
         <p:txBody>
           <a:bodyPr vert="horz" wrap="square" lIns="91440" tIns="45720" rIns="91440" bIns="45720" numCol="1" anchor="ctr" anchorCtr="0" compatLnSpc="1">
-            <a:prstTxWarp prst="textNoShape">
-              <a:avLst/>
-            </a:prstTxWarp>
             <a:spAutoFit/>
           </a:bodyPr>
           <a:lstStyle/>
@@ -7558,8 +7372,8 @@
                   <a:schemeClr val="tx1"/>
                 </a:solidFill>
                 <a:effectLst/>
-                <a:latin typeface="宋体" panose="02010600030101010101" pitchFamily="2" charset="-122"/>
-                <a:ea typeface="宋体" panose="02010600030101010101" pitchFamily="2" charset="-122"/>
+                <a:latin typeface="SimSun" panose="02010600030101010101" pitchFamily="2" charset="-122"/>
+                <a:ea typeface="SimSun" panose="02010600030101010101" pitchFamily="2" charset="-122"/>
                 <a:cs typeface="Times New Roman" panose="02020603050405020304" pitchFamily="18" charset="0"/>
               </a:rPr>
               <a:t>提高（选做）</a:t>
@@ -7573,36 +7387,41 @@
                   <a:schemeClr val="tx1"/>
                 </a:solidFill>
                 <a:effectLst/>
-                <a:latin typeface="宋体" panose="02010600030101010101" pitchFamily="2" charset="-122"/>
-                <a:ea typeface="宋体" panose="02010600030101010101" pitchFamily="2" charset="-122"/>
+                <a:latin typeface="SimSun" panose="02010600030101010101" pitchFamily="2" charset="-122"/>
+                <a:ea typeface="SimSun" panose="02010600030101010101" pitchFamily="2" charset="-122"/>
                 <a:cs typeface="Times New Roman" panose="02020603050405020304" pitchFamily="18" charset="0"/>
               </a:rPr>
               <a:t>：</a:t>
             </a:r>
             <a:r>
               <a:rPr lang="zh-CN" altLang="en-US" kern="100" dirty="0">
-                <a:latin typeface="宋体" panose="02010600030101010101" pitchFamily="2" charset="-122"/>
-                <a:ea typeface="宋体" panose="02010600030101010101" pitchFamily="2" charset="-122"/>
+                <a:latin typeface="SimSun" panose="02010600030101010101" pitchFamily="2" charset="-122"/>
+                <a:ea typeface="SimSun" panose="02010600030101010101" pitchFamily="2" charset="-122"/>
                 <a:cs typeface="Times New Roman" panose="02020603050405020304" pitchFamily="18" charset="0"/>
               </a:rPr>
               <a:t>进一步考虑曲线</a:t>
             </a:r>
             <a:r>
               <a:rPr lang="en-US" altLang="zh-CN" kern="100" dirty="0">
-                <a:latin typeface="宋体" panose="02010600030101010101" pitchFamily="2" charset="-122"/>
-                <a:ea typeface="宋体" panose="02010600030101010101" pitchFamily="2" charset="-122"/>
+                <a:latin typeface="SimSun" panose="02010600030101010101" pitchFamily="2" charset="-122"/>
+                <a:ea typeface="SimSun" panose="02010600030101010101" pitchFamily="2" charset="-122"/>
                 <a:cs typeface="Times New Roman" panose="02020603050405020304" pitchFamily="18" charset="0"/>
               </a:rPr>
               <a:t>f(x)</a:t>
             </a:r>
             <a:r>
               <a:rPr lang="zh-CN" altLang="en-US" kern="100" dirty="0">
-                <a:latin typeface="宋体" panose="02010600030101010101" pitchFamily="2" charset="-122"/>
-                <a:ea typeface="宋体" panose="02010600030101010101" pitchFamily="2" charset="-122"/>
+                <a:latin typeface="SimSun" panose="02010600030101010101" pitchFamily="2" charset="-122"/>
+                <a:ea typeface="SimSun" panose="02010600030101010101" pitchFamily="2" charset="-122"/>
                 <a:cs typeface="Times New Roman" panose="02020603050405020304" pitchFamily="18" charset="0"/>
               </a:rPr>
               <a:t>在各处变化率（即切线斜率）不同，采用区间等分方法误差较大，可以考虑非均匀区间划分方法。 </a:t>
             </a:r>
+            <a:endParaRPr lang="zh-CN" altLang="en-US" kern="100" dirty="0">
+              <a:latin typeface="SimSun" panose="02010600030101010101" pitchFamily="2" charset="-122"/>
+              <a:ea typeface="SimSun" panose="02010600030101010101" pitchFamily="2" charset="-122"/>
+              <a:cs typeface="Times New Roman" panose="02020603050405020304" pitchFamily="18" charset="0"/>
+            </a:endParaRPr>
           </a:p>
           <a:p>
             <a:pPr marL="0" marR="0" lvl="0" indent="0" algn="l" defTabSz="914400" rtl="0" eaLnBrk="0" fontAlgn="base" latinLnBrk="0" hangingPunct="0">
@@ -7619,7 +7438,6 @@
               <a:buSzTx/>
               <a:buFontTx/>
               <a:buNone/>
-              <a:tabLst/>
             </a:pPr>
             <a:endParaRPr kumimoji="0" lang="zh-CN" altLang="en-US" sz="1800" b="0" i="0" u="none" strike="noStrike" cap="none" normalizeH="0" baseline="0" dirty="0" smtClean="0">
               <a:ln>
@@ -7629,28 +7447,23 @@
                 <a:schemeClr val="tx1"/>
               </a:solidFill>
               <a:effectLst/>
-              <a:latin typeface="Arial" panose="020B0604020202020204" pitchFamily="34" charset="0"/>
+              <a:latin typeface="Arial" panose="02080604020202020204" pitchFamily="34" charset="0"/>
             </a:endParaRPr>
           </a:p>
         </p:txBody>
       </p:sp>
     </p:spTree>
-    <p:extLst>
-      <p:ext uri="{BB962C8B-B14F-4D97-AF65-F5344CB8AC3E}">
-        <p14:creationId xmlns:p14="http://schemas.microsoft.com/office/powerpoint/2010/main" val="727193621"/>
-      </p:ext>
-    </p:extLst>
   </p:cSld>
   <p:clrMapOvr>
     <a:masterClrMapping/>
   </p:clrMapOvr>
-  <mc:AlternateContent xmlns:mc="http://schemas.openxmlformats.org/markup-compatibility/2006" xmlns:p14="http://schemas.microsoft.com/office/powerpoint/2010/main">
-    <mc:Choice Requires="p14">
+  <mc:AlternateContent xmlns:mc="http://schemas.openxmlformats.org/markup-compatibility/2006">
+    <mc:Choice xmlns:p14="http://schemas.microsoft.com/office/powerpoint/2010/main" Requires="p14">
       <p:transition spd="med" p14:dur="700">
         <p:fade/>
       </p:transition>
     </mc:Choice>
-    <mc:Fallback xmlns="">
+    <mc:Fallback>
       <p:transition spd="med">
         <p:fade/>
       </p:transition>
@@ -7804,22 +7617,17 @@
         </p:style>
       </p:cxnSp>
     </p:spTree>
-    <p:extLst>
-      <p:ext uri="{BB962C8B-B14F-4D97-AF65-F5344CB8AC3E}">
-        <p14:creationId xmlns:p14="http://schemas.microsoft.com/office/powerpoint/2010/main" val="2155836970"/>
-      </p:ext>
-    </p:extLst>
   </p:cSld>
   <p:clrMapOvr>
     <a:masterClrMapping/>
   </p:clrMapOvr>
-  <mc:AlternateContent xmlns:mc="http://schemas.openxmlformats.org/markup-compatibility/2006" xmlns:p14="http://schemas.microsoft.com/office/powerpoint/2010/main">
-    <mc:Choice Requires="p14">
+  <mc:AlternateContent xmlns:mc="http://schemas.openxmlformats.org/markup-compatibility/2006">
+    <mc:Choice xmlns:p14="http://schemas.microsoft.com/office/powerpoint/2010/main" Requires="p14">
       <p:transition spd="med" p14:dur="700">
         <p:fade/>
       </p:transition>
     </mc:Choice>
-    <mc:Fallback xmlns="">
+    <mc:Fallback>
       <p:transition spd="med">
         <p:fade/>
       </p:transition>
@@ -7950,7 +7758,7 @@
             <a:r>
               <a:rPr lang="zh-CN" altLang="zh-CN" b="1" kern="100" dirty="0">
                 <a:latin typeface="Calibri" panose="020F0502020204030204" pitchFamily="34" charset="0"/>
-                <a:ea typeface="宋体" panose="02010600030101010101" pitchFamily="2" charset="-122"/>
+                <a:ea typeface="SimSun" panose="02010600030101010101" pitchFamily="2" charset="-122"/>
                 <a:cs typeface="Times New Roman" panose="02020603050405020304" pitchFamily="18" charset="0"/>
               </a:rPr>
               <a:t>题目</a:t>
@@ -7958,7 +7766,7 @@
             <a:r>
               <a:rPr lang="zh-CN" altLang="zh-CN" kern="100" dirty="0">
                 <a:latin typeface="Calibri" panose="020F0502020204030204" pitchFamily="34" charset="0"/>
-                <a:ea typeface="宋体" panose="02010600030101010101" pitchFamily="2" charset="-122"/>
+                <a:ea typeface="SimSun" panose="02010600030101010101" pitchFamily="2" charset="-122"/>
                 <a:cs typeface="Times New Roman" panose="02020603050405020304" pitchFamily="18" charset="0"/>
               </a:rPr>
               <a:t>：编写一个整数集合类</a:t>
@@ -7966,7 +7774,7 @@
             <a:r>
               <a:rPr lang="en-US" altLang="zh-CN" kern="100" dirty="0" err="1">
                 <a:latin typeface="Calibri" panose="020F0502020204030204" pitchFamily="34" charset="0"/>
-                <a:ea typeface="宋体" panose="02010600030101010101" pitchFamily="2" charset="-122"/>
+                <a:ea typeface="SimSun" panose="02010600030101010101" pitchFamily="2" charset="-122"/>
                 <a:cs typeface="Times New Roman" panose="02020603050405020304" pitchFamily="18" charset="0"/>
               </a:rPr>
               <a:t>IntegerSet</a:t>
@@ -7974,7 +7782,7 @@
             <a:r>
               <a:rPr lang="en-US" altLang="zh-CN" kern="100" dirty="0">
                 <a:latin typeface="Calibri" panose="020F0502020204030204" pitchFamily="34" charset="0"/>
-                <a:ea typeface="宋体" panose="02010600030101010101" pitchFamily="2" charset="-122"/>
+                <a:ea typeface="SimSun" panose="02010600030101010101" pitchFamily="2" charset="-122"/>
                 <a:cs typeface="Times New Roman" panose="02020603050405020304" pitchFamily="18" charset="0"/>
               </a:rPr>
               <a:t>,</a:t>
@@ -7982,7 +7790,7 @@
             <a:r>
               <a:rPr lang="zh-CN" altLang="zh-CN" kern="100" dirty="0">
                 <a:latin typeface="Calibri" panose="020F0502020204030204" pitchFamily="34" charset="0"/>
-                <a:ea typeface="宋体" panose="02010600030101010101" pitchFamily="2" charset="-122"/>
+                <a:ea typeface="SimSun" panose="02010600030101010101" pitchFamily="2" charset="-122"/>
                 <a:cs typeface="Times New Roman" panose="02020603050405020304" pitchFamily="18" charset="0"/>
               </a:rPr>
               <a:t>保存</a:t>
@@ -7990,7 +7798,7 @@
             <a:r>
               <a:rPr lang="en-US" altLang="zh-CN" kern="100" dirty="0">
                 <a:latin typeface="Calibri" panose="020F0502020204030204" pitchFamily="34" charset="0"/>
-                <a:ea typeface="宋体" panose="02010600030101010101" pitchFamily="2" charset="-122"/>
+                <a:ea typeface="SimSun" panose="02010600030101010101" pitchFamily="2" charset="-122"/>
                 <a:cs typeface="Times New Roman" panose="02020603050405020304" pitchFamily="18" charset="0"/>
               </a:rPr>
               <a:t>0-100</a:t>
@@ -7998,14 +7806,14 @@
             <a:r>
               <a:rPr lang="zh-CN" altLang="zh-CN" kern="100" dirty="0">
                 <a:latin typeface="Calibri" panose="020F0502020204030204" pitchFamily="34" charset="0"/>
-                <a:ea typeface="宋体" panose="02010600030101010101" pitchFamily="2" charset="-122"/>
+                <a:ea typeface="SimSun" panose="02010600030101010101" pitchFamily="2" charset="-122"/>
                 <a:cs typeface="Times New Roman" panose="02020603050405020304" pitchFamily="18" charset="0"/>
               </a:rPr>
               <a:t>之间的整数值，并实现常用集合操作。</a:t>
             </a:r>
             <a:endParaRPr lang="zh-CN" altLang="zh-CN" sz="1200" kern="100" dirty="0">
               <a:latin typeface="Calibri" panose="020F0502020204030204" pitchFamily="34" charset="0"/>
-              <a:ea typeface="宋体" panose="02010600030101010101" pitchFamily="2" charset="-122"/>
+              <a:ea typeface="SimSun" panose="02010600030101010101" pitchFamily="2" charset="-122"/>
               <a:cs typeface="Times New Roman" panose="02020603050405020304" pitchFamily="18" charset="0"/>
             </a:endParaRPr>
           </a:p>
@@ -8021,7 +7829,7 @@
             <a:r>
               <a:rPr lang="zh-CN" altLang="zh-CN" b="1" kern="100" dirty="0">
                 <a:latin typeface="Calibri" panose="020F0502020204030204" pitchFamily="34" charset="0"/>
-                <a:ea typeface="宋体" panose="02010600030101010101" pitchFamily="2" charset="-122"/>
+                <a:ea typeface="SimSun" panose="02010600030101010101" pitchFamily="2" charset="-122"/>
                 <a:cs typeface="Times New Roman" panose="02020603050405020304" pitchFamily="18" charset="0"/>
               </a:rPr>
               <a:t>要求</a:t>
@@ -8029,7 +7837,7 @@
             <a:r>
               <a:rPr lang="zh-CN" altLang="zh-CN" kern="100" dirty="0">
                 <a:latin typeface="Calibri" panose="020F0502020204030204" pitchFamily="34" charset="0"/>
-                <a:ea typeface="宋体" panose="02010600030101010101" pitchFamily="2" charset="-122"/>
+                <a:ea typeface="SimSun" panose="02010600030101010101" pitchFamily="2" charset="-122"/>
                 <a:cs typeface="Times New Roman" panose="02020603050405020304" pitchFamily="18" charset="0"/>
               </a:rPr>
               <a:t>：</a:t>
@@ -8037,7 +7845,7 @@
             <a:r>
               <a:rPr lang="en-US" altLang="zh-CN" kern="100" dirty="0">
                 <a:latin typeface="Calibri" panose="020F0502020204030204" pitchFamily="34" charset="0"/>
-                <a:ea typeface="宋体" panose="02010600030101010101" pitchFamily="2" charset="-122"/>
+                <a:ea typeface="SimSun" panose="02010600030101010101" pitchFamily="2" charset="-122"/>
                 <a:cs typeface="Times New Roman" panose="02020603050405020304" pitchFamily="18" charset="0"/>
               </a:rPr>
               <a:t>1.</a:t>
@@ -8045,14 +7853,14 @@
             <a:r>
               <a:rPr lang="zh-CN" altLang="zh-CN" kern="100" dirty="0">
                 <a:latin typeface="Calibri" panose="020F0502020204030204" pitchFamily="34" charset="0"/>
-                <a:ea typeface="宋体" panose="02010600030101010101" pitchFamily="2" charset="-122"/>
+                <a:ea typeface="SimSun" panose="02010600030101010101" pitchFamily="2" charset="-122"/>
                 <a:cs typeface="Times New Roman" panose="02020603050405020304" pitchFamily="18" charset="0"/>
               </a:rPr>
               <a:t>实现默认构造函数，将集合初始化为空集；</a:t>
             </a:r>
             <a:endParaRPr lang="zh-CN" altLang="zh-CN" sz="1200" kern="100" dirty="0">
               <a:latin typeface="Calibri" panose="020F0502020204030204" pitchFamily="34" charset="0"/>
-              <a:ea typeface="宋体" panose="02010600030101010101" pitchFamily="2" charset="-122"/>
+              <a:ea typeface="SimSun" panose="02010600030101010101" pitchFamily="2" charset="-122"/>
               <a:cs typeface="Times New Roman" panose="02020603050405020304" pitchFamily="18" charset="0"/>
             </a:endParaRPr>
           </a:p>
@@ -8067,8 +7875,8 @@
             </a:pPr>
             <a:r>
               <a:rPr lang="en-US" altLang="zh-CN" kern="100" dirty="0">
-                <a:latin typeface="宋体" panose="02010600030101010101" pitchFamily="2" charset="-122"/>
-                <a:ea typeface="宋体" panose="02010600030101010101" pitchFamily="2" charset="-122"/>
+                <a:latin typeface="SimSun" panose="02010600030101010101" pitchFamily="2" charset="-122"/>
+                <a:ea typeface="SimSun" panose="02010600030101010101" pitchFamily="2" charset="-122"/>
                 <a:cs typeface="Times New Roman" panose="02020603050405020304" pitchFamily="18" charset="0"/>
               </a:rPr>
               <a:t>      2.</a:t>
@@ -8076,14 +7884,14 @@
             <a:r>
               <a:rPr lang="zh-CN" altLang="zh-CN" kern="100" dirty="0">
                 <a:latin typeface="Calibri" panose="020F0502020204030204" pitchFamily="34" charset="0"/>
-                <a:ea typeface="宋体" panose="02010600030101010101" pitchFamily="2" charset="-122"/>
+                <a:ea typeface="SimSun" panose="02010600030101010101" pitchFamily="2" charset="-122"/>
                 <a:cs typeface="Times New Roman" panose="02020603050405020304" pitchFamily="18" charset="0"/>
               </a:rPr>
               <a:t>实现一般构造函数，利用已有整形数组初始化集合；</a:t>
             </a:r>
             <a:endParaRPr lang="zh-CN" altLang="zh-CN" sz="1200" kern="100" dirty="0">
               <a:latin typeface="Calibri" panose="020F0502020204030204" pitchFamily="34" charset="0"/>
-              <a:ea typeface="宋体" panose="02010600030101010101" pitchFamily="2" charset="-122"/>
+              <a:ea typeface="SimSun" panose="02010600030101010101" pitchFamily="2" charset="-122"/>
               <a:cs typeface="Times New Roman" panose="02020603050405020304" pitchFamily="18" charset="0"/>
             </a:endParaRPr>
           </a:p>
@@ -8098,8 +7906,8 @@
             </a:pPr>
             <a:r>
               <a:rPr lang="en-US" altLang="zh-CN" kern="100" dirty="0">
-                <a:latin typeface="宋体" panose="02010600030101010101" pitchFamily="2" charset="-122"/>
-                <a:ea typeface="宋体" panose="02010600030101010101" pitchFamily="2" charset="-122"/>
+                <a:latin typeface="SimSun" panose="02010600030101010101" pitchFamily="2" charset="-122"/>
+                <a:ea typeface="SimSun" panose="02010600030101010101" pitchFamily="2" charset="-122"/>
                 <a:cs typeface="Times New Roman" panose="02020603050405020304" pitchFamily="18" charset="0"/>
               </a:rPr>
               <a:t>      3.</a:t>
@@ -8107,7 +7915,7 @@
             <a:r>
               <a:rPr lang="zh-CN" altLang="zh-CN" kern="100" dirty="0">
                 <a:latin typeface="Calibri" panose="020F0502020204030204" pitchFamily="34" charset="0"/>
-                <a:ea typeface="宋体" panose="02010600030101010101" pitchFamily="2" charset="-122"/>
+                <a:ea typeface="SimSun" panose="02010600030101010101" pitchFamily="2" charset="-122"/>
                 <a:cs typeface="Times New Roman" panose="02020603050405020304" pitchFamily="18" charset="0"/>
               </a:rPr>
               <a:t>实现插入元素（</a:t>
@@ -8115,7 +7923,7 @@
             <a:r>
               <a:rPr lang="en-US" altLang="zh-CN" kern="100" dirty="0" err="1">
                 <a:latin typeface="Calibri" panose="020F0502020204030204" pitchFamily="34" charset="0"/>
-                <a:ea typeface="宋体" panose="02010600030101010101" pitchFamily="2" charset="-122"/>
+                <a:ea typeface="SimSun" panose="02010600030101010101" pitchFamily="2" charset="-122"/>
                 <a:cs typeface="Times New Roman" panose="02020603050405020304" pitchFamily="18" charset="0"/>
               </a:rPr>
               <a:t>insertElement</a:t>
@@ -8123,7 +7931,7 @@
             <a:r>
               <a:rPr lang="zh-CN" altLang="zh-CN" kern="100" dirty="0">
                 <a:latin typeface="Calibri" panose="020F0502020204030204" pitchFamily="34" charset="0"/>
-                <a:ea typeface="宋体" panose="02010600030101010101" pitchFamily="2" charset="-122"/>
+                <a:ea typeface="SimSun" panose="02010600030101010101" pitchFamily="2" charset="-122"/>
                 <a:cs typeface="Times New Roman" panose="02020603050405020304" pitchFamily="18" charset="0"/>
               </a:rPr>
               <a:t>）和删除元素（</a:t>
@@ -8131,7 +7939,7 @@
             <a:r>
               <a:rPr lang="en-US" altLang="zh-CN" kern="100" dirty="0" err="1">
                 <a:latin typeface="Calibri" panose="020F0502020204030204" pitchFamily="34" charset="0"/>
-                <a:ea typeface="宋体" panose="02010600030101010101" pitchFamily="2" charset="-122"/>
+                <a:ea typeface="SimSun" panose="02010600030101010101" pitchFamily="2" charset="-122"/>
                 <a:cs typeface="Times New Roman" panose="02020603050405020304" pitchFamily="18" charset="0"/>
               </a:rPr>
               <a:t>deleteElement</a:t>
@@ -8139,14 +7947,14 @@
             <a:r>
               <a:rPr lang="zh-CN" altLang="zh-CN" kern="100" dirty="0">
                 <a:latin typeface="Calibri" panose="020F0502020204030204" pitchFamily="34" charset="0"/>
-                <a:ea typeface="宋体" panose="02010600030101010101" pitchFamily="2" charset="-122"/>
+                <a:ea typeface="SimSun" panose="02010600030101010101" pitchFamily="2" charset="-122"/>
                 <a:cs typeface="Times New Roman" panose="02020603050405020304" pitchFamily="18" charset="0"/>
               </a:rPr>
               <a:t>）成员函数；</a:t>
             </a:r>
             <a:endParaRPr lang="zh-CN" altLang="zh-CN" sz="1200" kern="100" dirty="0">
               <a:latin typeface="Calibri" panose="020F0502020204030204" pitchFamily="34" charset="0"/>
-              <a:ea typeface="宋体" panose="02010600030101010101" pitchFamily="2" charset="-122"/>
+              <a:ea typeface="SimSun" panose="02010600030101010101" pitchFamily="2" charset="-122"/>
               <a:cs typeface="Times New Roman" panose="02020603050405020304" pitchFamily="18" charset="0"/>
             </a:endParaRPr>
           </a:p>
@@ -8161,8 +7969,8 @@
             </a:pPr>
             <a:r>
               <a:rPr lang="en-US" altLang="zh-CN" kern="100" dirty="0">
-                <a:latin typeface="宋体" panose="02010600030101010101" pitchFamily="2" charset="-122"/>
-                <a:ea typeface="宋体" panose="02010600030101010101" pitchFamily="2" charset="-122"/>
+                <a:latin typeface="SimSun" panose="02010600030101010101" pitchFamily="2" charset="-122"/>
+                <a:ea typeface="SimSun" panose="02010600030101010101" pitchFamily="2" charset="-122"/>
                 <a:cs typeface="Times New Roman" panose="02020603050405020304" pitchFamily="18" charset="0"/>
               </a:rPr>
               <a:t>      4.</a:t>
@@ -8170,7 +7978,7 @@
             <a:r>
               <a:rPr lang="zh-CN" altLang="zh-CN" kern="100" dirty="0">
                 <a:latin typeface="Calibri" panose="020F0502020204030204" pitchFamily="34" charset="0"/>
-                <a:ea typeface="宋体" panose="02010600030101010101" pitchFamily="2" charset="-122"/>
+                <a:ea typeface="SimSun" panose="02010600030101010101" pitchFamily="2" charset="-122"/>
                 <a:cs typeface="Times New Roman" panose="02020603050405020304" pitchFamily="18" charset="0"/>
               </a:rPr>
               <a:t>实现交集运算（</a:t>
@@ -8178,7 +7986,7 @@
             <a:r>
               <a:rPr lang="en-US" altLang="zh-CN" kern="100" dirty="0" err="1">
                 <a:latin typeface="Calibri" panose="020F0502020204030204" pitchFamily="34" charset="0"/>
-                <a:ea typeface="宋体" panose="02010600030101010101" pitchFamily="2" charset="-122"/>
+                <a:ea typeface="SimSun" panose="02010600030101010101" pitchFamily="2" charset="-122"/>
                 <a:cs typeface="Times New Roman" panose="02020603050405020304" pitchFamily="18" charset="0"/>
               </a:rPr>
               <a:t>unionWith</a:t>
@@ -8186,7 +7994,7 @@
             <a:r>
               <a:rPr lang="zh-CN" altLang="zh-CN" kern="100" dirty="0">
                 <a:latin typeface="Calibri" panose="020F0502020204030204" pitchFamily="34" charset="0"/>
-                <a:ea typeface="宋体" panose="02010600030101010101" pitchFamily="2" charset="-122"/>
+                <a:ea typeface="SimSun" panose="02010600030101010101" pitchFamily="2" charset="-122"/>
                 <a:cs typeface="Times New Roman" panose="02020603050405020304" pitchFamily="18" charset="0"/>
               </a:rPr>
               <a:t>）和并集运算（</a:t>
@@ -8194,7 +8002,7 @@
             <a:r>
               <a:rPr lang="en-US" altLang="zh-CN" kern="100" dirty="0" err="1">
                 <a:latin typeface="Calibri" panose="020F0502020204030204" pitchFamily="34" charset="0"/>
-                <a:ea typeface="宋体" panose="02010600030101010101" pitchFamily="2" charset="-122"/>
+                <a:ea typeface="SimSun" panose="02010600030101010101" pitchFamily="2" charset="-122"/>
                 <a:cs typeface="Times New Roman" panose="02020603050405020304" pitchFamily="18" charset="0"/>
               </a:rPr>
               <a:t>intersectWith</a:t>
@@ -8202,14 +8010,14 @@
             <a:r>
               <a:rPr lang="zh-CN" altLang="zh-CN" kern="100" dirty="0">
                 <a:latin typeface="Calibri" panose="020F0502020204030204" pitchFamily="34" charset="0"/>
-                <a:ea typeface="宋体" panose="02010600030101010101" pitchFamily="2" charset="-122"/>
+                <a:ea typeface="SimSun" panose="02010600030101010101" pitchFamily="2" charset="-122"/>
                 <a:cs typeface="Times New Roman" panose="02020603050405020304" pitchFamily="18" charset="0"/>
               </a:rPr>
               <a:t>）成员函数；</a:t>
             </a:r>
             <a:endParaRPr lang="zh-CN" altLang="zh-CN" sz="1200" kern="100" dirty="0">
               <a:latin typeface="Calibri" panose="020F0502020204030204" pitchFamily="34" charset="0"/>
-              <a:ea typeface="宋体" panose="02010600030101010101" pitchFamily="2" charset="-122"/>
+              <a:ea typeface="SimSun" panose="02010600030101010101" pitchFamily="2" charset="-122"/>
               <a:cs typeface="Times New Roman" panose="02020603050405020304" pitchFamily="18" charset="0"/>
             </a:endParaRPr>
           </a:p>
@@ -8224,8 +8032,8 @@
             </a:pPr>
             <a:r>
               <a:rPr lang="en-US" altLang="zh-CN" kern="100" dirty="0">
-                <a:latin typeface="宋体" panose="02010600030101010101" pitchFamily="2" charset="-122"/>
-                <a:ea typeface="宋体" panose="02010600030101010101" pitchFamily="2" charset="-122"/>
+                <a:latin typeface="SimSun" panose="02010600030101010101" pitchFamily="2" charset="-122"/>
+                <a:ea typeface="SimSun" panose="02010600030101010101" pitchFamily="2" charset="-122"/>
                 <a:cs typeface="Times New Roman" panose="02020603050405020304" pitchFamily="18" charset="0"/>
               </a:rPr>
               <a:t>      5.</a:t>
@@ -8233,7 +8041,7 @@
             <a:r>
               <a:rPr lang="zh-CN" altLang="zh-CN" kern="100" dirty="0">
                 <a:latin typeface="Calibri" panose="020F0502020204030204" pitchFamily="34" charset="0"/>
-                <a:ea typeface="宋体" panose="02010600030101010101" pitchFamily="2" charset="-122"/>
+                <a:ea typeface="SimSun" panose="02010600030101010101" pitchFamily="2" charset="-122"/>
                 <a:cs typeface="Times New Roman" panose="02020603050405020304" pitchFamily="18" charset="0"/>
               </a:rPr>
               <a:t>实现集合元素存在性判断（</a:t>
@@ -8241,7 +8049,7 @@
             <a:r>
               <a:rPr lang="en-US" altLang="zh-CN" kern="100" dirty="0">
                 <a:latin typeface="Calibri" panose="020F0502020204030204" pitchFamily="34" charset="0"/>
-                <a:ea typeface="宋体" panose="02010600030101010101" pitchFamily="2" charset="-122"/>
+                <a:ea typeface="SimSun" panose="02010600030101010101" pitchFamily="2" charset="-122"/>
                 <a:cs typeface="Times New Roman" panose="02020603050405020304" pitchFamily="18" charset="0"/>
               </a:rPr>
               <a:t>exists</a:t>
@@ -8249,7 +8057,7 @@
             <a:r>
               <a:rPr lang="zh-CN" altLang="zh-CN" kern="100" dirty="0">
                 <a:latin typeface="Calibri" panose="020F0502020204030204" pitchFamily="34" charset="0"/>
-                <a:ea typeface="宋体" panose="02010600030101010101" pitchFamily="2" charset="-122"/>
+                <a:ea typeface="SimSun" panose="02010600030101010101" pitchFamily="2" charset="-122"/>
                 <a:cs typeface="Times New Roman" panose="02020603050405020304" pitchFamily="18" charset="0"/>
               </a:rPr>
               <a:t>）和集合相等判断（</a:t>
@@ -8257,7 +8065,7 @@
             <a:r>
               <a:rPr lang="en-US" altLang="zh-CN" kern="100" dirty="0">
                 <a:latin typeface="Calibri" panose="020F0502020204030204" pitchFamily="34" charset="0"/>
-                <a:ea typeface="宋体" panose="02010600030101010101" pitchFamily="2" charset="-122"/>
+                <a:ea typeface="SimSun" panose="02010600030101010101" pitchFamily="2" charset="-122"/>
                 <a:cs typeface="Times New Roman" panose="02020603050405020304" pitchFamily="18" charset="0"/>
               </a:rPr>
               <a:t>equals</a:t>
@@ -8265,14 +8073,14 @@
             <a:r>
               <a:rPr lang="zh-CN" altLang="zh-CN" kern="100" dirty="0">
                 <a:latin typeface="Calibri" panose="020F0502020204030204" pitchFamily="34" charset="0"/>
-                <a:ea typeface="宋体" panose="02010600030101010101" pitchFamily="2" charset="-122"/>
+                <a:ea typeface="SimSun" panose="02010600030101010101" pitchFamily="2" charset="-122"/>
                 <a:cs typeface="Times New Roman" panose="02020603050405020304" pitchFamily="18" charset="0"/>
               </a:rPr>
               <a:t>）成员函数；</a:t>
             </a:r>
             <a:endParaRPr lang="zh-CN" altLang="zh-CN" sz="1200" kern="100" dirty="0">
               <a:latin typeface="Calibri" panose="020F0502020204030204" pitchFamily="34" charset="0"/>
-              <a:ea typeface="宋体" panose="02010600030101010101" pitchFamily="2" charset="-122"/>
+              <a:ea typeface="SimSun" panose="02010600030101010101" pitchFamily="2" charset="-122"/>
               <a:cs typeface="Times New Roman" panose="02020603050405020304" pitchFamily="18" charset="0"/>
             </a:endParaRPr>
           </a:p>
@@ -8287,8 +8095,8 @@
             </a:pPr>
             <a:r>
               <a:rPr lang="en-US" altLang="zh-CN" kern="100" dirty="0">
-                <a:latin typeface="宋体" panose="02010600030101010101" pitchFamily="2" charset="-122"/>
-                <a:ea typeface="宋体" panose="02010600030101010101" pitchFamily="2" charset="-122"/>
+                <a:latin typeface="SimSun" panose="02010600030101010101" pitchFamily="2" charset="-122"/>
+                <a:ea typeface="SimSun" panose="02010600030101010101" pitchFamily="2" charset="-122"/>
                 <a:cs typeface="Times New Roman" panose="02020603050405020304" pitchFamily="18" charset="0"/>
               </a:rPr>
               <a:t>      6.</a:t>
@@ -8296,7 +8104,7 @@
             <a:r>
               <a:rPr lang="zh-CN" altLang="zh-CN" kern="100" dirty="0">
                 <a:latin typeface="Calibri" panose="020F0502020204030204" pitchFamily="34" charset="0"/>
-                <a:ea typeface="宋体" panose="02010600030101010101" pitchFamily="2" charset="-122"/>
+                <a:ea typeface="SimSun" panose="02010600030101010101" pitchFamily="2" charset="-122"/>
                 <a:cs typeface="Times New Roman" panose="02020603050405020304" pitchFamily="18" charset="0"/>
               </a:rPr>
               <a:t>实现集合打印（</a:t>
@@ -8304,7 +8112,7 @@
             <a:r>
               <a:rPr lang="en-US" altLang="zh-CN" kern="100" dirty="0">
                 <a:latin typeface="Calibri" panose="020F0502020204030204" pitchFamily="34" charset="0"/>
-                <a:ea typeface="宋体" panose="02010600030101010101" pitchFamily="2" charset="-122"/>
+                <a:ea typeface="SimSun" panose="02010600030101010101" pitchFamily="2" charset="-122"/>
                 <a:cs typeface="Times New Roman" panose="02020603050405020304" pitchFamily="18" charset="0"/>
               </a:rPr>
               <a:t>print</a:t>
@@ -8312,14 +8120,14 @@
             <a:r>
               <a:rPr lang="zh-CN" altLang="zh-CN" kern="100" dirty="0">
                 <a:latin typeface="Calibri" panose="020F0502020204030204" pitchFamily="34" charset="0"/>
-                <a:ea typeface="宋体" panose="02010600030101010101" pitchFamily="2" charset="-122"/>
+                <a:ea typeface="SimSun" panose="02010600030101010101" pitchFamily="2" charset="-122"/>
                 <a:cs typeface="Times New Roman" panose="02020603050405020304" pitchFamily="18" charset="0"/>
               </a:rPr>
               <a:t>）成员函数，打印集合所有元素；</a:t>
             </a:r>
             <a:endParaRPr lang="zh-CN" altLang="zh-CN" sz="1200" kern="100" dirty="0">
               <a:latin typeface="Calibri" panose="020F0502020204030204" pitchFamily="34" charset="0"/>
-              <a:ea typeface="宋体" panose="02010600030101010101" pitchFamily="2" charset="-122"/>
+              <a:ea typeface="SimSun" panose="02010600030101010101" pitchFamily="2" charset="-122"/>
               <a:cs typeface="Times New Roman" panose="02020603050405020304" pitchFamily="18" charset="0"/>
             </a:endParaRPr>
           </a:p>
@@ -8334,8 +8142,8 @@
             </a:pPr>
             <a:r>
               <a:rPr lang="en-US" altLang="zh-CN" kern="100" dirty="0">
-                <a:latin typeface="宋体" panose="02010600030101010101" pitchFamily="2" charset="-122"/>
-                <a:ea typeface="宋体" panose="02010600030101010101" pitchFamily="2" charset="-122"/>
+                <a:latin typeface="SimSun" panose="02010600030101010101" pitchFamily="2" charset="-122"/>
+                <a:ea typeface="SimSun" panose="02010600030101010101" pitchFamily="2" charset="-122"/>
                 <a:cs typeface="Times New Roman" panose="02020603050405020304" pitchFamily="18" charset="0"/>
               </a:rPr>
               <a:t>      7.</a:t>
@@ -8343,7 +8151,7 @@
             <a:r>
               <a:rPr lang="zh-CN" altLang="zh-CN" kern="100" dirty="0">
                 <a:latin typeface="Calibri" panose="020F0502020204030204" pitchFamily="34" charset="0"/>
-                <a:ea typeface="宋体" panose="02010600030101010101" pitchFamily="2" charset="-122"/>
+                <a:ea typeface="SimSun" panose="02010600030101010101" pitchFamily="2" charset="-122"/>
                 <a:cs typeface="Times New Roman" panose="02020603050405020304" pitchFamily="18" charset="0"/>
               </a:rPr>
               <a:t>考虑各种异常状况，如初始化数组元素值超过</a:t>
@@ -8351,7 +8159,7 @@
             <a:r>
               <a:rPr lang="en-US" altLang="zh-CN" kern="100" dirty="0">
                 <a:latin typeface="Calibri" panose="020F0502020204030204" pitchFamily="34" charset="0"/>
-                <a:ea typeface="宋体" panose="02010600030101010101" pitchFamily="2" charset="-122"/>
+                <a:ea typeface="SimSun" panose="02010600030101010101" pitchFamily="2" charset="-122"/>
                 <a:cs typeface="Times New Roman" panose="02020603050405020304" pitchFamily="18" charset="0"/>
               </a:rPr>
               <a:t>100</a:t>
@@ -8359,14 +8167,14 @@
             <a:r>
               <a:rPr lang="zh-CN" altLang="zh-CN" kern="100" dirty="0">
                 <a:latin typeface="Calibri" panose="020F0502020204030204" pitchFamily="34" charset="0"/>
-                <a:ea typeface="宋体" panose="02010600030101010101" pitchFamily="2" charset="-122"/>
+                <a:ea typeface="SimSun" panose="02010600030101010101" pitchFamily="2" charset="-122"/>
                 <a:cs typeface="Times New Roman" panose="02020603050405020304" pitchFamily="18" charset="0"/>
               </a:rPr>
               <a:t>等；</a:t>
             </a:r>
             <a:endParaRPr lang="zh-CN" altLang="zh-CN" sz="1200" kern="100" dirty="0">
               <a:latin typeface="Calibri" panose="020F0502020204030204" pitchFamily="34" charset="0"/>
-              <a:ea typeface="宋体" panose="02010600030101010101" pitchFamily="2" charset="-122"/>
+              <a:ea typeface="SimSun" panose="02010600030101010101" pitchFamily="2" charset="-122"/>
               <a:cs typeface="Times New Roman" panose="02020603050405020304" pitchFamily="18" charset="0"/>
             </a:endParaRPr>
           </a:p>
@@ -8381,8 +8189,8 @@
             </a:pPr>
             <a:r>
               <a:rPr lang="en-US" altLang="zh-CN" kern="100" dirty="0">
-                <a:latin typeface="宋体" panose="02010600030101010101" pitchFamily="2" charset="-122"/>
-                <a:ea typeface="宋体" panose="02010600030101010101" pitchFamily="2" charset="-122"/>
+                <a:latin typeface="SimSun" panose="02010600030101010101" pitchFamily="2" charset="-122"/>
+                <a:ea typeface="SimSun" panose="02010600030101010101" pitchFamily="2" charset="-122"/>
                 <a:cs typeface="Times New Roman" panose="02020603050405020304" pitchFamily="18" charset="0"/>
               </a:rPr>
               <a:t>      8.</a:t>
@@ -8390,210 +8198,210 @@
             <a:r>
               <a:rPr lang="zh-CN" altLang="zh-CN" kern="100" dirty="0">
                 <a:latin typeface="Calibri" panose="020F0502020204030204" pitchFamily="34" charset="0"/>
-                <a:ea typeface="宋体" panose="02010600030101010101" pitchFamily="2" charset="-122"/>
+                <a:ea typeface="SimSun" panose="02010600030101010101" pitchFamily="2" charset="-122"/>
                 <a:cs typeface="Times New Roman" panose="02020603050405020304" pitchFamily="18" charset="0"/>
               </a:rPr>
               <a:t>输出各操作的结果。</a:t>
             </a:r>
             <a:endParaRPr lang="zh-CN" altLang="zh-CN" sz="1200" kern="100" dirty="0">
               <a:latin typeface="Calibri" panose="020F0502020204030204" pitchFamily="34" charset="0"/>
-              <a:ea typeface="宋体" panose="02010600030101010101" pitchFamily="2" charset="-122"/>
+              <a:ea typeface="SimSun" panose="02010600030101010101" pitchFamily="2" charset="-122"/>
               <a:cs typeface="Times New Roman" panose="02020603050405020304" pitchFamily="18" charset="0"/>
             </a:endParaRPr>
           </a:p>
           <a:p>
             <a:r>
               <a:rPr lang="zh-CN" altLang="zh-CN" b="1" kern="100" dirty="0">
-                <a:ea typeface="宋体" panose="02010600030101010101" pitchFamily="2" charset="-122"/>
+                <a:ea typeface="SimSun" panose="02010600030101010101" pitchFamily="2" charset="-122"/>
                 <a:cs typeface="Times New Roman" panose="02020603050405020304" pitchFamily="18" charset="0"/>
               </a:rPr>
               <a:t>原理</a:t>
             </a:r>
             <a:r>
               <a:rPr lang="zh-CN" altLang="zh-CN" kern="100" dirty="0">
-                <a:ea typeface="宋体" panose="02010600030101010101" pitchFamily="2" charset="-122"/>
+                <a:ea typeface="SimSun" panose="02010600030101010101" pitchFamily="2" charset="-122"/>
                 <a:cs typeface="Times New Roman" panose="02020603050405020304" pitchFamily="18" charset="0"/>
               </a:rPr>
               <a:t>：</a:t>
             </a:r>
             <a:r>
               <a:rPr lang="en-US" altLang="zh-CN" kern="100" dirty="0" err="1">
-                <a:ea typeface="宋体" panose="02010600030101010101" pitchFamily="2" charset="-122"/>
+                <a:ea typeface="SimSun" panose="02010600030101010101" pitchFamily="2" charset="-122"/>
                 <a:cs typeface="Times New Roman" panose="02020603050405020304" pitchFamily="18" charset="0"/>
               </a:rPr>
               <a:t>IntegerSet</a:t>
             </a:r>
             <a:r>
               <a:rPr lang="zh-CN" altLang="zh-CN" kern="100" dirty="0">
-                <a:ea typeface="宋体" panose="02010600030101010101" pitchFamily="2" charset="-122"/>
+                <a:ea typeface="SimSun" panose="02010600030101010101" pitchFamily="2" charset="-122"/>
                 <a:cs typeface="Times New Roman" panose="02020603050405020304" pitchFamily="18" charset="0"/>
               </a:rPr>
               <a:t>内部使用数组（</a:t>
             </a:r>
             <a:r>
               <a:rPr lang="en-US" altLang="zh-CN" kern="100" dirty="0" err="1">
-                <a:ea typeface="宋体" panose="02010600030101010101" pitchFamily="2" charset="-122"/>
+                <a:ea typeface="SimSun" panose="02010600030101010101" pitchFamily="2" charset="-122"/>
                 <a:cs typeface="Times New Roman" panose="02020603050405020304" pitchFamily="18" charset="0"/>
               </a:rPr>
               <a:t>intSet</a:t>
             </a:r>
             <a:r>
               <a:rPr lang="zh-CN" altLang="zh-CN" kern="100" dirty="0">
-                <a:ea typeface="宋体" panose="02010600030101010101" pitchFamily="2" charset="-122"/>
+                <a:ea typeface="SimSun" panose="02010600030101010101" pitchFamily="2" charset="-122"/>
                 <a:cs typeface="Times New Roman" panose="02020603050405020304" pitchFamily="18" charset="0"/>
               </a:rPr>
               <a:t>）存储集合元素，</a:t>
             </a:r>
             <a:r>
               <a:rPr lang="en-US" altLang="zh-CN" kern="100" dirty="0" err="1">
-                <a:ea typeface="宋体" panose="02010600030101010101" pitchFamily="2" charset="-122"/>
+                <a:ea typeface="SimSun" panose="02010600030101010101" pitchFamily="2" charset="-122"/>
                 <a:cs typeface="Times New Roman" panose="02020603050405020304" pitchFamily="18" charset="0"/>
               </a:rPr>
               <a:t>intSet</a:t>
             </a:r>
             <a:r>
               <a:rPr lang="zh-CN" altLang="zh-CN" kern="100" dirty="0">
-                <a:ea typeface="宋体" panose="02010600030101010101" pitchFamily="2" charset="-122"/>
+                <a:ea typeface="SimSun" panose="02010600030101010101" pitchFamily="2" charset="-122"/>
                 <a:cs typeface="Times New Roman" panose="02020603050405020304" pitchFamily="18" charset="0"/>
               </a:rPr>
               <a:t>每个元素的取值为</a:t>
             </a:r>
             <a:r>
               <a:rPr lang="en-US" altLang="zh-CN" kern="100" dirty="0">
-                <a:ea typeface="宋体" panose="02010600030101010101" pitchFamily="2" charset="-122"/>
+                <a:ea typeface="SimSun" panose="02010600030101010101" pitchFamily="2" charset="-122"/>
                 <a:cs typeface="Times New Roman" panose="02020603050405020304" pitchFamily="18" charset="0"/>
               </a:rPr>
               <a:t>0</a:t>
             </a:r>
             <a:r>
               <a:rPr lang="zh-CN" altLang="zh-CN" kern="100" dirty="0">
-                <a:ea typeface="宋体" panose="02010600030101010101" pitchFamily="2" charset="-122"/>
+                <a:ea typeface="SimSun" panose="02010600030101010101" pitchFamily="2" charset="-122"/>
                 <a:cs typeface="Times New Roman" panose="02020603050405020304" pitchFamily="18" charset="0"/>
               </a:rPr>
               <a:t>或</a:t>
             </a:r>
             <a:r>
               <a:rPr lang="en-US" altLang="zh-CN" kern="100" dirty="0">
-                <a:ea typeface="宋体" panose="02010600030101010101" pitchFamily="2" charset="-122"/>
+                <a:ea typeface="SimSun" panose="02010600030101010101" pitchFamily="2" charset="-122"/>
                 <a:cs typeface="Times New Roman" panose="02020603050405020304" pitchFamily="18" charset="0"/>
               </a:rPr>
               <a:t>1</a:t>
             </a:r>
             <a:r>
               <a:rPr lang="zh-CN" altLang="zh-CN" kern="100" dirty="0">
-                <a:ea typeface="宋体" panose="02010600030101010101" pitchFamily="2" charset="-122"/>
+                <a:ea typeface="SimSun" panose="02010600030101010101" pitchFamily="2" charset="-122"/>
                 <a:cs typeface="Times New Roman" panose="02020603050405020304" pitchFamily="18" charset="0"/>
               </a:rPr>
               <a:t>，</a:t>
             </a:r>
             <a:r>
               <a:rPr lang="en-US" altLang="zh-CN" kern="100" dirty="0" err="1">
-                <a:ea typeface="宋体" panose="02010600030101010101" pitchFamily="2" charset="-122"/>
+                <a:ea typeface="SimSun" panose="02010600030101010101" pitchFamily="2" charset="-122"/>
                 <a:cs typeface="Times New Roman" panose="02020603050405020304" pitchFamily="18" charset="0"/>
               </a:rPr>
               <a:t>intSet</a:t>
             </a:r>
             <a:r>
               <a:rPr lang="en-US" altLang="zh-CN" kern="100" dirty="0">
-                <a:ea typeface="宋体" panose="02010600030101010101" pitchFamily="2" charset="-122"/>
+                <a:ea typeface="SimSun" panose="02010600030101010101" pitchFamily="2" charset="-122"/>
                 <a:cs typeface="Times New Roman" panose="02020603050405020304" pitchFamily="18" charset="0"/>
               </a:rPr>
               <a:t>[</a:t>
             </a:r>
             <a:r>
               <a:rPr lang="en-US" altLang="zh-CN" kern="100" dirty="0" err="1">
-                <a:ea typeface="宋体" panose="02010600030101010101" pitchFamily="2" charset="-122"/>
+                <a:ea typeface="SimSun" panose="02010600030101010101" pitchFamily="2" charset="-122"/>
                 <a:cs typeface="Times New Roman" panose="02020603050405020304" pitchFamily="18" charset="0"/>
               </a:rPr>
               <a:t>i</a:t>
             </a:r>
             <a:r>
               <a:rPr lang="en-US" altLang="zh-CN" kern="100" dirty="0">
-                <a:ea typeface="宋体" panose="02010600030101010101" pitchFamily="2" charset="-122"/>
+                <a:ea typeface="SimSun" panose="02010600030101010101" pitchFamily="2" charset="-122"/>
                 <a:cs typeface="Times New Roman" panose="02020603050405020304" pitchFamily="18" charset="0"/>
               </a:rPr>
               <a:t>]</a:t>
             </a:r>
             <a:r>
               <a:rPr lang="zh-CN" altLang="zh-CN" kern="100" dirty="0">
-                <a:ea typeface="宋体" panose="02010600030101010101" pitchFamily="2" charset="-122"/>
+                <a:ea typeface="SimSun" panose="02010600030101010101" pitchFamily="2" charset="-122"/>
                 <a:cs typeface="Times New Roman" panose="02020603050405020304" pitchFamily="18" charset="0"/>
               </a:rPr>
               <a:t>为</a:t>
             </a:r>
             <a:r>
               <a:rPr lang="en-US" altLang="zh-CN" kern="100" dirty="0">
-                <a:ea typeface="宋体" panose="02010600030101010101" pitchFamily="2" charset="-122"/>
+                <a:ea typeface="SimSun" panose="02010600030101010101" pitchFamily="2" charset="-122"/>
                 <a:cs typeface="Times New Roman" panose="02020603050405020304" pitchFamily="18" charset="0"/>
               </a:rPr>
               <a:t>1</a:t>
             </a:r>
             <a:r>
               <a:rPr lang="zh-CN" altLang="zh-CN" kern="100" dirty="0">
-                <a:ea typeface="宋体" panose="02010600030101010101" pitchFamily="2" charset="-122"/>
+                <a:ea typeface="SimSun" panose="02010600030101010101" pitchFamily="2" charset="-122"/>
                 <a:cs typeface="Times New Roman" panose="02020603050405020304" pitchFamily="18" charset="0"/>
               </a:rPr>
               <a:t>表示整数</a:t>
             </a:r>
             <a:r>
               <a:rPr lang="en-US" altLang="zh-CN" kern="100" dirty="0" err="1">
-                <a:ea typeface="宋体" panose="02010600030101010101" pitchFamily="2" charset="-122"/>
+                <a:ea typeface="SimSun" panose="02010600030101010101" pitchFamily="2" charset="-122"/>
                 <a:cs typeface="Times New Roman" panose="02020603050405020304" pitchFamily="18" charset="0"/>
               </a:rPr>
               <a:t>i</a:t>
             </a:r>
             <a:r>
               <a:rPr lang="zh-CN" altLang="zh-CN" kern="100" dirty="0">
-                <a:ea typeface="宋体" panose="02010600030101010101" pitchFamily="2" charset="-122"/>
+                <a:ea typeface="SimSun" panose="02010600030101010101" pitchFamily="2" charset="-122"/>
                 <a:cs typeface="Times New Roman" panose="02020603050405020304" pitchFamily="18" charset="0"/>
               </a:rPr>
               <a:t>在集合中，</a:t>
             </a:r>
             <a:r>
               <a:rPr lang="en-US" altLang="zh-CN" kern="100" dirty="0" err="1">
-                <a:ea typeface="宋体" panose="02010600030101010101" pitchFamily="2" charset="-122"/>
+                <a:ea typeface="SimSun" panose="02010600030101010101" pitchFamily="2" charset="-122"/>
                 <a:cs typeface="Times New Roman" panose="02020603050405020304" pitchFamily="18" charset="0"/>
               </a:rPr>
               <a:t>intSet</a:t>
             </a:r>
             <a:r>
               <a:rPr lang="en-US" altLang="zh-CN" kern="100" dirty="0">
-                <a:ea typeface="宋体" panose="02010600030101010101" pitchFamily="2" charset="-122"/>
+                <a:ea typeface="SimSun" panose="02010600030101010101" pitchFamily="2" charset="-122"/>
                 <a:cs typeface="Times New Roman" panose="02020603050405020304" pitchFamily="18" charset="0"/>
               </a:rPr>
               <a:t>[j]</a:t>
             </a:r>
             <a:r>
               <a:rPr lang="zh-CN" altLang="zh-CN" kern="100" dirty="0">
-                <a:ea typeface="宋体" panose="02010600030101010101" pitchFamily="2" charset="-122"/>
+                <a:ea typeface="SimSun" panose="02010600030101010101" pitchFamily="2" charset="-122"/>
                 <a:cs typeface="Times New Roman" panose="02020603050405020304" pitchFamily="18" charset="0"/>
               </a:rPr>
               <a:t>为</a:t>
             </a:r>
             <a:r>
               <a:rPr lang="en-US" altLang="zh-CN" kern="100" dirty="0">
-                <a:ea typeface="宋体" panose="02010600030101010101" pitchFamily="2" charset="-122"/>
+                <a:ea typeface="SimSun" panose="02010600030101010101" pitchFamily="2" charset="-122"/>
                 <a:cs typeface="Times New Roman" panose="02020603050405020304" pitchFamily="18" charset="0"/>
               </a:rPr>
               <a:t>0</a:t>
             </a:r>
             <a:r>
               <a:rPr lang="zh-CN" altLang="zh-CN" kern="100" dirty="0">
-                <a:ea typeface="宋体" panose="02010600030101010101" pitchFamily="2" charset="-122"/>
+                <a:ea typeface="SimSun" panose="02010600030101010101" pitchFamily="2" charset="-122"/>
                 <a:cs typeface="Times New Roman" panose="02020603050405020304" pitchFamily="18" charset="0"/>
               </a:rPr>
               <a:t>表示整数</a:t>
             </a:r>
             <a:r>
               <a:rPr lang="en-US" altLang="zh-CN" kern="100" dirty="0">
-                <a:ea typeface="宋体" panose="02010600030101010101" pitchFamily="2" charset="-122"/>
+                <a:ea typeface="SimSun" panose="02010600030101010101" pitchFamily="2" charset="-122"/>
                 <a:cs typeface="Times New Roman" panose="02020603050405020304" pitchFamily="18" charset="0"/>
               </a:rPr>
               <a:t>j</a:t>
             </a:r>
             <a:r>
               <a:rPr lang="zh-CN" altLang="zh-CN" kern="100" dirty="0">
-                <a:ea typeface="宋体" panose="02010600030101010101" pitchFamily="2" charset="-122"/>
+                <a:ea typeface="SimSun" panose="02010600030101010101" pitchFamily="2" charset="-122"/>
                 <a:cs typeface="Times New Roman" panose="02020603050405020304" pitchFamily="18" charset="0"/>
               </a:rPr>
               <a:t>不在集合中。</a:t>
@@ -8603,22 +8411,17 @@
         </p:txBody>
       </p:sp>
     </p:spTree>
-    <p:extLst>
-      <p:ext uri="{BB962C8B-B14F-4D97-AF65-F5344CB8AC3E}">
-        <p14:creationId xmlns:p14="http://schemas.microsoft.com/office/powerpoint/2010/main" val="4041809191"/>
-      </p:ext>
-    </p:extLst>
   </p:cSld>
   <p:clrMapOvr>
     <a:masterClrMapping/>
   </p:clrMapOvr>
-  <mc:AlternateContent xmlns:mc="http://schemas.openxmlformats.org/markup-compatibility/2006" xmlns:p14="http://schemas.microsoft.com/office/powerpoint/2010/main">
-    <mc:Choice Requires="p14">
+  <mc:AlternateContent xmlns:mc="http://schemas.openxmlformats.org/markup-compatibility/2006">
+    <mc:Choice xmlns:p14="http://schemas.microsoft.com/office/powerpoint/2010/main" Requires="p14">
       <p:transition spd="med" p14:dur="700">
         <p:fade/>
       </p:transition>
     </mc:Choice>
-    <mc:Fallback xmlns="">
+    <mc:Fallback>
       <p:transition spd="med">
         <p:fade/>
       </p:transition>
@@ -8749,7 +8552,7 @@
             <a:r>
               <a:rPr lang="zh-CN" altLang="zh-CN" b="1" kern="100" dirty="0">
                 <a:latin typeface="Calibri" panose="020F0502020204030204" pitchFamily="34" charset="0"/>
-                <a:ea typeface="宋体" panose="02010600030101010101" pitchFamily="2" charset="-122"/>
+                <a:ea typeface="SimSun" panose="02010600030101010101" pitchFamily="2" charset="-122"/>
                 <a:cs typeface="Times New Roman" panose="02020603050405020304" pitchFamily="18" charset="0"/>
               </a:rPr>
               <a:t>提高（选做）</a:t>
@@ -8757,14 +8560,14 @@
             <a:r>
               <a:rPr lang="zh-CN" altLang="zh-CN" kern="100" dirty="0">
                 <a:latin typeface="Calibri" panose="020F0502020204030204" pitchFamily="34" charset="0"/>
-                <a:ea typeface="宋体" panose="02010600030101010101" pitchFamily="2" charset="-122"/>
+                <a:ea typeface="SimSun" panose="02010600030101010101" pitchFamily="2" charset="-122"/>
                 <a:cs typeface="Times New Roman" panose="02020603050405020304" pitchFamily="18" charset="0"/>
               </a:rPr>
               <a:t>：</a:t>
             </a:r>
             <a:endParaRPr lang="zh-CN" altLang="zh-CN" sz="1200" kern="100" dirty="0">
               <a:latin typeface="Calibri" panose="020F0502020204030204" pitchFamily="34" charset="0"/>
-              <a:ea typeface="宋体" panose="02010600030101010101" pitchFamily="2" charset="-122"/>
+              <a:ea typeface="SimSun" panose="02010600030101010101" pitchFamily="2" charset="-122"/>
               <a:cs typeface="Times New Roman" panose="02020603050405020304" pitchFamily="18" charset="0"/>
             </a:endParaRPr>
           </a:p>
@@ -8779,8 +8582,8 @@
             </a:pPr>
             <a:r>
               <a:rPr lang="en-US" altLang="zh-CN" kern="100" dirty="0">
-                <a:latin typeface="宋体" panose="02010600030101010101" pitchFamily="2" charset="-122"/>
-                <a:ea typeface="宋体" panose="02010600030101010101" pitchFamily="2" charset="-122"/>
+                <a:latin typeface="SimSun" panose="02010600030101010101" pitchFamily="2" charset="-122"/>
+                <a:ea typeface="SimSun" panose="02010600030101010101" pitchFamily="2" charset="-122"/>
                 <a:cs typeface="Times New Roman" panose="02020603050405020304" pitchFamily="18" charset="0"/>
               </a:rPr>
               <a:t>1.</a:t>
@@ -8788,7 +8591,7 @@
             <a:r>
               <a:rPr lang="zh-CN" altLang="zh-CN" kern="100" dirty="0">
                 <a:latin typeface="Calibri" panose="020F0502020204030204" pitchFamily="34" charset="0"/>
-                <a:ea typeface="宋体" panose="02010600030101010101" pitchFamily="2" charset="-122"/>
+                <a:ea typeface="SimSun" panose="02010600030101010101" pitchFamily="2" charset="-122"/>
                 <a:cs typeface="Times New Roman" panose="02020603050405020304" pitchFamily="18" charset="0"/>
               </a:rPr>
               <a:t>实现集合求差（</a:t>
@@ -8796,7 +8599,7 @@
             <a:r>
               <a:rPr lang="en-US" altLang="zh-CN" kern="100" dirty="0">
                 <a:latin typeface="Calibri" panose="020F0502020204030204" pitchFamily="34" charset="0"/>
-                <a:ea typeface="宋体" panose="02010600030101010101" pitchFamily="2" charset="-122"/>
+                <a:ea typeface="SimSun" panose="02010600030101010101" pitchFamily="2" charset="-122"/>
                 <a:cs typeface="Times New Roman" panose="02020603050405020304" pitchFamily="18" charset="0"/>
               </a:rPr>
               <a:t>difference</a:t>
@@ -8804,7 +8607,7 @@
             <a:r>
               <a:rPr lang="zh-CN" altLang="zh-CN" kern="100" dirty="0">
                 <a:latin typeface="Calibri" panose="020F0502020204030204" pitchFamily="34" charset="0"/>
-                <a:ea typeface="宋体" panose="02010600030101010101" pitchFamily="2" charset="-122"/>
+                <a:ea typeface="SimSun" panose="02010600030101010101" pitchFamily="2" charset="-122"/>
                 <a:cs typeface="Times New Roman" panose="02020603050405020304" pitchFamily="18" charset="0"/>
               </a:rPr>
               <a:t>）</a:t>
@@ -8812,14 +8615,14 @@
             <a:r>
               <a:rPr lang="en-US" altLang="zh-CN" kern="100" dirty="0">
                 <a:latin typeface="Calibri" panose="020F0502020204030204" pitchFamily="34" charset="0"/>
-                <a:ea typeface="宋体" panose="02010600030101010101" pitchFamily="2" charset="-122"/>
+                <a:ea typeface="SimSun" panose="02010600030101010101" pitchFamily="2" charset="-122"/>
                 <a:cs typeface="Times New Roman" panose="02020603050405020304" pitchFamily="18" charset="0"/>
               </a:rPr>
               <a:t>;</a:t>
             </a:r>
             <a:endParaRPr lang="zh-CN" altLang="zh-CN" sz="1200" kern="100" dirty="0">
               <a:latin typeface="Calibri" panose="020F0502020204030204" pitchFamily="34" charset="0"/>
-              <a:ea typeface="宋体" panose="02010600030101010101" pitchFamily="2" charset="-122"/>
+              <a:ea typeface="SimSun" panose="02010600030101010101" pitchFamily="2" charset="-122"/>
               <a:cs typeface="Times New Roman" panose="02020603050405020304" pitchFamily="18" charset="0"/>
             </a:endParaRPr>
           </a:p>
@@ -8834,8 +8637,8 @@
             </a:pPr>
             <a:r>
               <a:rPr lang="en-US" altLang="zh-CN" kern="100" dirty="0">
-                <a:latin typeface="宋体" panose="02010600030101010101" pitchFamily="2" charset="-122"/>
-                <a:ea typeface="宋体" panose="02010600030101010101" pitchFamily="2" charset="-122"/>
+                <a:latin typeface="SimSun" panose="02010600030101010101" pitchFamily="2" charset="-122"/>
+                <a:ea typeface="SimSun" panose="02010600030101010101" pitchFamily="2" charset="-122"/>
                 <a:cs typeface="Times New Roman" panose="02020603050405020304" pitchFamily="18" charset="0"/>
               </a:rPr>
               <a:t>2.</a:t>
@@ -8843,7 +8646,7 @@
             <a:r>
               <a:rPr lang="zh-CN" altLang="zh-CN" kern="100" dirty="0">
                 <a:latin typeface="Calibri" panose="020F0502020204030204" pitchFamily="34" charset="0"/>
-                <a:ea typeface="宋体" panose="02010600030101010101" pitchFamily="2" charset="-122"/>
+                <a:ea typeface="SimSun" panose="02010600030101010101" pitchFamily="2" charset="-122"/>
                 <a:cs typeface="Times New Roman" panose="02020603050405020304" pitchFamily="18" charset="0"/>
               </a:rPr>
               <a:t>实现批量插入（</a:t>
@@ -8851,7 +8654,7 @@
             <a:r>
               <a:rPr lang="en-US" altLang="zh-CN" kern="100" dirty="0" err="1">
                 <a:latin typeface="Calibri" panose="020F0502020204030204" pitchFamily="34" charset="0"/>
-                <a:ea typeface="宋体" panose="02010600030101010101" pitchFamily="2" charset="-122"/>
+                <a:ea typeface="SimSun" panose="02010600030101010101" pitchFamily="2" charset="-122"/>
                 <a:cs typeface="Times New Roman" panose="02020603050405020304" pitchFamily="18" charset="0"/>
               </a:rPr>
               <a:t>insertElements</a:t>
@@ -8859,7 +8662,7 @@
             <a:r>
               <a:rPr lang="zh-CN" altLang="zh-CN" kern="100" dirty="0">
                 <a:latin typeface="Calibri" panose="020F0502020204030204" pitchFamily="34" charset="0"/>
-                <a:ea typeface="宋体" panose="02010600030101010101" pitchFamily="2" charset="-122"/>
+                <a:ea typeface="SimSun" panose="02010600030101010101" pitchFamily="2" charset="-122"/>
                 <a:cs typeface="Times New Roman" panose="02020603050405020304" pitchFamily="18" charset="0"/>
               </a:rPr>
               <a:t>）和批量删除（</a:t>
@@ -8867,7 +8670,7 @@
             <a:r>
               <a:rPr lang="en-US" altLang="zh-CN" kern="100" dirty="0" err="1">
                 <a:latin typeface="Calibri" panose="020F0502020204030204" pitchFamily="34" charset="0"/>
-                <a:ea typeface="宋体" panose="02010600030101010101" pitchFamily="2" charset="-122"/>
+                <a:ea typeface="SimSun" panose="02010600030101010101" pitchFamily="2" charset="-122"/>
                 <a:cs typeface="Times New Roman" panose="02020603050405020304" pitchFamily="18" charset="0"/>
               </a:rPr>
               <a:t>deleteElements</a:t>
@@ -8875,7 +8678,7 @@
             <a:r>
               <a:rPr lang="zh-CN" altLang="zh-CN" kern="100" dirty="0">
                 <a:latin typeface="Calibri" panose="020F0502020204030204" pitchFamily="34" charset="0"/>
-                <a:ea typeface="宋体" panose="02010600030101010101" pitchFamily="2" charset="-122"/>
+                <a:ea typeface="SimSun" panose="02010600030101010101" pitchFamily="2" charset="-122"/>
                 <a:cs typeface="Times New Roman" panose="02020603050405020304" pitchFamily="18" charset="0"/>
               </a:rPr>
               <a:t>）</a:t>
@@ -8883,14 +8686,14 @@
             <a:r>
               <a:rPr lang="en-US" altLang="zh-CN" kern="100" dirty="0">
                 <a:latin typeface="Calibri" panose="020F0502020204030204" pitchFamily="34" charset="0"/>
-                <a:ea typeface="宋体" panose="02010600030101010101" pitchFamily="2" charset="-122"/>
+                <a:ea typeface="SimSun" panose="02010600030101010101" pitchFamily="2" charset="-122"/>
                 <a:cs typeface="Times New Roman" panose="02020603050405020304" pitchFamily="18" charset="0"/>
               </a:rPr>
               <a:t>;</a:t>
             </a:r>
             <a:endParaRPr lang="zh-CN" altLang="zh-CN" sz="1200" kern="100" dirty="0">
               <a:latin typeface="Calibri" panose="020F0502020204030204" pitchFamily="34" charset="0"/>
-              <a:ea typeface="宋体" panose="02010600030101010101" pitchFamily="2" charset="-122"/>
+              <a:ea typeface="SimSun" panose="02010600030101010101" pitchFamily="2" charset="-122"/>
               <a:cs typeface="Times New Roman" panose="02020603050405020304" pitchFamily="18" charset="0"/>
             </a:endParaRPr>
           </a:p>
@@ -8905,8 +8708,8 @@
             </a:pPr>
             <a:r>
               <a:rPr lang="en-US" altLang="zh-CN" kern="100" dirty="0">
-                <a:latin typeface="宋体" panose="02010600030101010101" pitchFamily="2" charset="-122"/>
-                <a:ea typeface="宋体" panose="02010600030101010101" pitchFamily="2" charset="-122"/>
+                <a:latin typeface="SimSun" panose="02010600030101010101" pitchFamily="2" charset="-122"/>
+                <a:ea typeface="SimSun" panose="02010600030101010101" pitchFamily="2" charset="-122"/>
                 <a:cs typeface="Times New Roman" panose="02020603050405020304" pitchFamily="18" charset="0"/>
               </a:rPr>
               <a:t>3.</a:t>
@@ -8914,7 +8717,7 @@
             <a:r>
               <a:rPr lang="zh-CN" altLang="zh-CN" kern="100" dirty="0">
                 <a:latin typeface="Calibri" panose="020F0502020204030204" pitchFamily="34" charset="0"/>
-                <a:ea typeface="宋体" panose="02010600030101010101" pitchFamily="2" charset="-122"/>
+                <a:ea typeface="SimSun" panose="02010600030101010101" pitchFamily="2" charset="-122"/>
                 <a:cs typeface="Times New Roman" panose="02020603050405020304" pitchFamily="18" charset="0"/>
               </a:rPr>
               <a:t>实现子集判断</a:t>
@@ -8922,7 +8725,7 @@
             <a:r>
               <a:rPr lang="en-US" altLang="zh-CN" kern="100" dirty="0">
                 <a:latin typeface="Calibri" panose="020F0502020204030204" pitchFamily="34" charset="0"/>
-                <a:ea typeface="宋体" panose="02010600030101010101" pitchFamily="2" charset="-122"/>
+                <a:ea typeface="SimSun" panose="02010600030101010101" pitchFamily="2" charset="-122"/>
                 <a:cs typeface="Times New Roman" panose="02020603050405020304" pitchFamily="18" charset="0"/>
               </a:rPr>
               <a:t>(</a:t>
@@ -8930,7 +8733,7 @@
             <a:r>
               <a:rPr lang="en-US" altLang="zh-CN" kern="100" dirty="0" err="1">
                 <a:latin typeface="Calibri" panose="020F0502020204030204" pitchFamily="34" charset="0"/>
-                <a:ea typeface="宋体" panose="02010600030101010101" pitchFamily="2" charset="-122"/>
+                <a:ea typeface="SimSun" panose="02010600030101010101" pitchFamily="2" charset="-122"/>
                 <a:cs typeface="Times New Roman" panose="02020603050405020304" pitchFamily="18" charset="0"/>
               </a:rPr>
               <a:t>isSubset</a:t>
@@ -8938,7 +8741,7 @@
             <a:r>
               <a:rPr lang="en-US" altLang="zh-CN" kern="100" dirty="0">
                 <a:latin typeface="Calibri" panose="020F0502020204030204" pitchFamily="34" charset="0"/>
-                <a:ea typeface="宋体" panose="02010600030101010101" pitchFamily="2" charset="-122"/>
+                <a:ea typeface="SimSun" panose="02010600030101010101" pitchFamily="2" charset="-122"/>
                 <a:cs typeface="Times New Roman" panose="02020603050405020304" pitchFamily="18" charset="0"/>
               </a:rPr>
               <a:t>())</a:t>
@@ -8946,14 +8749,14 @@
             <a:r>
               <a:rPr lang="zh-CN" altLang="zh-CN" kern="100" dirty="0">
                 <a:latin typeface="Calibri" panose="020F0502020204030204" pitchFamily="34" charset="0"/>
-                <a:ea typeface="宋体" panose="02010600030101010101" pitchFamily="2" charset="-122"/>
+                <a:ea typeface="SimSun" panose="02010600030101010101" pitchFamily="2" charset="-122"/>
                 <a:cs typeface="Times New Roman" panose="02020603050405020304" pitchFamily="18" charset="0"/>
               </a:rPr>
               <a:t>；</a:t>
             </a:r>
             <a:endParaRPr lang="zh-CN" altLang="zh-CN" sz="1200" kern="100" dirty="0">
               <a:latin typeface="Calibri" panose="020F0502020204030204" pitchFamily="34" charset="0"/>
-              <a:ea typeface="宋体" panose="02010600030101010101" pitchFamily="2" charset="-122"/>
+              <a:ea typeface="SimSun" panose="02010600030101010101" pitchFamily="2" charset="-122"/>
               <a:cs typeface="Times New Roman" panose="02020603050405020304" pitchFamily="18" charset="0"/>
             </a:endParaRPr>
           </a:p>
@@ -8968,8 +8771,8 @@
             </a:pPr>
             <a:r>
               <a:rPr lang="en-US" altLang="zh-CN" kern="100" dirty="0">
-                <a:latin typeface="宋体" panose="02010600030101010101" pitchFamily="2" charset="-122"/>
-                <a:ea typeface="宋体" panose="02010600030101010101" pitchFamily="2" charset="-122"/>
+                <a:latin typeface="SimSun" panose="02010600030101010101" pitchFamily="2" charset="-122"/>
+                <a:ea typeface="SimSun" panose="02010600030101010101" pitchFamily="2" charset="-122"/>
                 <a:cs typeface="Times New Roman" panose="02020603050405020304" pitchFamily="18" charset="0"/>
               </a:rPr>
               <a:t>4.</a:t>
@@ -8977,7 +8780,7 @@
             <a:r>
               <a:rPr lang="zh-CN" altLang="zh-CN" kern="100" dirty="0">
                 <a:latin typeface="Calibri" panose="020F0502020204030204" pitchFamily="34" charset="0"/>
-                <a:ea typeface="宋体" panose="02010600030101010101" pitchFamily="2" charset="-122"/>
+                <a:ea typeface="SimSun" panose="02010600030101010101" pitchFamily="2" charset="-122"/>
                 <a:cs typeface="Times New Roman" panose="02020603050405020304" pitchFamily="18" charset="0"/>
               </a:rPr>
               <a:t>实现补集（</a:t>
@@ -8985,7 +8788,7 @@
             <a:r>
               <a:rPr lang="en-US" altLang="zh-CN" kern="100" dirty="0">
                 <a:latin typeface="Calibri" panose="020F0502020204030204" pitchFamily="34" charset="0"/>
-                <a:ea typeface="宋体" panose="02010600030101010101" pitchFamily="2" charset="-122"/>
+                <a:ea typeface="SimSun" panose="02010600030101010101" pitchFamily="2" charset="-122"/>
                 <a:cs typeface="Times New Roman" panose="02020603050405020304" pitchFamily="18" charset="0"/>
               </a:rPr>
               <a:t>complement</a:t>
@@ -8993,14 +8796,14 @@
             <a:r>
               <a:rPr lang="zh-CN" altLang="zh-CN" kern="100" dirty="0">
                 <a:latin typeface="Calibri" panose="020F0502020204030204" pitchFamily="34" charset="0"/>
-                <a:ea typeface="宋体" panose="02010600030101010101" pitchFamily="2" charset="-122"/>
+                <a:ea typeface="SimSun" panose="02010600030101010101" pitchFamily="2" charset="-122"/>
                 <a:cs typeface="Times New Roman" panose="02020603050405020304" pitchFamily="18" charset="0"/>
               </a:rPr>
               <a:t>）；</a:t>
             </a:r>
             <a:endParaRPr lang="zh-CN" altLang="zh-CN" sz="1200" kern="100" dirty="0">
               <a:latin typeface="Calibri" panose="020F0502020204030204" pitchFamily="34" charset="0"/>
-              <a:ea typeface="宋体" panose="02010600030101010101" pitchFamily="2" charset="-122"/>
+              <a:ea typeface="SimSun" panose="02010600030101010101" pitchFamily="2" charset="-122"/>
               <a:cs typeface="Times New Roman" panose="02020603050405020304" pitchFamily="18" charset="0"/>
             </a:endParaRPr>
           </a:p>
@@ -9015,8 +8818,8 @@
             </a:pPr>
             <a:r>
               <a:rPr lang="en-US" altLang="zh-CN" kern="100" dirty="0">
-                <a:latin typeface="宋体" panose="02010600030101010101" pitchFamily="2" charset="-122"/>
-                <a:ea typeface="宋体" panose="02010600030101010101" pitchFamily="2" charset="-122"/>
+                <a:latin typeface="SimSun" panose="02010600030101010101" pitchFamily="2" charset="-122"/>
+                <a:ea typeface="SimSun" panose="02010600030101010101" pitchFamily="2" charset="-122"/>
                 <a:cs typeface="Times New Roman" panose="02020603050405020304" pitchFamily="18" charset="0"/>
               </a:rPr>
               <a:t>5.IntegerSet</a:t>
@@ -9024,7 +8827,7 @@
             <a:r>
               <a:rPr lang="zh-CN" altLang="zh-CN" kern="100" dirty="0">
                 <a:latin typeface="Calibri" panose="020F0502020204030204" pitchFamily="34" charset="0"/>
-                <a:ea typeface="宋体" panose="02010600030101010101" pitchFamily="2" charset="-122"/>
+                <a:ea typeface="SimSun" panose="02010600030101010101" pitchFamily="2" charset="-122"/>
                 <a:cs typeface="Times New Roman" panose="02020603050405020304" pitchFamily="18" charset="0"/>
               </a:rPr>
               <a:t>内部使用链表存储集合元素，实现存储任意整数值</a:t>
@@ -9032,14 +8835,14 @@
             <a:r>
               <a:rPr lang="en-US" altLang="zh-CN" kern="100" dirty="0">
                 <a:latin typeface="Calibri" panose="020F0502020204030204" pitchFamily="34" charset="0"/>
-                <a:ea typeface="宋体" panose="02010600030101010101" pitchFamily="2" charset="-122"/>
+                <a:ea typeface="SimSun" panose="02010600030101010101" pitchFamily="2" charset="-122"/>
                 <a:cs typeface="Times New Roman" panose="02020603050405020304" pitchFamily="18" charset="0"/>
               </a:rPr>
               <a:t>;</a:t>
             </a:r>
             <a:endParaRPr lang="zh-CN" altLang="zh-CN" sz="1200" kern="100" dirty="0">
               <a:latin typeface="Calibri" panose="020F0502020204030204" pitchFamily="34" charset="0"/>
-              <a:ea typeface="宋体" panose="02010600030101010101" pitchFamily="2" charset="-122"/>
+              <a:ea typeface="SimSun" panose="02010600030101010101" pitchFamily="2" charset="-122"/>
               <a:cs typeface="Times New Roman" panose="02020603050405020304" pitchFamily="18" charset="0"/>
             </a:endParaRPr>
           </a:p>
@@ -9054,8 +8857,8 @@
             </a:pPr>
             <a:r>
               <a:rPr lang="en-US" altLang="zh-CN" kern="100" dirty="0">
-                <a:latin typeface="宋体" panose="02010600030101010101" pitchFamily="2" charset="-122"/>
-                <a:ea typeface="宋体" panose="02010600030101010101" pitchFamily="2" charset="-122"/>
+                <a:latin typeface="SimSun" panose="02010600030101010101" pitchFamily="2" charset="-122"/>
+                <a:ea typeface="SimSun" panose="02010600030101010101" pitchFamily="2" charset="-122"/>
                 <a:cs typeface="Times New Roman" panose="02020603050405020304" pitchFamily="18" charset="0"/>
               </a:rPr>
               <a:t>6.</a:t>
@@ -9063,7 +8866,7 @@
             <a:r>
               <a:rPr lang="zh-CN" altLang="zh-CN" kern="100" dirty="0">
                 <a:latin typeface="Calibri" panose="020F0502020204030204" pitchFamily="34" charset="0"/>
-                <a:ea typeface="宋体" panose="02010600030101010101" pitchFamily="2" charset="-122"/>
+                <a:ea typeface="SimSun" panose="02010600030101010101" pitchFamily="2" charset="-122"/>
                 <a:cs typeface="Times New Roman" panose="02020603050405020304" pitchFamily="18" charset="0"/>
               </a:rPr>
               <a:t>实现对象集合。</a:t>
@@ -9071,29 +8874,24 @@
             <a:endParaRPr lang="zh-CN" altLang="zh-CN" sz="1200" kern="100" dirty="0">
               <a:effectLst/>
               <a:latin typeface="Calibri" panose="020F0502020204030204" pitchFamily="34" charset="0"/>
-              <a:ea typeface="宋体" panose="02010600030101010101" pitchFamily="2" charset="-122"/>
+              <a:ea typeface="SimSun" panose="02010600030101010101" pitchFamily="2" charset="-122"/>
               <a:cs typeface="Times New Roman" panose="02020603050405020304" pitchFamily="18" charset="0"/>
             </a:endParaRPr>
           </a:p>
         </p:txBody>
       </p:sp>
     </p:spTree>
-    <p:extLst>
-      <p:ext uri="{BB962C8B-B14F-4D97-AF65-F5344CB8AC3E}">
-        <p14:creationId xmlns:p14="http://schemas.microsoft.com/office/powerpoint/2010/main" val="223959310"/>
-      </p:ext>
-    </p:extLst>
   </p:cSld>
   <p:clrMapOvr>
     <a:masterClrMapping/>
   </p:clrMapOvr>
-  <mc:AlternateContent xmlns:mc="http://schemas.openxmlformats.org/markup-compatibility/2006" xmlns:p14="http://schemas.microsoft.com/office/powerpoint/2010/main">
-    <mc:Choice Requires="p14">
+  <mc:AlternateContent xmlns:mc="http://schemas.openxmlformats.org/markup-compatibility/2006">
+    <mc:Choice xmlns:p14="http://schemas.microsoft.com/office/powerpoint/2010/main" Requires="p14">
       <p:transition spd="med" p14:dur="700">
         <p:fade/>
       </p:transition>
     </mc:Choice>
-    <mc:Fallback xmlns="">
+    <mc:Fallback>
       <p:transition spd="med">
         <p:fade/>
       </p:transition>
@@ -9448,6 +9246,12 @@
               </a:rPr>
               <a:t>日</a:t>
             </a:r>
+            <a:endParaRPr lang="zh-CN" altLang="en-US" dirty="0" smtClean="0">
+              <a:solidFill>
+                <a:schemeClr val="bg1"/>
+              </a:solidFill>
+              <a:latin typeface="+mn-ea"/>
+            </a:endParaRPr>
           </a:p>
         </p:txBody>
       </p:sp>
@@ -9497,22 +9301,17 @@
     <p:custDataLst>
       <p:tags r:id="rId1"/>
     </p:custDataLst>
-    <p:extLst>
-      <p:ext uri="{BB962C8B-B14F-4D97-AF65-F5344CB8AC3E}">
-        <p14:creationId xmlns:p14="http://schemas.microsoft.com/office/powerpoint/2010/main" val="1788591420"/>
-      </p:ext>
-    </p:extLst>
   </p:cSld>
   <p:clrMapOvr>
     <a:masterClrMapping/>
   </p:clrMapOvr>
-  <mc:AlternateContent xmlns:mc="http://schemas.openxmlformats.org/markup-compatibility/2006" xmlns:p14="http://schemas.microsoft.com/office/powerpoint/2010/main">
-    <mc:Choice Requires="p14">
+  <mc:AlternateContent xmlns:mc="http://schemas.openxmlformats.org/markup-compatibility/2006">
+    <mc:Choice xmlns:p14="http://schemas.microsoft.com/office/powerpoint/2010/main" Requires="p14">
       <p:transition spd="med" p14:dur="700">
         <p:fade/>
       </p:transition>
     </mc:Choice>
-    <mc:Fallback xmlns="">
+    <mc:Fallback>
       <p:transition spd="med">
         <p:fade/>
       </p:transition>
@@ -9675,6 +9474,12 @@
               </a:rPr>
               <a:t>函数、类和对象</a:t>
             </a:r>
+            <a:endParaRPr lang="zh-CN" altLang="en-US" sz="4800" b="1" dirty="0" smtClean="0">
+              <a:solidFill>
+                <a:schemeClr val="accent1"/>
+              </a:solidFill>
+              <a:latin typeface="+mn-ea"/>
+            </a:endParaRPr>
           </a:p>
         </p:txBody>
       </p:sp>
@@ -9871,7 +9676,7 @@
               <a:spcBef>
                 <a:spcPct val="20000"/>
               </a:spcBef>
-              <a:buFont typeface="Arial" panose="020B0604020202020204" pitchFamily="34" charset="0"/>
+              <a:buFont typeface="Arial" panose="02080604020202020204" pitchFamily="34" charset="0"/>
               <a:buChar char="•"/>
               <a:defRPr sz="3200">
                 <a:solidFill>
@@ -9886,7 +9691,7 @@
               <a:spcBef>
                 <a:spcPct val="20000"/>
               </a:spcBef>
-              <a:buFont typeface="Arial" panose="020B0604020202020204" pitchFamily="34" charset="0"/>
+              <a:buFont typeface="Arial" panose="02080604020202020204" pitchFamily="34" charset="0"/>
               <a:buChar char="–"/>
               <a:defRPr sz="2800">
                 <a:solidFill>
@@ -9901,7 +9706,7 @@
               <a:spcBef>
                 <a:spcPct val="20000"/>
               </a:spcBef>
-              <a:buFont typeface="Arial" panose="020B0604020202020204" pitchFamily="34" charset="0"/>
+              <a:buFont typeface="Arial" panose="02080604020202020204" pitchFamily="34" charset="0"/>
               <a:buChar char="•"/>
               <a:defRPr sz="2400">
                 <a:solidFill>
@@ -9916,7 +9721,7 @@
               <a:spcBef>
                 <a:spcPct val="20000"/>
               </a:spcBef>
-              <a:buFont typeface="Arial" panose="020B0604020202020204" pitchFamily="34" charset="0"/>
+              <a:buFont typeface="Arial" panose="02080604020202020204" pitchFamily="34" charset="0"/>
               <a:buChar char="–"/>
               <a:defRPr sz="2000">
                 <a:solidFill>
@@ -9931,7 +9736,7 @@
               <a:spcBef>
                 <a:spcPct val="20000"/>
               </a:spcBef>
-              <a:buFont typeface="Arial" panose="020B0604020202020204" pitchFamily="34" charset="0"/>
+              <a:buFont typeface="Arial" panose="02080604020202020204" pitchFamily="34" charset="0"/>
               <a:buChar char="»"/>
               <a:defRPr sz="2000">
                 <a:solidFill>
@@ -9949,7 +9754,7 @@
               <a:spcAft>
                 <a:spcPct val="0"/>
               </a:spcAft>
-              <a:buFont typeface="Arial" panose="020B0604020202020204" pitchFamily="34" charset="0"/>
+              <a:buFont typeface="Arial" panose="02080604020202020204" pitchFamily="34" charset="0"/>
               <a:buChar char="»"/>
               <a:defRPr sz="2000">
                 <a:solidFill>
@@ -9967,7 +9772,7 @@
               <a:spcAft>
                 <a:spcPct val="0"/>
               </a:spcAft>
-              <a:buFont typeface="Arial" panose="020B0604020202020204" pitchFamily="34" charset="0"/>
+              <a:buFont typeface="Arial" panose="02080604020202020204" pitchFamily="34" charset="0"/>
               <a:buChar char="»"/>
               <a:defRPr sz="2000">
                 <a:solidFill>
@@ -9985,7 +9790,7 @@
               <a:spcAft>
                 <a:spcPct val="0"/>
               </a:spcAft>
-              <a:buFont typeface="Arial" panose="020B0604020202020204" pitchFamily="34" charset="0"/>
+              <a:buFont typeface="Arial" panose="02080604020202020204" pitchFamily="34" charset="0"/>
               <a:buChar char="»"/>
               <a:defRPr sz="2000">
                 <a:solidFill>
@@ -10003,7 +9808,7 @@
               <a:spcAft>
                 <a:spcPct val="0"/>
               </a:spcAft>
-              <a:buFont typeface="Arial" panose="020B0604020202020204" pitchFamily="34" charset="0"/>
+              <a:buFont typeface="Arial" panose="02080604020202020204" pitchFamily="34" charset="0"/>
               <a:buChar char="»"/>
               <a:defRPr sz="2000">
                 <a:solidFill>
@@ -10091,7 +9896,7 @@
               <a:spcBef>
                 <a:spcPct val="20000"/>
               </a:spcBef>
-              <a:buFont typeface="Arial" panose="020B0604020202020204" pitchFamily="34" charset="0"/>
+              <a:buFont typeface="Arial" panose="02080604020202020204" pitchFamily="34" charset="0"/>
               <a:buChar char="•"/>
               <a:defRPr sz="3200">
                 <a:solidFill>
@@ -10106,7 +9911,7 @@
               <a:spcBef>
                 <a:spcPct val="20000"/>
               </a:spcBef>
-              <a:buFont typeface="Arial" panose="020B0604020202020204" pitchFamily="34" charset="0"/>
+              <a:buFont typeface="Arial" panose="02080604020202020204" pitchFamily="34" charset="0"/>
               <a:buChar char="–"/>
               <a:defRPr sz="2800">
                 <a:solidFill>
@@ -10121,7 +9926,7 @@
               <a:spcBef>
                 <a:spcPct val="20000"/>
               </a:spcBef>
-              <a:buFont typeface="Arial" panose="020B0604020202020204" pitchFamily="34" charset="0"/>
+              <a:buFont typeface="Arial" panose="02080604020202020204" pitchFamily="34" charset="0"/>
               <a:buChar char="•"/>
               <a:defRPr sz="2400">
                 <a:solidFill>
@@ -10136,7 +9941,7 @@
               <a:spcBef>
                 <a:spcPct val="20000"/>
               </a:spcBef>
-              <a:buFont typeface="Arial" panose="020B0604020202020204" pitchFamily="34" charset="0"/>
+              <a:buFont typeface="Arial" panose="02080604020202020204" pitchFamily="34" charset="0"/>
               <a:buChar char="–"/>
               <a:defRPr sz="2000">
                 <a:solidFill>
@@ -10151,7 +9956,7 @@
               <a:spcBef>
                 <a:spcPct val="20000"/>
               </a:spcBef>
-              <a:buFont typeface="Arial" panose="020B0604020202020204" pitchFamily="34" charset="0"/>
+              <a:buFont typeface="Arial" panose="02080604020202020204" pitchFamily="34" charset="0"/>
               <a:buChar char="»"/>
               <a:defRPr sz="2000">
                 <a:solidFill>
@@ -10169,7 +9974,7 @@
               <a:spcAft>
                 <a:spcPct val="0"/>
               </a:spcAft>
-              <a:buFont typeface="Arial" panose="020B0604020202020204" pitchFamily="34" charset="0"/>
+              <a:buFont typeface="Arial" panose="02080604020202020204" pitchFamily="34" charset="0"/>
               <a:buChar char="»"/>
               <a:defRPr sz="2000">
                 <a:solidFill>
@@ -10187,7 +9992,7 @@
               <a:spcAft>
                 <a:spcPct val="0"/>
               </a:spcAft>
-              <a:buFont typeface="Arial" panose="020B0604020202020204" pitchFamily="34" charset="0"/>
+              <a:buFont typeface="Arial" panose="02080604020202020204" pitchFamily="34" charset="0"/>
               <a:buChar char="»"/>
               <a:defRPr sz="2000">
                 <a:solidFill>
@@ -10205,7 +10010,7 @@
               <a:spcAft>
                 <a:spcPct val="0"/>
               </a:spcAft>
-              <a:buFont typeface="Arial" panose="020B0604020202020204" pitchFamily="34" charset="0"/>
+              <a:buFont typeface="Arial" panose="02080604020202020204" pitchFamily="34" charset="0"/>
               <a:buChar char="»"/>
               <a:defRPr sz="2000">
                 <a:solidFill>
@@ -10223,7 +10028,7 @@
               <a:spcAft>
                 <a:spcPct val="0"/>
               </a:spcAft>
-              <a:buFont typeface="Arial" panose="020B0604020202020204" pitchFamily="34" charset="0"/>
+              <a:buFont typeface="Arial" panose="02080604020202020204" pitchFamily="34" charset="0"/>
               <a:buChar char="»"/>
               <a:defRPr sz="2000">
                 <a:solidFill>
@@ -10252,6 +10057,13 @@
               </a:rPr>
               <a:t>实验目的</a:t>
             </a:r>
+            <a:endParaRPr lang="zh-CN" altLang="en-US" sz="2000" dirty="0">
+              <a:solidFill>
+                <a:srgbClr val="FF0000"/>
+              </a:solidFill>
+              <a:latin typeface="+mn-ea"/>
+              <a:sym typeface="微软雅黑" panose="020B0503020204020204" pitchFamily="34" charset="-122"/>
+            </a:endParaRPr>
           </a:p>
         </p:txBody>
       </p:sp>
@@ -10395,7 +10207,7 @@
               <a:spcBef>
                 <a:spcPct val="20000"/>
               </a:spcBef>
-              <a:buFont typeface="Arial" panose="020B0604020202020204" pitchFamily="34" charset="0"/>
+              <a:buFont typeface="Arial" panose="02080604020202020204" pitchFamily="34" charset="0"/>
               <a:buChar char="•"/>
               <a:defRPr sz="3200">
                 <a:solidFill>
@@ -10410,7 +10222,7 @@
               <a:spcBef>
                 <a:spcPct val="20000"/>
               </a:spcBef>
-              <a:buFont typeface="Arial" panose="020B0604020202020204" pitchFamily="34" charset="0"/>
+              <a:buFont typeface="Arial" panose="02080604020202020204" pitchFamily="34" charset="0"/>
               <a:buChar char="–"/>
               <a:defRPr sz="2800">
                 <a:solidFill>
@@ -10425,7 +10237,7 @@
               <a:spcBef>
                 <a:spcPct val="20000"/>
               </a:spcBef>
-              <a:buFont typeface="Arial" panose="020B0604020202020204" pitchFamily="34" charset="0"/>
+              <a:buFont typeface="Arial" panose="02080604020202020204" pitchFamily="34" charset="0"/>
               <a:buChar char="•"/>
               <a:defRPr sz="2400">
                 <a:solidFill>
@@ -10440,7 +10252,7 @@
               <a:spcBef>
                 <a:spcPct val="20000"/>
               </a:spcBef>
-              <a:buFont typeface="Arial" panose="020B0604020202020204" pitchFamily="34" charset="0"/>
+              <a:buFont typeface="Arial" panose="02080604020202020204" pitchFamily="34" charset="0"/>
               <a:buChar char="–"/>
               <a:defRPr sz="2000">
                 <a:solidFill>
@@ -10455,7 +10267,7 @@
               <a:spcBef>
                 <a:spcPct val="20000"/>
               </a:spcBef>
-              <a:buFont typeface="Arial" panose="020B0604020202020204" pitchFamily="34" charset="0"/>
+              <a:buFont typeface="Arial" panose="02080604020202020204" pitchFamily="34" charset="0"/>
               <a:buChar char="»"/>
               <a:defRPr sz="2000">
                 <a:solidFill>
@@ -10473,7 +10285,7 @@
               <a:spcAft>
                 <a:spcPct val="0"/>
               </a:spcAft>
-              <a:buFont typeface="Arial" panose="020B0604020202020204" pitchFamily="34" charset="0"/>
+              <a:buFont typeface="Arial" panose="02080604020202020204" pitchFamily="34" charset="0"/>
               <a:buChar char="»"/>
               <a:defRPr sz="2000">
                 <a:solidFill>
@@ -10491,7 +10303,7 @@
               <a:spcAft>
                 <a:spcPct val="0"/>
               </a:spcAft>
-              <a:buFont typeface="Arial" panose="020B0604020202020204" pitchFamily="34" charset="0"/>
+              <a:buFont typeface="Arial" panose="02080604020202020204" pitchFamily="34" charset="0"/>
               <a:buChar char="»"/>
               <a:defRPr sz="2000">
                 <a:solidFill>
@@ -10509,7 +10321,7 @@
               <a:spcAft>
                 <a:spcPct val="0"/>
               </a:spcAft>
-              <a:buFont typeface="Arial" panose="020B0604020202020204" pitchFamily="34" charset="0"/>
+              <a:buFont typeface="Arial" panose="02080604020202020204" pitchFamily="34" charset="0"/>
               <a:buChar char="»"/>
               <a:defRPr sz="2000">
                 <a:solidFill>
@@ -10527,7 +10339,7 @@
               <a:spcAft>
                 <a:spcPct val="0"/>
               </a:spcAft>
-              <a:buFont typeface="Arial" panose="020B0604020202020204" pitchFamily="34" charset="0"/>
+              <a:buFont typeface="Arial" panose="02080604020202020204" pitchFamily="34" charset="0"/>
               <a:buChar char="»"/>
               <a:defRPr sz="2000">
                 <a:solidFill>
@@ -10567,22 +10379,17 @@
         </p:txBody>
       </p:sp>
     </p:spTree>
-    <p:extLst>
-      <p:ext uri="{BB962C8B-B14F-4D97-AF65-F5344CB8AC3E}">
-        <p14:creationId xmlns:p14="http://schemas.microsoft.com/office/powerpoint/2010/main" val="363406930"/>
-      </p:ext>
-    </p:extLst>
   </p:cSld>
   <p:clrMapOvr>
     <a:masterClrMapping/>
   </p:clrMapOvr>
-  <mc:AlternateContent xmlns:mc="http://schemas.openxmlformats.org/markup-compatibility/2006" xmlns:p14="http://schemas.microsoft.com/office/powerpoint/2010/main">
-    <mc:Choice Requires="p14">
+  <mc:AlternateContent xmlns:mc="http://schemas.openxmlformats.org/markup-compatibility/2006">
+    <mc:Choice xmlns:p14="http://schemas.microsoft.com/office/powerpoint/2010/main" Requires="p14">
       <p:transition spd="med" p14:dur="700">
         <p:fade/>
       </p:transition>
     </mc:Choice>
-    <mc:Fallback xmlns="">
+    <mc:Fallback>
       <p:transition spd="med">
         <p:fade/>
       </p:transition>
@@ -10659,6 +10466,14 @@
               </a:rPr>
               <a:t>实验目的</a:t>
             </a:r>
+            <a:endParaRPr lang="zh-CN" altLang="en-US" sz="2800" dirty="0" smtClean="0">
+              <a:solidFill>
+                <a:schemeClr val="accent1"/>
+              </a:solidFill>
+              <a:latin typeface="Times New Roman" panose="02020603050405020304" pitchFamily="18" charset="0"/>
+              <a:cs typeface="Times New Roman" panose="02020603050405020304" pitchFamily="18" charset="0"/>
+              <a:sym typeface="微软雅黑" panose="020B0503020204020204" pitchFamily="34" charset="-122"/>
+            </a:endParaRPr>
           </a:p>
         </p:txBody>
       </p:sp>
@@ -10684,7 +10499,7 @@
           <a:lstStyle/>
           <a:p>
             <a:pPr marL="285750" indent="-285750">
-              <a:buFont typeface="Arial" panose="020B0604020202020204" pitchFamily="34" charset="0"/>
+              <a:buFont typeface="Arial" panose="02080604020202020204" pitchFamily="34" charset="0"/>
               <a:buChar char="•"/>
             </a:pPr>
             <a:r>
@@ -10708,10 +10523,14 @@
               </a:rPr>
               <a:t>基本控制结构</a:t>
             </a:r>
+            <a:endParaRPr lang="zh-CN" altLang="en-US" sz="2400" dirty="0">
+              <a:latin typeface="微软雅黑" panose="020B0503020204020204" pitchFamily="34" charset="-122"/>
+              <a:ea typeface="微软雅黑" panose="020B0503020204020204" pitchFamily="34" charset="-122"/>
+            </a:endParaRPr>
           </a:p>
           <a:p>
             <a:pPr marL="285750" indent="-285750">
-              <a:buFont typeface="Arial" panose="020B0604020202020204" pitchFamily="34" charset="0"/>
+              <a:buFont typeface="Arial" panose="02080604020202020204" pitchFamily="34" charset="0"/>
               <a:buChar char="•"/>
             </a:pPr>
             <a:r>
@@ -10735,10 +10554,14 @@
               </a:rPr>
               <a:t>函数的定义与使用</a:t>
             </a:r>
+            <a:endParaRPr lang="zh-CN" altLang="en-US" sz="2400" dirty="0">
+              <a:latin typeface="微软雅黑" panose="020B0503020204020204" pitchFamily="34" charset="-122"/>
+              <a:ea typeface="微软雅黑" panose="020B0503020204020204" pitchFamily="34" charset="-122"/>
+            </a:endParaRPr>
           </a:p>
           <a:p>
             <a:pPr marL="285750" indent="-285750">
-              <a:buFont typeface="Arial" panose="020B0604020202020204" pitchFamily="34" charset="0"/>
+              <a:buFont typeface="Arial" panose="02080604020202020204" pitchFamily="34" charset="0"/>
               <a:buChar char="•"/>
             </a:pPr>
             <a:r>
@@ -10748,10 +10571,14 @@
               </a:rPr>
               <a:t>深入理解类和对象的概念</a:t>
             </a:r>
+            <a:endParaRPr lang="zh-CN" altLang="en-US" sz="2400" dirty="0">
+              <a:latin typeface="微软雅黑" panose="020B0503020204020204" pitchFamily="34" charset="-122"/>
+              <a:ea typeface="微软雅黑" panose="020B0503020204020204" pitchFamily="34" charset="-122"/>
+            </a:endParaRPr>
           </a:p>
           <a:p>
             <a:pPr marL="285750" indent="-285750">
-              <a:buFont typeface="Arial" panose="020B0604020202020204" pitchFamily="34" charset="0"/>
+              <a:buFont typeface="Arial" panose="02080604020202020204" pitchFamily="34" charset="0"/>
               <a:buChar char="•"/>
             </a:pPr>
             <a:r>
@@ -10761,10 +10588,14 @@
               </a:rPr>
               <a:t>深入理解类构造函数、析构函数的基本知识</a:t>
             </a:r>
+            <a:endParaRPr lang="zh-CN" altLang="en-US" sz="2400" dirty="0">
+              <a:latin typeface="微软雅黑" panose="020B0503020204020204" pitchFamily="34" charset="-122"/>
+              <a:ea typeface="微软雅黑" panose="020B0503020204020204" pitchFamily="34" charset="-122"/>
+            </a:endParaRPr>
           </a:p>
           <a:p>
             <a:pPr marL="285750" indent="-285750">
-              <a:buFont typeface="Arial" panose="020B0604020202020204" pitchFamily="34" charset="0"/>
+              <a:buFont typeface="Arial" panose="02080604020202020204" pitchFamily="34" charset="0"/>
               <a:buChar char="•"/>
             </a:pPr>
             <a:r>
@@ -10774,10 +10605,14 @@
               </a:rPr>
               <a:t>熟练掌握类的定义方法和对象实例化方法</a:t>
             </a:r>
+            <a:endParaRPr lang="zh-CN" altLang="en-US" sz="2400" dirty="0">
+              <a:latin typeface="微软雅黑" panose="020B0503020204020204" pitchFamily="34" charset="-122"/>
+              <a:ea typeface="微软雅黑" panose="020B0503020204020204" pitchFamily="34" charset="-122"/>
+            </a:endParaRPr>
           </a:p>
           <a:p>
             <a:pPr marL="285750" indent="-285750">
-              <a:buFont typeface="Arial" panose="020B0604020202020204" pitchFamily="34" charset="0"/>
+              <a:buFont typeface="Arial" panose="02080604020202020204" pitchFamily="34" charset="0"/>
               <a:buChar char="•"/>
             </a:pPr>
             <a:r>
@@ -10787,10 +10622,14 @@
               </a:rPr>
               <a:t>熟练掌握对象方法调用</a:t>
             </a:r>
+            <a:endParaRPr lang="zh-CN" altLang="en-US" sz="2400" dirty="0">
+              <a:latin typeface="微软雅黑" panose="020B0503020204020204" pitchFamily="34" charset="-122"/>
+              <a:ea typeface="微软雅黑" panose="020B0503020204020204" pitchFamily="34" charset="-122"/>
+            </a:endParaRPr>
           </a:p>
           <a:p>
             <a:pPr marL="285750" indent="-285750">
-              <a:buFont typeface="Arial" panose="020B0604020202020204" pitchFamily="34" charset="0"/>
+              <a:buFont typeface="Arial" panose="02080604020202020204" pitchFamily="34" charset="0"/>
               <a:buChar char="•"/>
             </a:pPr>
             <a:r>
@@ -10814,10 +10653,14 @@
               </a:rPr>
               <a:t>代码编译工具</a:t>
             </a:r>
+            <a:endParaRPr lang="zh-CN" altLang="en-US" sz="2400" dirty="0">
+              <a:latin typeface="微软雅黑" panose="020B0503020204020204" pitchFamily="34" charset="-122"/>
+              <a:ea typeface="微软雅黑" panose="020B0503020204020204" pitchFamily="34" charset="-122"/>
+            </a:endParaRPr>
           </a:p>
           <a:p>
             <a:pPr marL="285750" indent="-285750">
-              <a:buFont typeface="Arial" panose="020B0604020202020204" pitchFamily="34" charset="0"/>
+              <a:buFont typeface="Arial" panose="02080604020202020204" pitchFamily="34" charset="0"/>
               <a:buChar char="•"/>
             </a:pPr>
             <a:r>
@@ -10869,26 +10712,25 @@
               </a:rPr>
               <a:t>读取参数方法</a:t>
             </a:r>
+            <a:endParaRPr lang="zh-CN" altLang="en-US" sz="2400" dirty="0">
+              <a:latin typeface="微软雅黑" panose="020B0503020204020204" pitchFamily="34" charset="-122"/>
+              <a:ea typeface="微软雅黑" panose="020B0503020204020204" pitchFamily="34" charset="-122"/>
+            </a:endParaRPr>
           </a:p>
         </p:txBody>
       </p:sp>
     </p:spTree>
-    <p:extLst>
-      <p:ext uri="{BB962C8B-B14F-4D97-AF65-F5344CB8AC3E}">
-        <p14:creationId xmlns:p14="http://schemas.microsoft.com/office/powerpoint/2010/main" val="3648709636"/>
-      </p:ext>
-    </p:extLst>
   </p:cSld>
   <p:clrMapOvr>
     <a:masterClrMapping/>
   </p:clrMapOvr>
-  <mc:AlternateContent xmlns:mc="http://schemas.openxmlformats.org/markup-compatibility/2006" xmlns:p14="http://schemas.microsoft.com/office/powerpoint/2010/main">
-    <mc:Choice Requires="p14">
+  <mc:AlternateContent xmlns:mc="http://schemas.openxmlformats.org/markup-compatibility/2006">
+    <mc:Choice xmlns:p14="http://schemas.microsoft.com/office/powerpoint/2010/main" Requires="p14">
       <p:transition spd="med" p14:dur="700">
         <p:fade/>
       </p:transition>
     </mc:Choice>
-    <mc:Fallback xmlns="">
+    <mc:Fallback>
       <p:transition spd="med">
         <p:fade/>
       </p:transition>
@@ -11051,6 +10893,12 @@
               </a:rPr>
               <a:t>函数、类和对象</a:t>
             </a:r>
+            <a:endParaRPr lang="zh-CN" altLang="en-US" sz="4800" b="1" dirty="0" smtClean="0">
+              <a:solidFill>
+                <a:schemeClr val="accent1"/>
+              </a:solidFill>
+              <a:latin typeface="+mn-ea"/>
+            </a:endParaRPr>
           </a:p>
         </p:txBody>
       </p:sp>
@@ -11247,7 +11095,7 @@
               <a:spcBef>
                 <a:spcPct val="20000"/>
               </a:spcBef>
-              <a:buFont typeface="Arial" panose="020B0604020202020204" pitchFamily="34" charset="0"/>
+              <a:buFont typeface="Arial" panose="02080604020202020204" pitchFamily="34" charset="0"/>
               <a:buChar char="•"/>
               <a:defRPr sz="3200">
                 <a:solidFill>
@@ -11262,7 +11110,7 @@
               <a:spcBef>
                 <a:spcPct val="20000"/>
               </a:spcBef>
-              <a:buFont typeface="Arial" panose="020B0604020202020204" pitchFamily="34" charset="0"/>
+              <a:buFont typeface="Arial" panose="02080604020202020204" pitchFamily="34" charset="0"/>
               <a:buChar char="–"/>
               <a:defRPr sz="2800">
                 <a:solidFill>
@@ -11277,7 +11125,7 @@
               <a:spcBef>
                 <a:spcPct val="20000"/>
               </a:spcBef>
-              <a:buFont typeface="Arial" panose="020B0604020202020204" pitchFamily="34" charset="0"/>
+              <a:buFont typeface="Arial" panose="02080604020202020204" pitchFamily="34" charset="0"/>
               <a:buChar char="•"/>
               <a:defRPr sz="2400">
                 <a:solidFill>
@@ -11292,7 +11140,7 @@
               <a:spcBef>
                 <a:spcPct val="20000"/>
               </a:spcBef>
-              <a:buFont typeface="Arial" panose="020B0604020202020204" pitchFamily="34" charset="0"/>
+              <a:buFont typeface="Arial" panose="02080604020202020204" pitchFamily="34" charset="0"/>
               <a:buChar char="–"/>
               <a:defRPr sz="2000">
                 <a:solidFill>
@@ -11307,7 +11155,7 @@
               <a:spcBef>
                 <a:spcPct val="20000"/>
               </a:spcBef>
-              <a:buFont typeface="Arial" panose="020B0604020202020204" pitchFamily="34" charset="0"/>
+              <a:buFont typeface="Arial" panose="02080604020202020204" pitchFamily="34" charset="0"/>
               <a:buChar char="»"/>
               <a:defRPr sz="2000">
                 <a:solidFill>
@@ -11325,7 +11173,7 @@
               <a:spcAft>
                 <a:spcPct val="0"/>
               </a:spcAft>
-              <a:buFont typeface="Arial" panose="020B0604020202020204" pitchFamily="34" charset="0"/>
+              <a:buFont typeface="Arial" panose="02080604020202020204" pitchFamily="34" charset="0"/>
               <a:buChar char="»"/>
               <a:defRPr sz="2000">
                 <a:solidFill>
@@ -11343,7 +11191,7 @@
               <a:spcAft>
                 <a:spcPct val="0"/>
               </a:spcAft>
-              <a:buFont typeface="Arial" panose="020B0604020202020204" pitchFamily="34" charset="0"/>
+              <a:buFont typeface="Arial" panose="02080604020202020204" pitchFamily="34" charset="0"/>
               <a:buChar char="»"/>
               <a:defRPr sz="2000">
                 <a:solidFill>
@@ -11361,7 +11209,7 @@
               <a:spcAft>
                 <a:spcPct val="0"/>
               </a:spcAft>
-              <a:buFont typeface="Arial" panose="020B0604020202020204" pitchFamily="34" charset="0"/>
+              <a:buFont typeface="Arial" panose="02080604020202020204" pitchFamily="34" charset="0"/>
               <a:buChar char="»"/>
               <a:defRPr sz="2000">
                 <a:solidFill>
@@ -11379,7 +11227,7 @@
               <a:spcAft>
                 <a:spcPct val="0"/>
               </a:spcAft>
-              <a:buFont typeface="Arial" panose="020B0604020202020204" pitchFamily="34" charset="0"/>
+              <a:buFont typeface="Arial" panose="02080604020202020204" pitchFamily="34" charset="0"/>
               <a:buChar char="»"/>
               <a:defRPr sz="2000">
                 <a:solidFill>
@@ -11467,7 +11315,7 @@
               <a:spcBef>
                 <a:spcPct val="20000"/>
               </a:spcBef>
-              <a:buFont typeface="Arial" panose="020B0604020202020204" pitchFamily="34" charset="0"/>
+              <a:buFont typeface="Arial" panose="02080604020202020204" pitchFamily="34" charset="0"/>
               <a:buChar char="•"/>
               <a:defRPr sz="3200">
                 <a:solidFill>
@@ -11482,7 +11330,7 @@
               <a:spcBef>
                 <a:spcPct val="20000"/>
               </a:spcBef>
-              <a:buFont typeface="Arial" panose="020B0604020202020204" pitchFamily="34" charset="0"/>
+              <a:buFont typeface="Arial" panose="02080604020202020204" pitchFamily="34" charset="0"/>
               <a:buChar char="–"/>
               <a:defRPr sz="2800">
                 <a:solidFill>
@@ -11497,7 +11345,7 @@
               <a:spcBef>
                 <a:spcPct val="20000"/>
               </a:spcBef>
-              <a:buFont typeface="Arial" panose="020B0604020202020204" pitchFamily="34" charset="0"/>
+              <a:buFont typeface="Arial" panose="02080604020202020204" pitchFamily="34" charset="0"/>
               <a:buChar char="•"/>
               <a:defRPr sz="2400">
                 <a:solidFill>
@@ -11512,7 +11360,7 @@
               <a:spcBef>
                 <a:spcPct val="20000"/>
               </a:spcBef>
-              <a:buFont typeface="Arial" panose="020B0604020202020204" pitchFamily="34" charset="0"/>
+              <a:buFont typeface="Arial" panose="02080604020202020204" pitchFamily="34" charset="0"/>
               <a:buChar char="–"/>
               <a:defRPr sz="2000">
                 <a:solidFill>
@@ -11527,7 +11375,7 @@
               <a:spcBef>
                 <a:spcPct val="20000"/>
               </a:spcBef>
-              <a:buFont typeface="Arial" panose="020B0604020202020204" pitchFamily="34" charset="0"/>
+              <a:buFont typeface="Arial" panose="02080604020202020204" pitchFamily="34" charset="0"/>
               <a:buChar char="»"/>
               <a:defRPr sz="2000">
                 <a:solidFill>
@@ -11545,7 +11393,7 @@
               <a:spcAft>
                 <a:spcPct val="0"/>
               </a:spcAft>
-              <a:buFont typeface="Arial" panose="020B0604020202020204" pitchFamily="34" charset="0"/>
+              <a:buFont typeface="Arial" panose="02080604020202020204" pitchFamily="34" charset="0"/>
               <a:buChar char="»"/>
               <a:defRPr sz="2000">
                 <a:solidFill>
@@ -11563,7 +11411,7 @@
               <a:spcAft>
                 <a:spcPct val="0"/>
               </a:spcAft>
-              <a:buFont typeface="Arial" panose="020B0604020202020204" pitchFamily="34" charset="0"/>
+              <a:buFont typeface="Arial" panose="02080604020202020204" pitchFamily="34" charset="0"/>
               <a:buChar char="»"/>
               <a:defRPr sz="2000">
                 <a:solidFill>
@@ -11581,7 +11429,7 @@
               <a:spcAft>
                 <a:spcPct val="0"/>
               </a:spcAft>
-              <a:buFont typeface="Arial" panose="020B0604020202020204" pitchFamily="34" charset="0"/>
+              <a:buFont typeface="Arial" panose="02080604020202020204" pitchFamily="34" charset="0"/>
               <a:buChar char="»"/>
               <a:defRPr sz="2000">
                 <a:solidFill>
@@ -11599,7 +11447,7 @@
               <a:spcAft>
                 <a:spcPct val="0"/>
               </a:spcAft>
-              <a:buFont typeface="Arial" panose="020B0604020202020204" pitchFamily="34" charset="0"/>
+              <a:buFont typeface="Arial" panose="02080604020202020204" pitchFamily="34" charset="0"/>
               <a:buChar char="»"/>
               <a:defRPr sz="2000">
                 <a:solidFill>
@@ -11628,6 +11476,13 @@
               </a:rPr>
               <a:t>实验目的</a:t>
             </a:r>
+            <a:endParaRPr lang="zh-CN" altLang="en-US" sz="2000" dirty="0">
+              <a:solidFill>
+                <a:schemeClr val="accent1"/>
+              </a:solidFill>
+              <a:latin typeface="+mn-ea"/>
+              <a:sym typeface="微软雅黑" panose="020B0503020204020204" pitchFamily="34" charset="-122"/>
+            </a:endParaRPr>
           </a:p>
         </p:txBody>
       </p:sp>
@@ -11771,7 +11626,7 @@
               <a:spcBef>
                 <a:spcPct val="20000"/>
               </a:spcBef>
-              <a:buFont typeface="Arial" panose="020B0604020202020204" pitchFamily="34" charset="0"/>
+              <a:buFont typeface="Arial" panose="02080604020202020204" pitchFamily="34" charset="0"/>
               <a:buChar char="•"/>
               <a:defRPr sz="3200">
                 <a:solidFill>
@@ -11786,7 +11641,7 @@
               <a:spcBef>
                 <a:spcPct val="20000"/>
               </a:spcBef>
-              <a:buFont typeface="Arial" panose="020B0604020202020204" pitchFamily="34" charset="0"/>
+              <a:buFont typeface="Arial" panose="02080604020202020204" pitchFamily="34" charset="0"/>
               <a:buChar char="–"/>
               <a:defRPr sz="2800">
                 <a:solidFill>
@@ -11801,7 +11656,7 @@
               <a:spcBef>
                 <a:spcPct val="20000"/>
               </a:spcBef>
-              <a:buFont typeface="Arial" panose="020B0604020202020204" pitchFamily="34" charset="0"/>
+              <a:buFont typeface="Arial" panose="02080604020202020204" pitchFamily="34" charset="0"/>
               <a:buChar char="•"/>
               <a:defRPr sz="2400">
                 <a:solidFill>
@@ -11816,7 +11671,7 @@
               <a:spcBef>
                 <a:spcPct val="20000"/>
               </a:spcBef>
-              <a:buFont typeface="Arial" panose="020B0604020202020204" pitchFamily="34" charset="0"/>
+              <a:buFont typeface="Arial" panose="02080604020202020204" pitchFamily="34" charset="0"/>
               <a:buChar char="–"/>
               <a:defRPr sz="2000">
                 <a:solidFill>
@@ -11831,7 +11686,7 @@
               <a:spcBef>
                 <a:spcPct val="20000"/>
               </a:spcBef>
-              <a:buFont typeface="Arial" panose="020B0604020202020204" pitchFamily="34" charset="0"/>
+              <a:buFont typeface="Arial" panose="02080604020202020204" pitchFamily="34" charset="0"/>
               <a:buChar char="»"/>
               <a:defRPr sz="2000">
                 <a:solidFill>
@@ -11849,7 +11704,7 @@
               <a:spcAft>
                 <a:spcPct val="0"/>
               </a:spcAft>
-              <a:buFont typeface="Arial" panose="020B0604020202020204" pitchFamily="34" charset="0"/>
+              <a:buFont typeface="Arial" panose="02080604020202020204" pitchFamily="34" charset="0"/>
               <a:buChar char="»"/>
               <a:defRPr sz="2000">
                 <a:solidFill>
@@ -11867,7 +11722,7 @@
               <a:spcAft>
                 <a:spcPct val="0"/>
               </a:spcAft>
-              <a:buFont typeface="Arial" panose="020B0604020202020204" pitchFamily="34" charset="0"/>
+              <a:buFont typeface="Arial" panose="02080604020202020204" pitchFamily="34" charset="0"/>
               <a:buChar char="»"/>
               <a:defRPr sz="2000">
                 <a:solidFill>
@@ -11885,7 +11740,7 @@
               <a:spcAft>
                 <a:spcPct val="0"/>
               </a:spcAft>
-              <a:buFont typeface="Arial" panose="020B0604020202020204" pitchFamily="34" charset="0"/>
+              <a:buFont typeface="Arial" panose="02080604020202020204" pitchFamily="34" charset="0"/>
               <a:buChar char="»"/>
               <a:defRPr sz="2000">
                 <a:solidFill>
@@ -11903,7 +11758,7 @@
               <a:spcAft>
                 <a:spcPct val="0"/>
               </a:spcAft>
-              <a:buFont typeface="Arial" panose="020B0604020202020204" pitchFamily="34" charset="0"/>
+              <a:buFont typeface="Arial" panose="02080604020202020204" pitchFamily="34" charset="0"/>
               <a:buChar char="»"/>
               <a:defRPr sz="2000">
                 <a:solidFill>
@@ -11943,22 +11798,17 @@
         </p:txBody>
       </p:sp>
     </p:spTree>
-    <p:extLst>
-      <p:ext uri="{BB962C8B-B14F-4D97-AF65-F5344CB8AC3E}">
-        <p14:creationId xmlns:p14="http://schemas.microsoft.com/office/powerpoint/2010/main" val="4215040566"/>
-      </p:ext>
-    </p:extLst>
   </p:cSld>
   <p:clrMapOvr>
     <a:masterClrMapping/>
   </p:clrMapOvr>
-  <mc:AlternateContent xmlns:mc="http://schemas.openxmlformats.org/markup-compatibility/2006" xmlns:p14="http://schemas.microsoft.com/office/powerpoint/2010/main">
-    <mc:Choice Requires="p14">
+  <mc:AlternateContent xmlns:mc="http://schemas.openxmlformats.org/markup-compatibility/2006">
+    <mc:Choice xmlns:p14="http://schemas.microsoft.com/office/powerpoint/2010/main" Requires="p14">
       <p:transition spd="med" p14:dur="700">
         <p:fade/>
       </p:transition>
     </mc:Choice>
-    <mc:Fallback xmlns="">
+    <mc:Fallback>
       <p:transition spd="med">
         <p:fade/>
       </p:transition>
@@ -12035,6 +11885,14 @@
               </a:rPr>
               <a:t>中创建项目</a:t>
             </a:r>
+            <a:endParaRPr lang="zh-CN" altLang="en-US" sz="2800" dirty="0" smtClean="0">
+              <a:solidFill>
+                <a:schemeClr val="accent1"/>
+              </a:solidFill>
+              <a:latin typeface="Times New Roman" panose="02020603050405020304" pitchFamily="18" charset="0"/>
+              <a:cs typeface="Times New Roman" panose="02020603050405020304" pitchFamily="18" charset="0"/>
+              <a:sym typeface="微软雅黑" panose="020B0503020204020204" pitchFamily="34" charset="-122"/>
+            </a:endParaRPr>
           </a:p>
         </p:txBody>
       </p:sp>
@@ -12047,7 +11905,7 @@
           <p:nvPr/>
         </p:nvPicPr>
         <p:blipFill>
-          <a:blip r:embed="rId3"/>
+          <a:blip r:embed="rId1"/>
           <a:stretch>
             <a:fillRect/>
           </a:stretch>
@@ -12078,7 +11936,7 @@
           <p:nvPr/>
         </p:nvPicPr>
         <p:blipFill>
-          <a:blip r:embed="rId4">
+          <a:blip r:embed="rId2">
             <a:extLst>
               <a:ext uri="{28A0092B-C50C-407E-A947-70E740481C1C}">
                 <a14:useLocalDpi xmlns:a14="http://schemas.microsoft.com/office/drawing/2010/main" val="0"/>
@@ -12107,22 +11965,17 @@
         </p:spPr>
       </p:pic>
     </p:spTree>
-    <p:extLst>
-      <p:ext uri="{BB962C8B-B14F-4D97-AF65-F5344CB8AC3E}">
-        <p14:creationId xmlns:p14="http://schemas.microsoft.com/office/powerpoint/2010/main" val="2126595851"/>
-      </p:ext>
-    </p:extLst>
   </p:cSld>
   <p:clrMapOvr>
     <a:masterClrMapping/>
   </p:clrMapOvr>
-  <mc:AlternateContent xmlns:mc="http://schemas.openxmlformats.org/markup-compatibility/2006" xmlns:p14="http://schemas.microsoft.com/office/powerpoint/2010/main">
-    <mc:Choice Requires="p14">
+  <mc:AlternateContent xmlns:mc="http://schemas.openxmlformats.org/markup-compatibility/2006">
+    <mc:Choice xmlns:p14="http://schemas.microsoft.com/office/powerpoint/2010/main" Requires="p14">
       <p:transition spd="med" p14:dur="700">
         <p:fade/>
       </p:transition>
     </mc:Choice>
-    <mc:Fallback xmlns="">
+    <mc:Fallback>
       <p:transition spd="med">
         <p:fade/>
       </p:transition>
@@ -12431,6 +12284,14 @@
               </a:rPr>
               <a:t>参数设置</a:t>
             </a:r>
+            <a:endParaRPr lang="zh-CN" altLang="en-US" sz="2800" dirty="0" smtClean="0">
+              <a:solidFill>
+                <a:schemeClr val="accent1"/>
+              </a:solidFill>
+              <a:latin typeface="Times New Roman" panose="02020603050405020304" pitchFamily="18" charset="0"/>
+              <a:cs typeface="Times New Roman" panose="02020603050405020304" pitchFamily="18" charset="0"/>
+              <a:sym typeface="微软雅黑" panose="020B0503020204020204" pitchFamily="34" charset="-122"/>
+            </a:endParaRPr>
           </a:p>
         </p:txBody>
       </p:sp>
@@ -12443,7 +12304,7 @@
           <p:nvPr/>
         </p:nvPicPr>
         <p:blipFill>
-          <a:blip r:embed="rId3">
+          <a:blip r:embed="rId1">
             <a:extLst>
               <a:ext uri="{28A0092B-C50C-407E-A947-70E740481C1C}">
                 <a14:useLocalDpi xmlns:a14="http://schemas.microsoft.com/office/drawing/2010/main" val="0"/>
@@ -12480,7 +12341,7 @@
           <p:nvPr/>
         </p:nvPicPr>
         <p:blipFill>
-          <a:blip r:embed="rId4">
+          <a:blip r:embed="rId2">
             <a:extLst>
               <a:ext uri="{28A0092B-C50C-407E-A947-70E740481C1C}">
                 <a14:useLocalDpi xmlns:a14="http://schemas.microsoft.com/office/drawing/2010/main" val="0"/>
@@ -12555,22 +12416,17 @@
         </p:txBody>
       </p:sp>
     </p:spTree>
-    <p:extLst>
-      <p:ext uri="{BB962C8B-B14F-4D97-AF65-F5344CB8AC3E}">
-        <p14:creationId xmlns:p14="http://schemas.microsoft.com/office/powerpoint/2010/main" val="656029208"/>
-      </p:ext>
-    </p:extLst>
   </p:cSld>
   <p:clrMapOvr>
     <a:masterClrMapping/>
   </p:clrMapOvr>
-  <mc:AlternateContent xmlns:mc="http://schemas.openxmlformats.org/markup-compatibility/2006" xmlns:p14="http://schemas.microsoft.com/office/powerpoint/2010/main">
-    <mc:Choice Requires="p14">
+  <mc:AlternateContent xmlns:mc="http://schemas.openxmlformats.org/markup-compatibility/2006">
+    <mc:Choice xmlns:p14="http://schemas.microsoft.com/office/powerpoint/2010/main" Requires="p14">
       <p:transition spd="med" p14:dur="700">
         <p:fade/>
       </p:transition>
     </mc:Choice>
-    <mc:Fallback xmlns="">
+    <mc:Fallback>
       <p:transition spd="med">
         <p:fade/>
       </p:transition>
@@ -12970,6 +12826,14 @@
               </a:rPr>
               <a:t>断点调试</a:t>
             </a:r>
+            <a:endParaRPr lang="zh-CN" altLang="en-US" sz="2800" dirty="0" smtClean="0">
+              <a:solidFill>
+                <a:schemeClr val="accent1"/>
+              </a:solidFill>
+              <a:latin typeface="Times New Roman" panose="02020603050405020304" pitchFamily="18" charset="0"/>
+              <a:cs typeface="Times New Roman" panose="02020603050405020304" pitchFamily="18" charset="0"/>
+              <a:sym typeface="微软雅黑" panose="020B0503020204020204" pitchFamily="34" charset="-122"/>
+            </a:endParaRPr>
           </a:p>
         </p:txBody>
       </p:sp>
@@ -12982,7 +12846,7 @@
           <p:nvPr/>
         </p:nvPicPr>
         <p:blipFill>
-          <a:blip r:embed="rId3">
+          <a:blip r:embed="rId1">
             <a:extLst>
               <a:ext uri="{28A0092B-C50C-407E-A947-70E740481C1C}">
                 <a14:useLocalDpi xmlns:a14="http://schemas.microsoft.com/office/drawing/2010/main" val="0"/>
@@ -13065,7 +12929,7 @@
           <p:nvPr/>
         </p:nvPicPr>
         <p:blipFill>
-          <a:blip r:embed="rId4">
+          <a:blip r:embed="rId2">
             <a:extLst>
               <a:ext uri="{28A0092B-C50C-407E-A947-70E740481C1C}">
                 <a14:useLocalDpi xmlns:a14="http://schemas.microsoft.com/office/drawing/2010/main" val="0"/>
@@ -13095,7 +12959,7 @@
           <p:nvPr/>
         </p:nvPicPr>
         <p:blipFill>
-          <a:blip r:embed="rId5">
+          <a:blip r:embed="rId3">
             <a:extLst>
               <a:ext uri="{28A0092B-C50C-407E-A947-70E740481C1C}">
                 <a14:useLocalDpi xmlns:a14="http://schemas.microsoft.com/office/drawing/2010/main" val="0"/>
@@ -13125,7 +12989,7 @@
           <p:nvPr/>
         </p:nvPicPr>
         <p:blipFill>
-          <a:blip r:embed="rId6">
+          <a:blip r:embed="rId4">
             <a:extLst>
               <a:ext uri="{28A0092B-C50C-407E-A947-70E740481C1C}">
                 <a14:useLocalDpi xmlns:a14="http://schemas.microsoft.com/office/drawing/2010/main" val="0"/>
@@ -13147,22 +13011,17 @@
         </p:spPr>
       </p:pic>
     </p:spTree>
-    <p:extLst>
-      <p:ext uri="{BB962C8B-B14F-4D97-AF65-F5344CB8AC3E}">
-        <p14:creationId xmlns:p14="http://schemas.microsoft.com/office/powerpoint/2010/main" val="2861902688"/>
-      </p:ext>
-    </p:extLst>
   </p:cSld>
   <p:clrMapOvr>
     <a:masterClrMapping/>
   </p:clrMapOvr>
-  <mc:AlternateContent xmlns:mc="http://schemas.openxmlformats.org/markup-compatibility/2006" xmlns:p14="http://schemas.microsoft.com/office/powerpoint/2010/main">
-    <mc:Choice Requires="p14">
+  <mc:AlternateContent xmlns:mc="http://schemas.openxmlformats.org/markup-compatibility/2006">
+    <mc:Choice xmlns:p14="http://schemas.microsoft.com/office/powerpoint/2010/main" Requires="p14">
       <p:transition spd="med" p14:dur="700">
         <p:fade/>
       </p:transition>
     </mc:Choice>
-    <mc:Fallback xmlns="">
+    <mc:Fallback>
       <p:transition spd="med">
         <p:fade/>
       </p:transition>
@@ -13846,6 +13705,12 @@
               </a:rPr>
               <a:t>函数、类和对象</a:t>
             </a:r>
+            <a:endParaRPr lang="zh-CN" altLang="en-US" sz="4800" b="1" dirty="0" smtClean="0">
+              <a:solidFill>
+                <a:schemeClr val="accent1"/>
+              </a:solidFill>
+              <a:latin typeface="+mn-ea"/>
+            </a:endParaRPr>
           </a:p>
         </p:txBody>
       </p:sp>
@@ -14042,7 +13907,7 @@
               <a:spcBef>
                 <a:spcPct val="20000"/>
               </a:spcBef>
-              <a:buFont typeface="Arial" panose="020B0604020202020204" pitchFamily="34" charset="0"/>
+              <a:buFont typeface="Arial" panose="02080604020202020204" pitchFamily="34" charset="0"/>
               <a:buChar char="•"/>
               <a:defRPr sz="3200">
                 <a:solidFill>
@@ -14057,7 +13922,7 @@
               <a:spcBef>
                 <a:spcPct val="20000"/>
               </a:spcBef>
-              <a:buFont typeface="Arial" panose="020B0604020202020204" pitchFamily="34" charset="0"/>
+              <a:buFont typeface="Arial" panose="02080604020202020204" pitchFamily="34" charset="0"/>
               <a:buChar char="–"/>
               <a:defRPr sz="2800">
                 <a:solidFill>
@@ -14072,7 +13937,7 @@
               <a:spcBef>
                 <a:spcPct val="20000"/>
               </a:spcBef>
-              <a:buFont typeface="Arial" panose="020B0604020202020204" pitchFamily="34" charset="0"/>
+              <a:buFont typeface="Arial" panose="02080604020202020204" pitchFamily="34" charset="0"/>
               <a:buChar char="•"/>
               <a:defRPr sz="2400">
                 <a:solidFill>
@@ -14087,7 +13952,7 @@
               <a:spcBef>
                 <a:spcPct val="20000"/>
               </a:spcBef>
-              <a:buFont typeface="Arial" panose="020B0604020202020204" pitchFamily="34" charset="0"/>
+              <a:buFont typeface="Arial" panose="02080604020202020204" pitchFamily="34" charset="0"/>
               <a:buChar char="–"/>
               <a:defRPr sz="2000">
                 <a:solidFill>
@@ -14102,7 +13967,7 @@
               <a:spcBef>
                 <a:spcPct val="20000"/>
               </a:spcBef>
-              <a:buFont typeface="Arial" panose="020B0604020202020204" pitchFamily="34" charset="0"/>
+              <a:buFont typeface="Arial" panose="02080604020202020204" pitchFamily="34" charset="0"/>
               <a:buChar char="»"/>
               <a:defRPr sz="2000">
                 <a:solidFill>
@@ -14120,7 +13985,7 @@
               <a:spcAft>
                 <a:spcPct val="0"/>
               </a:spcAft>
-              <a:buFont typeface="Arial" panose="020B0604020202020204" pitchFamily="34" charset="0"/>
+              <a:buFont typeface="Arial" panose="02080604020202020204" pitchFamily="34" charset="0"/>
               <a:buChar char="»"/>
               <a:defRPr sz="2000">
                 <a:solidFill>
@@ -14138,7 +14003,7 @@
               <a:spcAft>
                 <a:spcPct val="0"/>
               </a:spcAft>
-              <a:buFont typeface="Arial" panose="020B0604020202020204" pitchFamily="34" charset="0"/>
+              <a:buFont typeface="Arial" panose="02080604020202020204" pitchFamily="34" charset="0"/>
               <a:buChar char="»"/>
               <a:defRPr sz="2000">
                 <a:solidFill>
@@ -14156,7 +14021,7 @@
               <a:spcAft>
                 <a:spcPct val="0"/>
               </a:spcAft>
-              <a:buFont typeface="Arial" panose="020B0604020202020204" pitchFamily="34" charset="0"/>
+              <a:buFont typeface="Arial" panose="02080604020202020204" pitchFamily="34" charset="0"/>
               <a:buChar char="»"/>
               <a:defRPr sz="2000">
                 <a:solidFill>
@@ -14174,7 +14039,7 @@
               <a:spcAft>
                 <a:spcPct val="0"/>
               </a:spcAft>
-              <a:buFont typeface="Arial" panose="020B0604020202020204" pitchFamily="34" charset="0"/>
+              <a:buFont typeface="Arial" panose="02080604020202020204" pitchFamily="34" charset="0"/>
               <a:buChar char="»"/>
               <a:defRPr sz="2000">
                 <a:solidFill>
@@ -14262,7 +14127,7 @@
               <a:spcBef>
                 <a:spcPct val="20000"/>
               </a:spcBef>
-              <a:buFont typeface="Arial" panose="020B0604020202020204" pitchFamily="34" charset="0"/>
+              <a:buFont typeface="Arial" panose="02080604020202020204" pitchFamily="34" charset="0"/>
               <a:buChar char="•"/>
               <a:defRPr sz="3200">
                 <a:solidFill>
@@ -14277,7 +14142,7 @@
               <a:spcBef>
                 <a:spcPct val="20000"/>
               </a:spcBef>
-              <a:buFont typeface="Arial" panose="020B0604020202020204" pitchFamily="34" charset="0"/>
+              <a:buFont typeface="Arial" panose="02080604020202020204" pitchFamily="34" charset="0"/>
               <a:buChar char="–"/>
               <a:defRPr sz="2800">
                 <a:solidFill>
@@ -14292,7 +14157,7 @@
               <a:spcBef>
                 <a:spcPct val="20000"/>
               </a:spcBef>
-              <a:buFont typeface="Arial" panose="020B0604020202020204" pitchFamily="34" charset="0"/>
+              <a:buFont typeface="Arial" panose="02080604020202020204" pitchFamily="34" charset="0"/>
               <a:buChar char="•"/>
               <a:defRPr sz="2400">
                 <a:solidFill>
@@ -14307,7 +14172,7 @@
               <a:spcBef>
                 <a:spcPct val="20000"/>
               </a:spcBef>
-              <a:buFont typeface="Arial" panose="020B0604020202020204" pitchFamily="34" charset="0"/>
+              <a:buFont typeface="Arial" panose="02080604020202020204" pitchFamily="34" charset="0"/>
               <a:buChar char="–"/>
               <a:defRPr sz="2000">
                 <a:solidFill>
@@ -14322,7 +14187,7 @@
               <a:spcBef>
                 <a:spcPct val="20000"/>
               </a:spcBef>
-              <a:buFont typeface="Arial" panose="020B0604020202020204" pitchFamily="34" charset="0"/>
+              <a:buFont typeface="Arial" panose="02080604020202020204" pitchFamily="34" charset="0"/>
               <a:buChar char="»"/>
               <a:defRPr sz="2000">
                 <a:solidFill>
@@ -14340,7 +14205,7 @@
               <a:spcAft>
                 <a:spcPct val="0"/>
               </a:spcAft>
-              <a:buFont typeface="Arial" panose="020B0604020202020204" pitchFamily="34" charset="0"/>
+              <a:buFont typeface="Arial" panose="02080604020202020204" pitchFamily="34" charset="0"/>
               <a:buChar char="»"/>
               <a:defRPr sz="2000">
                 <a:solidFill>
@@ -14358,7 +14223,7 @@
               <a:spcAft>
                 <a:spcPct val="0"/>
               </a:spcAft>
-              <a:buFont typeface="Arial" panose="020B0604020202020204" pitchFamily="34" charset="0"/>
+              <a:buFont typeface="Arial" panose="02080604020202020204" pitchFamily="34" charset="0"/>
               <a:buChar char="»"/>
               <a:defRPr sz="2000">
                 <a:solidFill>
@@ -14376,7 +14241,7 @@
               <a:spcAft>
                 <a:spcPct val="0"/>
               </a:spcAft>
-              <a:buFont typeface="Arial" panose="020B0604020202020204" pitchFamily="34" charset="0"/>
+              <a:buFont typeface="Arial" panose="02080604020202020204" pitchFamily="34" charset="0"/>
               <a:buChar char="»"/>
               <a:defRPr sz="2000">
                 <a:solidFill>
@@ -14394,7 +14259,7 @@
               <a:spcAft>
                 <a:spcPct val="0"/>
               </a:spcAft>
-              <a:buFont typeface="Arial" panose="020B0604020202020204" pitchFamily="34" charset="0"/>
+              <a:buFont typeface="Arial" panose="02080604020202020204" pitchFamily="34" charset="0"/>
               <a:buChar char="»"/>
               <a:defRPr sz="2000">
                 <a:solidFill>
@@ -14423,6 +14288,13 @@
               </a:rPr>
               <a:t>实验目的</a:t>
             </a:r>
+            <a:endParaRPr lang="zh-CN" altLang="en-US" sz="2000" dirty="0">
+              <a:solidFill>
+                <a:schemeClr val="accent1"/>
+              </a:solidFill>
+              <a:latin typeface="+mn-ea"/>
+              <a:sym typeface="微软雅黑" panose="020B0503020204020204" pitchFamily="34" charset="-122"/>
+            </a:endParaRPr>
           </a:p>
         </p:txBody>
       </p:sp>
@@ -14566,7 +14438,7 @@
               <a:spcBef>
                 <a:spcPct val="20000"/>
               </a:spcBef>
-              <a:buFont typeface="Arial" panose="020B0604020202020204" pitchFamily="34" charset="0"/>
+              <a:buFont typeface="Arial" panose="02080604020202020204" pitchFamily="34" charset="0"/>
               <a:buChar char="•"/>
               <a:defRPr sz="3200">
                 <a:solidFill>
@@ -14581,7 +14453,7 @@
               <a:spcBef>
                 <a:spcPct val="20000"/>
               </a:spcBef>
-              <a:buFont typeface="Arial" panose="020B0604020202020204" pitchFamily="34" charset="0"/>
+              <a:buFont typeface="Arial" panose="02080604020202020204" pitchFamily="34" charset="0"/>
               <a:buChar char="–"/>
               <a:defRPr sz="2800">
                 <a:solidFill>
@@ -14596,7 +14468,7 @@
               <a:spcBef>
                 <a:spcPct val="20000"/>
               </a:spcBef>
-              <a:buFont typeface="Arial" panose="020B0604020202020204" pitchFamily="34" charset="0"/>
+              <a:buFont typeface="Arial" panose="02080604020202020204" pitchFamily="34" charset="0"/>
               <a:buChar char="•"/>
               <a:defRPr sz="2400">
                 <a:solidFill>
@@ -14611,7 +14483,7 @@
               <a:spcBef>
                 <a:spcPct val="20000"/>
               </a:spcBef>
-              <a:buFont typeface="Arial" panose="020B0604020202020204" pitchFamily="34" charset="0"/>
+              <a:buFont typeface="Arial" panose="02080604020202020204" pitchFamily="34" charset="0"/>
               <a:buChar char="–"/>
               <a:defRPr sz="2000">
                 <a:solidFill>
@@ -14626,7 +14498,7 @@
               <a:spcBef>
                 <a:spcPct val="20000"/>
               </a:spcBef>
-              <a:buFont typeface="Arial" panose="020B0604020202020204" pitchFamily="34" charset="0"/>
+              <a:buFont typeface="Arial" panose="02080604020202020204" pitchFamily="34" charset="0"/>
               <a:buChar char="»"/>
               <a:defRPr sz="2000">
                 <a:solidFill>
@@ -14644,7 +14516,7 @@
               <a:spcAft>
                 <a:spcPct val="0"/>
               </a:spcAft>
-              <a:buFont typeface="Arial" panose="020B0604020202020204" pitchFamily="34" charset="0"/>
+              <a:buFont typeface="Arial" panose="02080604020202020204" pitchFamily="34" charset="0"/>
               <a:buChar char="»"/>
               <a:defRPr sz="2000">
                 <a:solidFill>
@@ -14662,7 +14534,7 @@
               <a:spcAft>
                 <a:spcPct val="0"/>
               </a:spcAft>
-              <a:buFont typeface="Arial" panose="020B0604020202020204" pitchFamily="34" charset="0"/>
+              <a:buFont typeface="Arial" panose="02080604020202020204" pitchFamily="34" charset="0"/>
               <a:buChar char="»"/>
               <a:defRPr sz="2000">
                 <a:solidFill>
@@ -14680,7 +14552,7 @@
               <a:spcAft>
                 <a:spcPct val="0"/>
               </a:spcAft>
-              <a:buFont typeface="Arial" panose="020B0604020202020204" pitchFamily="34" charset="0"/>
+              <a:buFont typeface="Arial" panose="02080604020202020204" pitchFamily="34" charset="0"/>
               <a:buChar char="»"/>
               <a:defRPr sz="2000">
                 <a:solidFill>
@@ -14698,7 +14570,7 @@
               <a:spcAft>
                 <a:spcPct val="0"/>
               </a:spcAft>
-              <a:buFont typeface="Arial" panose="020B0604020202020204" pitchFamily="34" charset="0"/>
+              <a:buFont typeface="Arial" panose="02080604020202020204" pitchFamily="34" charset="0"/>
               <a:buChar char="»"/>
               <a:defRPr sz="2000">
                 <a:solidFill>
@@ -14738,22 +14610,17 @@
         </p:txBody>
       </p:sp>
     </p:spTree>
-    <p:extLst>
-      <p:ext uri="{BB962C8B-B14F-4D97-AF65-F5344CB8AC3E}">
-        <p14:creationId xmlns:p14="http://schemas.microsoft.com/office/powerpoint/2010/main" val="1571711487"/>
-      </p:ext>
-    </p:extLst>
   </p:cSld>
   <p:clrMapOvr>
     <a:masterClrMapping/>
   </p:clrMapOvr>
-  <mc:AlternateContent xmlns:mc="http://schemas.openxmlformats.org/markup-compatibility/2006" xmlns:p14="http://schemas.microsoft.com/office/powerpoint/2010/main">
-    <mc:Choice Requires="p14">
+  <mc:AlternateContent xmlns:mc="http://schemas.openxmlformats.org/markup-compatibility/2006">
+    <mc:Choice xmlns:p14="http://schemas.microsoft.com/office/powerpoint/2010/main" Requires="p14">
       <p:transition spd="med" p14:dur="700">
         <p:fade/>
       </p:transition>
     </mc:Choice>
-    <mc:Fallback xmlns="">
+    <mc:Fallback>
       <p:transition spd="med">
         <p:fade/>
       </p:transition>
@@ -14770,7 +14637,7 @@
 </file>
 
 <file path=ppt/tags/tag1.xml><?xml version="1.0" encoding="utf-8"?>
-<p:tagLst xmlns:a="http://schemas.openxmlformats.org/drawingml/2006/main" xmlns:r="http://schemas.openxmlformats.org/officeDocument/2006/relationships" xmlns:p="http://schemas.openxmlformats.org/presentationml/2006/main">
+<p:tagLst xmlns:p="http://schemas.openxmlformats.org/presentationml/2006/main">
   <p:tag name="KSO_WM_TEMPLATE_TOPIC_ID" val="2869567"/>
   <p:tag name="KSO_WM_TEMPLATE_OUTLINE_ID" val="14"/>
   <p:tag name="KSO_WM_TEMPLATE_SCENE_ID" val="1"/>
@@ -14780,7 +14647,7 @@
 </file>
 
 <file path=ppt/tags/tag2.xml><?xml version="1.0" encoding="utf-8"?>
-<p:tagLst xmlns:a="http://schemas.openxmlformats.org/drawingml/2006/main" xmlns:r="http://schemas.openxmlformats.org/officeDocument/2006/relationships" xmlns:p="http://schemas.openxmlformats.org/presentationml/2006/main">
+<p:tagLst xmlns:p="http://schemas.openxmlformats.org/presentationml/2006/main">
   <p:tag name="KSO_WM_TEMPLATE_TOPIC_ID" val="2869567"/>
   <p:tag name="KSO_WM_TEMPLATE_OUTLINE_ID" val="14"/>
   <p:tag name="KSO_WM_TEMPLATE_SCENE_ID" val="1"/>
@@ -14832,7 +14699,7 @@
     </a:clrScheme>
     <a:fontScheme name="Office">
       <a:majorFont>
-        <a:latin typeface="等线 Light" panose="020F0302020204030204"/>
+        <a:latin typeface="等线 Light"/>
         <a:ea typeface=""/>
         <a:cs typeface=""/>
         <a:font script="Jpan" typeface="游ゴシック Light"/>
@@ -14867,7 +14734,7 @@
         <a:font script="Geor" typeface="Sylfaen"/>
       </a:majorFont>
       <a:minorFont>
-        <a:latin typeface="等线" panose="020F0502020204030204"/>
+        <a:latin typeface="等线"/>
         <a:ea typeface=""/>
         <a:cs typeface=""/>
         <a:font script="Jpan" typeface="游ゴシック"/>
@@ -15040,8 +14907,6 @@
       </a:bgFillStyleLst>
     </a:fmtScheme>
   </a:themeElements>
-  <a:objectDefaults/>
-  <a:extraClrSchemeLst/>
   <a:extLst>
     <a:ext uri="{05A4C25C-085E-4340-85A3-A5531E510DB2}">
       <thm15:themeFamily xmlns:thm15="http://schemas.microsoft.com/office/thememl/2012/main" name="Office Theme" id="{62F939B6-93AF-4DB8-9C6B-D6C7DFDC589F}" vid="{4A3C46E8-61CC-4603-A589-7422A47A8E4A}"/>
@@ -15093,7 +14958,7 @@
     </a:clrScheme>
     <a:fontScheme name="Office">
       <a:majorFont>
-        <a:latin typeface="等线 Light" panose="020F0302020204030204"/>
+        <a:latin typeface="等线 Light"/>
         <a:ea typeface=""/>
         <a:cs typeface=""/>
         <a:font script="Jpan" typeface="游ゴシック Light"/>
@@ -15128,7 +14993,7 @@
         <a:font script="Geor" typeface="Sylfaen"/>
       </a:majorFont>
       <a:minorFont>
-        <a:latin typeface="等线" panose="020F0502020204030204"/>
+        <a:latin typeface="等线"/>
         <a:ea typeface=""/>
         <a:cs typeface=""/>
         <a:font script="Jpan" typeface="游ゴシック"/>
@@ -15301,8 +15166,6 @@
       </a:bgFillStyleLst>
     </a:fmtScheme>
   </a:themeElements>
-  <a:objectDefaults/>
-  <a:extraClrSchemeLst/>
   <a:extLst>
     <a:ext uri="{05A4C25C-085E-4340-85A3-A5531E510DB2}">
       <thm15:themeFamily xmlns:thm15="http://schemas.microsoft.com/office/thememl/2012/main" name="Office Theme" id="{62F939B6-93AF-4DB8-9C6B-D6C7DFDC589F}" vid="{4A3C46E8-61CC-4603-A589-7422A47A8E4A}"/>
